--- a/PPTT_DIANDA_II.pptx
+++ b/PPTT_DIANDA_II.pptx
@@ -5,7 +5,7 @@
     <p:sldMasterId id="2147483648" r:id="rId4"/>
   </p:sldMasterIdLst>
   <p:notesMasterIdLst>
-    <p:notesMasterId r:id="rId13"/>
+    <p:notesMasterId r:id="rId19"/>
   </p:notesMasterIdLst>
   <p:sldIdLst>
     <p:sldId id="256" r:id="rId5"/>
@@ -15,24 +15,30 @@
     <p:sldId id="267" r:id="rId9"/>
     <p:sldId id="269" r:id="rId10"/>
     <p:sldId id="270" r:id="rId11"/>
-    <p:sldId id="262" r:id="rId12"/>
+    <p:sldId id="272" r:id="rId12"/>
+    <p:sldId id="276" r:id="rId13"/>
+    <p:sldId id="273" r:id="rId14"/>
+    <p:sldId id="274" r:id="rId15"/>
+    <p:sldId id="275" r:id="rId16"/>
+    <p:sldId id="277" r:id="rId17"/>
+    <p:sldId id="262" r:id="rId18"/>
   </p:sldIdLst>
   <p:sldSz cx="18288000" cy="10287000"/>
   <p:notesSz cx="6858000" cy="9144000"/>
   <p:embeddedFontLst>
     <p:embeddedFont>
       <p:font typeface="Fira Sans Light" panose="020B0403050000020004" pitchFamily="34" charset="0"/>
-      <p:regular r:id="rId14"/>
-      <p:italic r:id="rId15"/>
+      <p:regular r:id="rId20"/>
+      <p:italic r:id="rId21"/>
     </p:embeddedFont>
     <p:embeddedFont>
       <p:font typeface="Fira Sans Semi-Bold" panose="020B0604020202020204" charset="0"/>
-      <p:regular r:id="rId16"/>
-      <p:bold r:id="rId17"/>
+      <p:regular r:id="rId22"/>
+      <p:bold r:id="rId23"/>
     </p:embeddedFont>
     <p:embeddedFont>
       <p:font typeface="JA Jayagiri Sans" panose="020B0604020202020204" charset="0"/>
-      <p:regular r:id="rId18"/>
+      <p:regular r:id="rId24"/>
     </p:embeddedFont>
   </p:embeddedFontLst>
   <p:defaultTextStyle>
@@ -607,6 +613,354 @@
 </p:notes>
 </file>
 
+<file path=ppt/notesSlides/notesSlide10.xml><?xml version="1.0" encoding="utf-8"?>
+<p:notes xmlns:a="http://schemas.openxmlformats.org/drawingml/2006/main" xmlns:r="http://schemas.openxmlformats.org/officeDocument/2006/relationships" xmlns:p="http://schemas.openxmlformats.org/presentationml/2006/main">
+  <p:cSld>
+    <p:spTree>
+      <p:nvGrpSpPr>
+        <p:cNvPr id="1" name=""/>
+        <p:cNvGrpSpPr/>
+        <p:nvPr/>
+      </p:nvGrpSpPr>
+      <p:grpSpPr>
+        <a:xfrm>
+          <a:off x="0" y="0"/>
+          <a:ext cx="0" cy="0"/>
+          <a:chOff x="0" y="0"/>
+          <a:chExt cx="0" cy="0"/>
+        </a:xfrm>
+      </p:grpSpPr>
+      <p:sp>
+        <p:nvSpPr>
+          <p:cNvPr id="2" name="Marcador de imagen de diapositiva 1"/>
+          <p:cNvSpPr>
+            <a:spLocks noGrp="1" noRot="1" noChangeAspect="1"/>
+          </p:cNvSpPr>
+          <p:nvPr>
+            <p:ph type="sldImg"/>
+          </p:nvPr>
+        </p:nvSpPr>
+        <p:spPr/>
+      </p:sp>
+      <p:sp>
+        <p:nvSpPr>
+          <p:cNvPr id="3" name="Marcador de notas 2"/>
+          <p:cNvSpPr>
+            <a:spLocks noGrp="1"/>
+          </p:cNvSpPr>
+          <p:nvPr>
+            <p:ph type="body" idx="1"/>
+          </p:nvPr>
+        </p:nvSpPr>
+        <p:spPr/>
+        <p:txBody>
+          <a:bodyPr/>
+          <a:lstStyle/>
+          <a:p>
+            <a:r>
+              <a:rPr lang="es-MX" dirty="0"/>
+              <a:t>Brindar seguridad a los datos es una tarea difícil pero obligatoria, pero nuestro deber como ingenieros en sistemas con conocimiento en criptografía es proteger la información de la gente con nuestro conocimiento, ya que ellos depositan su confianza en nosotros, por esto debemos buscar el equilibrio entre seguridad, procesamiento y almacenamiento. Ahora que se conoce una taxonomía de los datos sensibles y una amplia variedad de algoritmos criptográficos podemos planear pruebas que medirán el desempeño de estos algoritmos y sugerir el óptimo con base en su tiempo de ejecución y uso de memoria cifrando datos específicos.</a:t>
+            </a:r>
+          </a:p>
+        </p:txBody>
+      </p:sp>
+      <p:sp>
+        <p:nvSpPr>
+          <p:cNvPr id="4" name="Marcador de número de diapositiva 3"/>
+          <p:cNvSpPr>
+            <a:spLocks noGrp="1"/>
+          </p:cNvSpPr>
+          <p:nvPr>
+            <p:ph type="sldNum" sz="quarter" idx="5"/>
+          </p:nvPr>
+        </p:nvSpPr>
+        <p:spPr/>
+        <p:txBody>
+          <a:bodyPr/>
+          <a:lstStyle/>
+          <a:p>
+            <a:fld id="{B326FA37-95B9-4969-8AEE-67E17A4E5270}" type="slidenum">
+              <a:rPr lang="es-MX" smtClean="0"/>
+              <a:t>10</a:t>
+            </a:fld>
+            <a:endParaRPr lang="es-MX"/>
+          </a:p>
+        </p:txBody>
+      </p:sp>
+    </p:spTree>
+    <p:extLst>
+      <p:ext uri="{BB962C8B-B14F-4D97-AF65-F5344CB8AC3E}">
+        <p14:creationId xmlns:p14="http://schemas.microsoft.com/office/powerpoint/2010/main" val="223694800"/>
+      </p:ext>
+    </p:extLst>
+  </p:cSld>
+  <p:clrMapOvr>
+    <a:masterClrMapping/>
+  </p:clrMapOvr>
+</p:notes>
+</file>
+
+<file path=ppt/notesSlides/notesSlide11.xml><?xml version="1.0" encoding="utf-8"?>
+<p:notes xmlns:a="http://schemas.openxmlformats.org/drawingml/2006/main" xmlns:r="http://schemas.openxmlformats.org/officeDocument/2006/relationships" xmlns:p="http://schemas.openxmlformats.org/presentationml/2006/main">
+  <p:cSld>
+    <p:spTree>
+      <p:nvGrpSpPr>
+        <p:cNvPr id="1" name=""/>
+        <p:cNvGrpSpPr/>
+        <p:nvPr/>
+      </p:nvGrpSpPr>
+      <p:grpSpPr>
+        <a:xfrm>
+          <a:off x="0" y="0"/>
+          <a:ext cx="0" cy="0"/>
+          <a:chOff x="0" y="0"/>
+          <a:chExt cx="0" cy="0"/>
+        </a:xfrm>
+      </p:grpSpPr>
+      <p:sp>
+        <p:nvSpPr>
+          <p:cNvPr id="2" name="Marcador de imagen de diapositiva 1"/>
+          <p:cNvSpPr>
+            <a:spLocks noGrp="1" noRot="1" noChangeAspect="1"/>
+          </p:cNvSpPr>
+          <p:nvPr>
+            <p:ph type="sldImg"/>
+          </p:nvPr>
+        </p:nvSpPr>
+        <p:spPr/>
+      </p:sp>
+      <p:sp>
+        <p:nvSpPr>
+          <p:cNvPr id="3" name="Marcador de notas 2"/>
+          <p:cNvSpPr>
+            <a:spLocks noGrp="1"/>
+          </p:cNvSpPr>
+          <p:nvPr>
+            <p:ph type="body" idx="1"/>
+          </p:nvPr>
+        </p:nvSpPr>
+        <p:spPr/>
+        <p:txBody>
+          <a:bodyPr/>
+          <a:lstStyle/>
+          <a:p>
+            <a:r>
+              <a:rPr lang="es-MX" dirty="0"/>
+              <a:t>Brindar seguridad a los datos es una tarea difícil pero obligatoria, pero nuestro deber como ingenieros en sistemas con conocimiento en criptografía es proteger la información de la gente con nuestro conocimiento, ya que ellos depositan su confianza en nosotros, por esto debemos buscar el equilibrio entre seguridad, procesamiento y almacenamiento. Ahora que se conoce una taxonomía de los datos sensibles y una amplia variedad de algoritmos criptográficos podemos planear pruebas que medirán el desempeño de estos algoritmos y sugerir el óptimo con base en su tiempo de ejecución y uso de memoria cifrando datos específicos.</a:t>
+            </a:r>
+          </a:p>
+        </p:txBody>
+      </p:sp>
+      <p:sp>
+        <p:nvSpPr>
+          <p:cNvPr id="4" name="Marcador de número de diapositiva 3"/>
+          <p:cNvSpPr>
+            <a:spLocks noGrp="1"/>
+          </p:cNvSpPr>
+          <p:nvPr>
+            <p:ph type="sldNum" sz="quarter" idx="5"/>
+          </p:nvPr>
+        </p:nvSpPr>
+        <p:spPr/>
+        <p:txBody>
+          <a:bodyPr/>
+          <a:lstStyle/>
+          <a:p>
+            <a:fld id="{B326FA37-95B9-4969-8AEE-67E17A4E5270}" type="slidenum">
+              <a:rPr lang="es-MX" smtClean="0"/>
+              <a:t>11</a:t>
+            </a:fld>
+            <a:endParaRPr lang="es-MX"/>
+          </a:p>
+        </p:txBody>
+      </p:sp>
+    </p:spTree>
+    <p:extLst>
+      <p:ext uri="{BB962C8B-B14F-4D97-AF65-F5344CB8AC3E}">
+        <p14:creationId xmlns:p14="http://schemas.microsoft.com/office/powerpoint/2010/main" val="1351330995"/>
+      </p:ext>
+    </p:extLst>
+  </p:cSld>
+  <p:clrMapOvr>
+    <a:masterClrMapping/>
+  </p:clrMapOvr>
+</p:notes>
+</file>
+
+<file path=ppt/notesSlides/notesSlide12.xml><?xml version="1.0" encoding="utf-8"?>
+<p:notes xmlns:a="http://schemas.openxmlformats.org/drawingml/2006/main" xmlns:r="http://schemas.openxmlformats.org/officeDocument/2006/relationships" xmlns:p="http://schemas.openxmlformats.org/presentationml/2006/main">
+  <p:cSld>
+    <p:spTree>
+      <p:nvGrpSpPr>
+        <p:cNvPr id="1" name=""/>
+        <p:cNvGrpSpPr/>
+        <p:nvPr/>
+      </p:nvGrpSpPr>
+      <p:grpSpPr>
+        <a:xfrm>
+          <a:off x="0" y="0"/>
+          <a:ext cx="0" cy="0"/>
+          <a:chOff x="0" y="0"/>
+          <a:chExt cx="0" cy="0"/>
+        </a:xfrm>
+      </p:grpSpPr>
+      <p:sp>
+        <p:nvSpPr>
+          <p:cNvPr id="2" name="Marcador de imagen de diapositiva 1"/>
+          <p:cNvSpPr>
+            <a:spLocks noGrp="1" noRot="1" noChangeAspect="1"/>
+          </p:cNvSpPr>
+          <p:nvPr>
+            <p:ph type="sldImg"/>
+          </p:nvPr>
+        </p:nvSpPr>
+        <p:spPr/>
+      </p:sp>
+      <p:sp>
+        <p:nvSpPr>
+          <p:cNvPr id="3" name="Marcador de notas 2"/>
+          <p:cNvSpPr>
+            <a:spLocks noGrp="1"/>
+          </p:cNvSpPr>
+          <p:nvPr>
+            <p:ph type="body" idx="1"/>
+          </p:nvPr>
+        </p:nvSpPr>
+        <p:spPr/>
+        <p:txBody>
+          <a:bodyPr/>
+          <a:lstStyle/>
+          <a:p>
+            <a:r>
+              <a:rPr lang="es-MX" dirty="0"/>
+              <a:t>Brindar seguridad a los datos es una tarea difícil pero obligatoria, pero nuestro deber como ingenieros en sistemas con conocimiento en criptografía es proteger la información de la gente con nuestro conocimiento, ya que ellos depositan su confianza en nosotros, por esto debemos buscar el equilibrio entre seguridad, procesamiento y almacenamiento. Ahora que se conoce una taxonomía de los datos sensibles y una amplia variedad de algoritmos criptográficos podemos planear pruebas que medirán el desempeño de estos algoritmos y sugerir el óptimo con base en su tiempo de ejecución y uso de memoria cifrando datos específicos.</a:t>
+            </a:r>
+          </a:p>
+        </p:txBody>
+      </p:sp>
+      <p:sp>
+        <p:nvSpPr>
+          <p:cNvPr id="4" name="Marcador de número de diapositiva 3"/>
+          <p:cNvSpPr>
+            <a:spLocks noGrp="1"/>
+          </p:cNvSpPr>
+          <p:nvPr>
+            <p:ph type="sldNum" sz="quarter" idx="5"/>
+          </p:nvPr>
+        </p:nvSpPr>
+        <p:spPr/>
+        <p:txBody>
+          <a:bodyPr/>
+          <a:lstStyle/>
+          <a:p>
+            <a:fld id="{B326FA37-95B9-4969-8AEE-67E17A4E5270}" type="slidenum">
+              <a:rPr lang="es-MX" smtClean="0"/>
+              <a:t>12</a:t>
+            </a:fld>
+            <a:endParaRPr lang="es-MX"/>
+          </a:p>
+        </p:txBody>
+      </p:sp>
+    </p:spTree>
+    <p:extLst>
+      <p:ext uri="{BB962C8B-B14F-4D97-AF65-F5344CB8AC3E}">
+        <p14:creationId xmlns:p14="http://schemas.microsoft.com/office/powerpoint/2010/main" val="3830930494"/>
+      </p:ext>
+    </p:extLst>
+  </p:cSld>
+  <p:clrMapOvr>
+    <a:masterClrMapping/>
+  </p:clrMapOvr>
+</p:notes>
+</file>
+
+<file path=ppt/notesSlides/notesSlide13.xml><?xml version="1.0" encoding="utf-8"?>
+<p:notes xmlns:a="http://schemas.openxmlformats.org/drawingml/2006/main" xmlns:r="http://schemas.openxmlformats.org/officeDocument/2006/relationships" xmlns:p="http://schemas.openxmlformats.org/presentationml/2006/main">
+  <p:cSld>
+    <p:spTree>
+      <p:nvGrpSpPr>
+        <p:cNvPr id="1" name=""/>
+        <p:cNvGrpSpPr/>
+        <p:nvPr/>
+      </p:nvGrpSpPr>
+      <p:grpSpPr>
+        <a:xfrm>
+          <a:off x="0" y="0"/>
+          <a:ext cx="0" cy="0"/>
+          <a:chOff x="0" y="0"/>
+          <a:chExt cx="0" cy="0"/>
+        </a:xfrm>
+      </p:grpSpPr>
+      <p:sp>
+        <p:nvSpPr>
+          <p:cNvPr id="2" name="Marcador de imagen de diapositiva 1"/>
+          <p:cNvSpPr>
+            <a:spLocks noGrp="1" noRot="1" noChangeAspect="1"/>
+          </p:cNvSpPr>
+          <p:nvPr>
+            <p:ph type="sldImg"/>
+          </p:nvPr>
+        </p:nvSpPr>
+        <p:spPr/>
+      </p:sp>
+      <p:sp>
+        <p:nvSpPr>
+          <p:cNvPr id="3" name="Marcador de notas 2"/>
+          <p:cNvSpPr>
+            <a:spLocks noGrp="1"/>
+          </p:cNvSpPr>
+          <p:nvPr>
+            <p:ph type="body" idx="1"/>
+          </p:nvPr>
+        </p:nvSpPr>
+        <p:spPr/>
+        <p:txBody>
+          <a:bodyPr/>
+          <a:lstStyle/>
+          <a:p>
+            <a:r>
+              <a:rPr lang="es-MX" dirty="0"/>
+              <a:t>Brindar seguridad a los datos es una tarea difícil pero obligatoria, pero nuestro deber como ingenieros en sistemas con conocimiento en criptografía es proteger la información de la gente con nuestro conocimiento, ya que ellos depositan su confianza en nosotros, por esto debemos buscar el equilibrio entre seguridad, procesamiento y almacenamiento. Ahora que se conoce una taxonomía de los datos sensibles y una amplia variedad de algoritmos criptográficos podemos planear pruebas que medirán el desempeño de estos algoritmos y sugerir el óptimo con base en su tiempo de ejecución y uso de memoria cifrando datos específicos.</a:t>
+            </a:r>
+          </a:p>
+        </p:txBody>
+      </p:sp>
+      <p:sp>
+        <p:nvSpPr>
+          <p:cNvPr id="4" name="Marcador de número de diapositiva 3"/>
+          <p:cNvSpPr>
+            <a:spLocks noGrp="1"/>
+          </p:cNvSpPr>
+          <p:nvPr>
+            <p:ph type="sldNum" sz="quarter" idx="5"/>
+          </p:nvPr>
+        </p:nvSpPr>
+        <p:spPr/>
+        <p:txBody>
+          <a:bodyPr/>
+          <a:lstStyle/>
+          <a:p>
+            <a:fld id="{B326FA37-95B9-4969-8AEE-67E17A4E5270}" type="slidenum">
+              <a:rPr lang="es-MX" smtClean="0"/>
+              <a:t>13</a:t>
+            </a:fld>
+            <a:endParaRPr lang="es-MX"/>
+          </a:p>
+        </p:txBody>
+      </p:sp>
+    </p:spTree>
+    <p:extLst>
+      <p:ext uri="{BB962C8B-B14F-4D97-AF65-F5344CB8AC3E}">
+        <p14:creationId xmlns:p14="http://schemas.microsoft.com/office/powerpoint/2010/main" val="2070126736"/>
+      </p:ext>
+    </p:extLst>
+  </p:cSld>
+  <p:clrMapOvr>
+    <a:masterClrMapping/>
+  </p:clrMapOvr>
+</p:notes>
+</file>
+
 <file path=ppt/notesSlides/notesSlide2.xml><?xml version="1.0" encoding="utf-8"?>
 <p:notes xmlns:a="http://schemas.openxmlformats.org/drawingml/2006/main" xmlns:r="http://schemas.openxmlformats.org/officeDocument/2006/relationships" xmlns:p="http://schemas.openxmlformats.org/presentationml/2006/main">
   <p:cSld>
@@ -1322,6 +1676,180 @@
     <p:extLst>
       <p:ext uri="{BB962C8B-B14F-4D97-AF65-F5344CB8AC3E}">
         <p14:creationId xmlns:p14="http://schemas.microsoft.com/office/powerpoint/2010/main" val="4031398540"/>
+      </p:ext>
+    </p:extLst>
+  </p:cSld>
+  <p:clrMapOvr>
+    <a:masterClrMapping/>
+  </p:clrMapOvr>
+</p:notes>
+</file>
+
+<file path=ppt/notesSlides/notesSlide8.xml><?xml version="1.0" encoding="utf-8"?>
+<p:notes xmlns:a="http://schemas.openxmlformats.org/drawingml/2006/main" xmlns:r="http://schemas.openxmlformats.org/officeDocument/2006/relationships" xmlns:p="http://schemas.openxmlformats.org/presentationml/2006/main">
+  <p:cSld>
+    <p:spTree>
+      <p:nvGrpSpPr>
+        <p:cNvPr id="1" name=""/>
+        <p:cNvGrpSpPr/>
+        <p:nvPr/>
+      </p:nvGrpSpPr>
+      <p:grpSpPr>
+        <a:xfrm>
+          <a:off x="0" y="0"/>
+          <a:ext cx="0" cy="0"/>
+          <a:chOff x="0" y="0"/>
+          <a:chExt cx="0" cy="0"/>
+        </a:xfrm>
+      </p:grpSpPr>
+      <p:sp>
+        <p:nvSpPr>
+          <p:cNvPr id="2" name="Marcador de imagen de diapositiva 1"/>
+          <p:cNvSpPr>
+            <a:spLocks noGrp="1" noRot="1" noChangeAspect="1"/>
+          </p:cNvSpPr>
+          <p:nvPr>
+            <p:ph type="sldImg"/>
+          </p:nvPr>
+        </p:nvSpPr>
+        <p:spPr/>
+      </p:sp>
+      <p:sp>
+        <p:nvSpPr>
+          <p:cNvPr id="3" name="Marcador de notas 2"/>
+          <p:cNvSpPr>
+            <a:spLocks noGrp="1"/>
+          </p:cNvSpPr>
+          <p:nvPr>
+            <p:ph type="body" idx="1"/>
+          </p:nvPr>
+        </p:nvSpPr>
+        <p:spPr/>
+        <p:txBody>
+          <a:bodyPr/>
+          <a:lstStyle/>
+          <a:p>
+            <a:r>
+              <a:rPr lang="es-MX" dirty="0"/>
+              <a:t>Brindar seguridad a los datos es una tarea difícil pero obligatoria, pero nuestro deber como ingenieros en sistemas con conocimiento en criptografía es proteger la información de la gente con nuestro conocimiento, ya que ellos depositan su confianza en nosotros, por esto debemos buscar el equilibrio entre seguridad, procesamiento y almacenamiento. Ahora que se conoce una taxonomía de los datos sensibles y una amplia variedad de algoritmos criptográficos podemos planear pruebas que medirán el desempeño de estos algoritmos y sugerir el óptimo con base en su tiempo de ejecución y uso de memoria cifrando datos específicos.</a:t>
+            </a:r>
+          </a:p>
+        </p:txBody>
+      </p:sp>
+      <p:sp>
+        <p:nvSpPr>
+          <p:cNvPr id="4" name="Marcador de número de diapositiva 3"/>
+          <p:cNvSpPr>
+            <a:spLocks noGrp="1"/>
+          </p:cNvSpPr>
+          <p:nvPr>
+            <p:ph type="sldNum" sz="quarter" idx="5"/>
+          </p:nvPr>
+        </p:nvSpPr>
+        <p:spPr/>
+        <p:txBody>
+          <a:bodyPr/>
+          <a:lstStyle/>
+          <a:p>
+            <a:fld id="{B326FA37-95B9-4969-8AEE-67E17A4E5270}" type="slidenum">
+              <a:rPr lang="es-MX" smtClean="0"/>
+              <a:t>8</a:t>
+            </a:fld>
+            <a:endParaRPr lang="es-MX"/>
+          </a:p>
+        </p:txBody>
+      </p:sp>
+    </p:spTree>
+    <p:extLst>
+      <p:ext uri="{BB962C8B-B14F-4D97-AF65-F5344CB8AC3E}">
+        <p14:creationId xmlns:p14="http://schemas.microsoft.com/office/powerpoint/2010/main" val="3489487602"/>
+      </p:ext>
+    </p:extLst>
+  </p:cSld>
+  <p:clrMapOvr>
+    <a:masterClrMapping/>
+  </p:clrMapOvr>
+</p:notes>
+</file>
+
+<file path=ppt/notesSlides/notesSlide9.xml><?xml version="1.0" encoding="utf-8"?>
+<p:notes xmlns:a="http://schemas.openxmlformats.org/drawingml/2006/main" xmlns:r="http://schemas.openxmlformats.org/officeDocument/2006/relationships" xmlns:p="http://schemas.openxmlformats.org/presentationml/2006/main">
+  <p:cSld>
+    <p:spTree>
+      <p:nvGrpSpPr>
+        <p:cNvPr id="1" name=""/>
+        <p:cNvGrpSpPr/>
+        <p:nvPr/>
+      </p:nvGrpSpPr>
+      <p:grpSpPr>
+        <a:xfrm>
+          <a:off x="0" y="0"/>
+          <a:ext cx="0" cy="0"/>
+          <a:chOff x="0" y="0"/>
+          <a:chExt cx="0" cy="0"/>
+        </a:xfrm>
+      </p:grpSpPr>
+      <p:sp>
+        <p:nvSpPr>
+          <p:cNvPr id="2" name="Marcador de imagen de diapositiva 1"/>
+          <p:cNvSpPr>
+            <a:spLocks noGrp="1" noRot="1" noChangeAspect="1"/>
+          </p:cNvSpPr>
+          <p:nvPr>
+            <p:ph type="sldImg"/>
+          </p:nvPr>
+        </p:nvSpPr>
+        <p:spPr/>
+      </p:sp>
+      <p:sp>
+        <p:nvSpPr>
+          <p:cNvPr id="3" name="Marcador de notas 2"/>
+          <p:cNvSpPr>
+            <a:spLocks noGrp="1"/>
+          </p:cNvSpPr>
+          <p:nvPr>
+            <p:ph type="body" idx="1"/>
+          </p:nvPr>
+        </p:nvSpPr>
+        <p:spPr/>
+        <p:txBody>
+          <a:bodyPr/>
+          <a:lstStyle/>
+          <a:p>
+            <a:r>
+              <a:rPr lang="es-MX" dirty="0"/>
+              <a:t>Brindar seguridad a los datos es una tarea difícil pero obligatoria, pero nuestro deber como ingenieros en sistemas con conocimiento en criptografía es proteger la información de la gente con nuestro conocimiento, ya que ellos depositan su confianza en nosotros, por esto debemos buscar el equilibrio entre seguridad, procesamiento y almacenamiento. Ahora que se conoce una taxonomía de los datos sensibles y una amplia variedad de algoritmos criptográficos podemos planear pruebas que medirán el desempeño de estos algoritmos y sugerir el óptimo con base en su tiempo de ejecución y uso de memoria cifrando datos específicos.</a:t>
+            </a:r>
+          </a:p>
+        </p:txBody>
+      </p:sp>
+      <p:sp>
+        <p:nvSpPr>
+          <p:cNvPr id="4" name="Marcador de número de diapositiva 3"/>
+          <p:cNvSpPr>
+            <a:spLocks noGrp="1"/>
+          </p:cNvSpPr>
+          <p:nvPr>
+            <p:ph type="sldNum" sz="quarter" idx="5"/>
+          </p:nvPr>
+        </p:nvSpPr>
+        <p:spPr/>
+        <p:txBody>
+          <a:bodyPr/>
+          <a:lstStyle/>
+          <a:p>
+            <a:fld id="{B326FA37-95B9-4969-8AEE-67E17A4E5270}" type="slidenum">
+              <a:rPr lang="es-MX" smtClean="0"/>
+              <a:t>9</a:t>
+            </a:fld>
+            <a:endParaRPr lang="es-MX"/>
+          </a:p>
+        </p:txBody>
+      </p:sp>
+    </p:spTree>
+    <p:extLst>
+      <p:ext uri="{BB962C8B-B14F-4D97-AF65-F5344CB8AC3E}">
+        <p14:creationId xmlns:p14="http://schemas.microsoft.com/office/powerpoint/2010/main" val="3756999195"/>
       </p:ext>
     </p:extLst>
   </p:cSld>
@@ -4994,6 +5522,3520 @@
 </p:sld>
 </file>
 
+<file path=ppt/slides/slide10.xml><?xml version="1.0" encoding="utf-8"?>
+<p:sld xmlns:a="http://schemas.openxmlformats.org/drawingml/2006/main" xmlns:r="http://schemas.openxmlformats.org/officeDocument/2006/relationships" xmlns:p="http://schemas.openxmlformats.org/presentationml/2006/main">
+  <p:cSld>
+    <p:spTree>
+      <p:nvGrpSpPr>
+        <p:cNvPr id="1" name=""/>
+        <p:cNvGrpSpPr/>
+        <p:nvPr/>
+      </p:nvGrpSpPr>
+      <p:grpSpPr>
+        <a:xfrm>
+          <a:off x="0" y="0"/>
+          <a:ext cx="0" cy="0"/>
+          <a:chOff x="0" y="0"/>
+          <a:chExt cx="0" cy="0"/>
+        </a:xfrm>
+      </p:grpSpPr>
+      <p:grpSp>
+        <p:nvGrpSpPr>
+          <p:cNvPr id="5" name="Group 5"/>
+          <p:cNvGrpSpPr/>
+          <p:nvPr/>
+        </p:nvGrpSpPr>
+        <p:grpSpPr>
+          <a:xfrm rot="-10800000">
+            <a:off x="13587123" y="-2751112"/>
+            <a:ext cx="7395802" cy="5502224"/>
+            <a:chOff x="0" y="0"/>
+            <a:chExt cx="7220896" cy="5372100"/>
+          </a:xfrm>
+          <a:solidFill>
+            <a:srgbClr val="2D3250"/>
+          </a:solidFill>
+        </p:grpSpPr>
+        <p:sp>
+          <p:nvSpPr>
+            <p:cNvPr id="6" name="Freeform 6"/>
+            <p:cNvSpPr/>
+            <p:nvPr/>
+          </p:nvSpPr>
+          <p:spPr>
+            <a:xfrm>
+              <a:off x="0" y="0"/>
+              <a:ext cx="7220896" cy="5372100"/>
+            </a:xfrm>
+            <a:custGeom>
+              <a:avLst/>
+              <a:gdLst/>
+              <a:ahLst/>
+              <a:cxnLst/>
+              <a:rect l="l" t="t" r="r" b="b"/>
+              <a:pathLst>
+                <a:path w="7220896" h="5372100">
+                  <a:moveTo>
+                    <a:pt x="5670226" y="0"/>
+                  </a:moveTo>
+                  <a:lnTo>
+                    <a:pt x="1550670" y="0"/>
+                  </a:lnTo>
+                  <a:lnTo>
+                    <a:pt x="0" y="2686050"/>
+                  </a:lnTo>
+                  <a:lnTo>
+                    <a:pt x="1550670" y="5372100"/>
+                  </a:lnTo>
+                  <a:lnTo>
+                    <a:pt x="5670226" y="5372100"/>
+                  </a:lnTo>
+                  <a:lnTo>
+                    <a:pt x="7220896" y="2686050"/>
+                  </a:lnTo>
+                  <a:lnTo>
+                    <a:pt x="5670226" y="0"/>
+                  </a:lnTo>
+                  <a:close/>
+                </a:path>
+              </a:pathLst>
+            </a:custGeom>
+            <a:grpFill/>
+          </p:spPr>
+          <p:txBody>
+            <a:bodyPr/>
+            <a:lstStyle/>
+            <a:p>
+              <a:endParaRPr lang="es-MX"/>
+            </a:p>
+          </p:txBody>
+        </p:sp>
+      </p:grpSp>
+      <p:sp>
+        <p:nvSpPr>
+          <p:cNvPr id="7" name="TextBox 7"/>
+          <p:cNvSpPr txBox="1"/>
+          <p:nvPr/>
+        </p:nvSpPr>
+        <p:spPr>
+          <a:xfrm>
+            <a:off x="999390" y="618550"/>
+            <a:ext cx="9715501" cy="1231106"/>
+          </a:xfrm>
+          <a:prstGeom prst="rect">
+            <a:avLst/>
+          </a:prstGeom>
+        </p:spPr>
+        <p:txBody>
+          <a:bodyPr wrap="square" lIns="0" tIns="0" rIns="0" bIns="0" rtlCol="0" anchor="t">
+            <a:spAutoFit/>
+          </a:bodyPr>
+          <a:lstStyle/>
+          <a:p>
+            <a:pPr marL="0" lvl="0" indent="0">
+              <a:spcBef>
+                <a:spcPct val="0"/>
+              </a:spcBef>
+            </a:pPr>
+            <a:r>
+              <a:rPr lang="es-MX" sz="4000" dirty="0">
+                <a:solidFill>
+                  <a:srgbClr val="000000"/>
+                </a:solidFill>
+                <a:latin typeface="Fira Sans Semi-Bold"/>
+              </a:rPr>
+              <a:t>Implementación de Sistema de Detección de Estilos de Aprendizaje</a:t>
+            </a:r>
+            <a:endParaRPr lang="es-MX" sz="4000" u="none" dirty="0">
+              <a:solidFill>
+                <a:srgbClr val="000000"/>
+              </a:solidFill>
+              <a:latin typeface="Fira Sans Semi-Bold"/>
+            </a:endParaRPr>
+          </a:p>
+        </p:txBody>
+      </p:sp>
+      <p:grpSp>
+        <p:nvGrpSpPr>
+          <p:cNvPr id="16" name="Group 16"/>
+          <p:cNvGrpSpPr/>
+          <p:nvPr/>
+        </p:nvGrpSpPr>
+        <p:grpSpPr>
+          <a:xfrm rot="-10800000">
+            <a:off x="11621759" y="-1739113"/>
+            <a:ext cx="2929239" cy="3013773"/>
+            <a:chOff x="0" y="0"/>
+            <a:chExt cx="5221416" cy="5372100"/>
+          </a:xfrm>
+          <a:solidFill>
+            <a:srgbClr val="F9B17A"/>
+          </a:solidFill>
+        </p:grpSpPr>
+        <p:sp>
+          <p:nvSpPr>
+            <p:cNvPr id="17" name="Freeform 17"/>
+            <p:cNvSpPr/>
+            <p:nvPr/>
+          </p:nvSpPr>
+          <p:spPr>
+            <a:xfrm>
+              <a:off x="0" y="0"/>
+              <a:ext cx="5221416" cy="5372100"/>
+            </a:xfrm>
+            <a:custGeom>
+              <a:avLst/>
+              <a:gdLst/>
+              <a:ahLst/>
+              <a:cxnLst/>
+              <a:rect l="l" t="t" r="r" b="b"/>
+              <a:pathLst>
+                <a:path w="5221416" h="5372100">
+                  <a:moveTo>
+                    <a:pt x="3670746" y="0"/>
+                  </a:moveTo>
+                  <a:lnTo>
+                    <a:pt x="1550670" y="0"/>
+                  </a:lnTo>
+                  <a:lnTo>
+                    <a:pt x="0" y="2686050"/>
+                  </a:lnTo>
+                  <a:lnTo>
+                    <a:pt x="1550670" y="5372100"/>
+                  </a:lnTo>
+                  <a:lnTo>
+                    <a:pt x="3670746" y="5372100"/>
+                  </a:lnTo>
+                  <a:lnTo>
+                    <a:pt x="5221416" y="2686050"/>
+                  </a:lnTo>
+                  <a:lnTo>
+                    <a:pt x="3670746" y="0"/>
+                  </a:lnTo>
+                  <a:close/>
+                </a:path>
+              </a:pathLst>
+            </a:custGeom>
+            <a:grpFill/>
+          </p:spPr>
+          <p:txBody>
+            <a:bodyPr/>
+            <a:lstStyle/>
+            <a:p>
+              <a:endParaRPr lang="es-MX"/>
+            </a:p>
+          </p:txBody>
+        </p:sp>
+      </p:grpSp>
+      <p:grpSp>
+        <p:nvGrpSpPr>
+          <p:cNvPr id="18" name="Group 18"/>
+          <p:cNvGrpSpPr/>
+          <p:nvPr/>
+        </p:nvGrpSpPr>
+        <p:grpSpPr>
+          <a:xfrm rot="-10800000">
+            <a:off x="-1643644" y="9951501"/>
+            <a:ext cx="17768494" cy="1949023"/>
+            <a:chOff x="0" y="0"/>
+            <a:chExt cx="48975363" cy="5372100"/>
+          </a:xfrm>
+          <a:solidFill>
+            <a:srgbClr val="2D3250"/>
+          </a:solidFill>
+        </p:grpSpPr>
+        <p:sp>
+          <p:nvSpPr>
+            <p:cNvPr id="19" name="Freeform 19"/>
+            <p:cNvSpPr/>
+            <p:nvPr/>
+          </p:nvSpPr>
+          <p:spPr>
+            <a:xfrm>
+              <a:off x="0" y="0"/>
+              <a:ext cx="48975364" cy="5372100"/>
+            </a:xfrm>
+            <a:custGeom>
+              <a:avLst/>
+              <a:gdLst/>
+              <a:ahLst/>
+              <a:cxnLst/>
+              <a:rect l="l" t="t" r="r" b="b"/>
+              <a:pathLst>
+                <a:path w="48975364" h="5372100">
+                  <a:moveTo>
+                    <a:pt x="47424693" y="0"/>
+                  </a:moveTo>
+                  <a:lnTo>
+                    <a:pt x="1550670" y="0"/>
+                  </a:lnTo>
+                  <a:lnTo>
+                    <a:pt x="0" y="2686050"/>
+                  </a:lnTo>
+                  <a:lnTo>
+                    <a:pt x="1550670" y="5372100"/>
+                  </a:lnTo>
+                  <a:lnTo>
+                    <a:pt x="47424693" y="5372100"/>
+                  </a:lnTo>
+                  <a:lnTo>
+                    <a:pt x="48975364" y="2686050"/>
+                  </a:lnTo>
+                  <a:lnTo>
+                    <a:pt x="47424693" y="0"/>
+                  </a:lnTo>
+                  <a:close/>
+                </a:path>
+              </a:pathLst>
+            </a:custGeom>
+            <a:grpFill/>
+          </p:spPr>
+          <p:txBody>
+            <a:bodyPr/>
+            <a:lstStyle/>
+            <a:p>
+              <a:endParaRPr lang="es-MX"/>
+            </a:p>
+          </p:txBody>
+        </p:sp>
+      </p:grpSp>
+      <p:sp>
+        <p:nvSpPr>
+          <p:cNvPr id="2" name="Marcador de contenido 2">
+            <a:extLst>
+              <a:ext uri="{FF2B5EF4-FFF2-40B4-BE49-F238E27FC236}">
+                <a16:creationId xmlns:a16="http://schemas.microsoft.com/office/drawing/2014/main" id="{ED29DC63-94CD-3D79-7690-C84949583E74}"/>
+              </a:ext>
+            </a:extLst>
+          </p:cNvPr>
+          <p:cNvSpPr txBox="1">
+            <a:spLocks/>
+          </p:cNvSpPr>
+          <p:nvPr/>
+        </p:nvSpPr>
+        <p:spPr>
+          <a:xfrm>
+            <a:off x="999390" y="2967830"/>
+            <a:ext cx="16831409" cy="6214269"/>
+          </a:xfrm>
+          <a:prstGeom prst="rect">
+            <a:avLst/>
+          </a:prstGeom>
+        </p:spPr>
+        <p:txBody>
+          <a:bodyPr/>
+          <a:lstStyle>
+            <a:lvl1pPr marL="342900" indent="-342900" algn="l" defTabSz="914400" rtl="0" eaLnBrk="1" latinLnBrk="0" hangingPunct="1">
+              <a:spcBef>
+                <a:spcPct val="20000"/>
+              </a:spcBef>
+              <a:buFont typeface="Arial" pitchFamily="34" charset="0"/>
+              <a:buChar char="•"/>
+              <a:defRPr sz="3200" kern="1200">
+                <a:solidFill>
+                  <a:schemeClr val="tx1"/>
+                </a:solidFill>
+                <a:latin typeface="+mn-lt"/>
+                <a:ea typeface="+mn-ea"/>
+                <a:cs typeface="+mn-cs"/>
+              </a:defRPr>
+            </a:lvl1pPr>
+            <a:lvl2pPr marL="742950" indent="-285750" algn="l" defTabSz="914400" rtl="0" eaLnBrk="1" latinLnBrk="0" hangingPunct="1">
+              <a:spcBef>
+                <a:spcPct val="20000"/>
+              </a:spcBef>
+              <a:buFont typeface="Arial" pitchFamily="34" charset="0"/>
+              <a:buChar char="–"/>
+              <a:defRPr sz="2800" kern="1200">
+                <a:solidFill>
+                  <a:schemeClr val="tx1"/>
+                </a:solidFill>
+                <a:latin typeface="+mn-lt"/>
+                <a:ea typeface="+mn-ea"/>
+                <a:cs typeface="+mn-cs"/>
+              </a:defRPr>
+            </a:lvl2pPr>
+            <a:lvl3pPr marL="1143000" indent="-228600" algn="l" defTabSz="914400" rtl="0" eaLnBrk="1" latinLnBrk="0" hangingPunct="1">
+              <a:spcBef>
+                <a:spcPct val="20000"/>
+              </a:spcBef>
+              <a:buFont typeface="Arial" pitchFamily="34" charset="0"/>
+              <a:buChar char="•"/>
+              <a:defRPr sz="2400" kern="1200">
+                <a:solidFill>
+                  <a:schemeClr val="tx1"/>
+                </a:solidFill>
+                <a:latin typeface="+mn-lt"/>
+                <a:ea typeface="+mn-ea"/>
+                <a:cs typeface="+mn-cs"/>
+              </a:defRPr>
+            </a:lvl3pPr>
+            <a:lvl4pPr marL="1600200" indent="-228600" algn="l" defTabSz="914400" rtl="0" eaLnBrk="1" latinLnBrk="0" hangingPunct="1">
+              <a:spcBef>
+                <a:spcPct val="20000"/>
+              </a:spcBef>
+              <a:buFont typeface="Arial" pitchFamily="34" charset="0"/>
+              <a:buChar char="–"/>
+              <a:defRPr sz="2000" kern="1200">
+                <a:solidFill>
+                  <a:schemeClr val="tx1"/>
+                </a:solidFill>
+                <a:latin typeface="+mn-lt"/>
+                <a:ea typeface="+mn-ea"/>
+                <a:cs typeface="+mn-cs"/>
+              </a:defRPr>
+            </a:lvl4pPr>
+            <a:lvl5pPr marL="2057400" indent="-228600" algn="l" defTabSz="914400" rtl="0" eaLnBrk="1" latinLnBrk="0" hangingPunct="1">
+              <a:spcBef>
+                <a:spcPct val="20000"/>
+              </a:spcBef>
+              <a:buFont typeface="Arial" pitchFamily="34" charset="0"/>
+              <a:buChar char="»"/>
+              <a:defRPr sz="2000" kern="1200">
+                <a:solidFill>
+                  <a:schemeClr val="tx1"/>
+                </a:solidFill>
+                <a:latin typeface="+mn-lt"/>
+                <a:ea typeface="+mn-ea"/>
+                <a:cs typeface="+mn-cs"/>
+              </a:defRPr>
+            </a:lvl5pPr>
+            <a:lvl6pPr marL="2514600" indent="-228600" algn="l" defTabSz="914400" rtl="0" eaLnBrk="1" latinLnBrk="0" hangingPunct="1">
+              <a:spcBef>
+                <a:spcPct val="20000"/>
+              </a:spcBef>
+              <a:buFont typeface="Arial" pitchFamily="34" charset="0"/>
+              <a:buChar char="•"/>
+              <a:defRPr sz="2000" kern="1200">
+                <a:solidFill>
+                  <a:schemeClr val="tx1"/>
+                </a:solidFill>
+                <a:latin typeface="+mn-lt"/>
+                <a:ea typeface="+mn-ea"/>
+                <a:cs typeface="+mn-cs"/>
+              </a:defRPr>
+            </a:lvl6pPr>
+            <a:lvl7pPr marL="2971800" indent="-228600" algn="l" defTabSz="914400" rtl="0" eaLnBrk="1" latinLnBrk="0" hangingPunct="1">
+              <a:spcBef>
+                <a:spcPct val="20000"/>
+              </a:spcBef>
+              <a:buFont typeface="Arial" pitchFamily="34" charset="0"/>
+              <a:buChar char="•"/>
+              <a:defRPr sz="2000" kern="1200">
+                <a:solidFill>
+                  <a:schemeClr val="tx1"/>
+                </a:solidFill>
+                <a:latin typeface="+mn-lt"/>
+                <a:ea typeface="+mn-ea"/>
+                <a:cs typeface="+mn-cs"/>
+              </a:defRPr>
+            </a:lvl7pPr>
+            <a:lvl8pPr marL="3429000" indent="-228600" algn="l" defTabSz="914400" rtl="0" eaLnBrk="1" latinLnBrk="0" hangingPunct="1">
+              <a:spcBef>
+                <a:spcPct val="20000"/>
+              </a:spcBef>
+              <a:buFont typeface="Arial" pitchFamily="34" charset="0"/>
+              <a:buChar char="•"/>
+              <a:defRPr sz="2000" kern="1200">
+                <a:solidFill>
+                  <a:schemeClr val="tx1"/>
+                </a:solidFill>
+                <a:latin typeface="+mn-lt"/>
+                <a:ea typeface="+mn-ea"/>
+                <a:cs typeface="+mn-cs"/>
+              </a:defRPr>
+            </a:lvl8pPr>
+            <a:lvl9pPr marL="3886200" indent="-228600" algn="l" defTabSz="914400" rtl="0" eaLnBrk="1" latinLnBrk="0" hangingPunct="1">
+              <a:spcBef>
+                <a:spcPct val="20000"/>
+              </a:spcBef>
+              <a:buFont typeface="Arial" pitchFamily="34" charset="0"/>
+              <a:buChar char="•"/>
+              <a:defRPr sz="2000" kern="1200">
+                <a:solidFill>
+                  <a:schemeClr val="tx1"/>
+                </a:solidFill>
+                <a:latin typeface="+mn-lt"/>
+                <a:ea typeface="+mn-ea"/>
+                <a:cs typeface="+mn-cs"/>
+              </a:defRPr>
+            </a:lvl9pPr>
+          </a:lstStyle>
+          <a:p>
+            <a:endParaRPr lang="es-MX" sz="4400" dirty="0"/>
+          </a:p>
+        </p:txBody>
+      </p:sp>
+      <p:sp>
+        <p:nvSpPr>
+          <p:cNvPr id="4" name="Marcador de número de diapositiva 3">
+            <a:extLst>
+              <a:ext uri="{FF2B5EF4-FFF2-40B4-BE49-F238E27FC236}">
+                <a16:creationId xmlns:a16="http://schemas.microsoft.com/office/drawing/2014/main" id="{56D9984C-F715-46E9-9FE5-D26D7EF78402}"/>
+              </a:ext>
+            </a:extLst>
+          </p:cNvPr>
+          <p:cNvSpPr>
+            <a:spLocks noGrp="1"/>
+          </p:cNvSpPr>
+          <p:nvPr>
+            <p:ph type="sldNum" sz="quarter" idx="12"/>
+          </p:nvPr>
+        </p:nvSpPr>
+        <p:spPr>
+          <a:xfrm>
+            <a:off x="15679614" y="9201674"/>
+            <a:ext cx="2133600" cy="365125"/>
+          </a:xfrm>
+        </p:spPr>
+        <p:txBody>
+          <a:bodyPr/>
+          <a:lstStyle/>
+          <a:p>
+            <a:fld id="{B6F15528-21DE-4FAA-801E-634DDDAF4B2B}" type="slidenum">
+              <a:rPr lang="en-US" sz="3200" smtClean="0"/>
+              <a:pPr/>
+              <a:t>10</a:t>
+            </a:fld>
+            <a:endParaRPr lang="en-US" sz="3200"/>
+          </a:p>
+        </p:txBody>
+      </p:sp>
+      <p:sp>
+        <p:nvSpPr>
+          <p:cNvPr id="3" name="TextBox 7">
+            <a:extLst>
+              <a:ext uri="{FF2B5EF4-FFF2-40B4-BE49-F238E27FC236}">
+                <a16:creationId xmlns:a16="http://schemas.microsoft.com/office/drawing/2014/main" id="{04A40C6B-20F0-C389-A5FC-5A3FD073FED2}"/>
+              </a:ext>
+            </a:extLst>
+          </p:cNvPr>
+          <p:cNvSpPr txBox="1"/>
+          <p:nvPr/>
+        </p:nvSpPr>
+        <p:spPr>
+          <a:xfrm>
+            <a:off x="3021155" y="7774037"/>
+            <a:ext cx="4029811" cy="830997"/>
+          </a:xfrm>
+          <a:prstGeom prst="rect">
+            <a:avLst/>
+          </a:prstGeom>
+        </p:spPr>
+        <p:txBody>
+          <a:bodyPr wrap="square" lIns="0" tIns="0" rIns="0" bIns="0" rtlCol="0" anchor="t">
+            <a:spAutoFit/>
+          </a:bodyPr>
+          <a:lstStyle/>
+          <a:p>
+            <a:pPr marL="0" lvl="0" indent="0" algn="ctr">
+              <a:spcBef>
+                <a:spcPct val="0"/>
+              </a:spcBef>
+            </a:pPr>
+            <a:r>
+              <a:rPr lang="es-MX" dirty="0">
+                <a:solidFill>
+                  <a:srgbClr val="676F9D"/>
+                </a:solidFill>
+                <a:latin typeface="Fira Sans Semi-Bold"/>
+              </a:rPr>
+              <a:t>Pulsar en “Enviar” para evaluar respuestas con modelo de machine </a:t>
+            </a:r>
+            <a:r>
+              <a:rPr lang="es-MX" dirty="0" err="1">
+                <a:solidFill>
+                  <a:srgbClr val="676F9D"/>
+                </a:solidFill>
+                <a:latin typeface="Fira Sans Semi-Bold"/>
+              </a:rPr>
+              <a:t>learning</a:t>
+            </a:r>
+            <a:r>
+              <a:rPr lang="es-MX" dirty="0">
+                <a:solidFill>
+                  <a:srgbClr val="676F9D"/>
+                </a:solidFill>
+                <a:latin typeface="Fira Sans Semi-Bold"/>
+              </a:rPr>
+              <a:t> (Método POST)</a:t>
+            </a:r>
+            <a:endParaRPr lang="es-MX" u="none" dirty="0">
+              <a:solidFill>
+                <a:srgbClr val="676F9D"/>
+              </a:solidFill>
+              <a:latin typeface="Fira Sans Semi-Bold"/>
+            </a:endParaRPr>
+          </a:p>
+        </p:txBody>
+      </p:sp>
+      <p:pic>
+        <p:nvPicPr>
+          <p:cNvPr id="11" name="Imagen 10" descr="Interfaz de usuario gráfica, Texto&#10;&#10;Descripción generada automáticamente">
+            <a:extLst>
+              <a:ext uri="{FF2B5EF4-FFF2-40B4-BE49-F238E27FC236}">
+                <a16:creationId xmlns:a16="http://schemas.microsoft.com/office/drawing/2014/main" id="{6EF59129-C6C2-520E-46D6-9EC9C2E96771}"/>
+              </a:ext>
+            </a:extLst>
+          </p:cNvPr>
+          <p:cNvPicPr>
+            <a:picLocks noChangeAspect="1"/>
+          </p:cNvPicPr>
+          <p:nvPr/>
+        </p:nvPicPr>
+        <p:blipFill>
+          <a:blip r:embed="rId3">
+            <a:extLst>
+              <a:ext uri="{28A0092B-C50C-407E-A947-70E740481C1C}">
+                <a14:useLocalDpi xmlns:a14="http://schemas.microsoft.com/office/drawing/2010/main" val="0"/>
+              </a:ext>
+            </a:extLst>
+          </a:blip>
+          <a:stretch>
+            <a:fillRect/>
+          </a:stretch>
+        </p:blipFill>
+        <p:spPr>
+          <a:xfrm>
+            <a:off x="928123" y="2136831"/>
+            <a:ext cx="8215877" cy="4682701"/>
+          </a:xfrm>
+          <a:prstGeom prst="rect">
+            <a:avLst/>
+          </a:prstGeom>
+        </p:spPr>
+      </p:pic>
+      <p:pic>
+        <p:nvPicPr>
+          <p:cNvPr id="14" name="Imagen 13" descr="Interfaz de usuario gráfica, Texto, Aplicación, Correo electrónico&#10;&#10;Descripción generada automáticamente">
+            <a:extLst>
+              <a:ext uri="{FF2B5EF4-FFF2-40B4-BE49-F238E27FC236}">
+                <a16:creationId xmlns:a16="http://schemas.microsoft.com/office/drawing/2014/main" id="{76648E9A-C94A-0800-28E2-A6BA63FD8B4D}"/>
+              </a:ext>
+            </a:extLst>
+          </p:cNvPr>
+          <p:cNvPicPr>
+            <a:picLocks noChangeAspect="1"/>
+          </p:cNvPicPr>
+          <p:nvPr/>
+        </p:nvPicPr>
+        <p:blipFill>
+          <a:blip r:embed="rId4">
+            <a:extLst>
+              <a:ext uri="{28A0092B-C50C-407E-A947-70E740481C1C}">
+                <a14:useLocalDpi xmlns:a14="http://schemas.microsoft.com/office/drawing/2010/main" val="0"/>
+              </a:ext>
+            </a:extLst>
+          </a:blip>
+          <a:stretch>
+            <a:fillRect/>
+          </a:stretch>
+        </p:blipFill>
+        <p:spPr>
+          <a:xfrm>
+            <a:off x="9432511" y="4782771"/>
+            <a:ext cx="8625984" cy="4919425"/>
+          </a:xfrm>
+          <a:prstGeom prst="rect">
+            <a:avLst/>
+          </a:prstGeom>
+        </p:spPr>
+      </p:pic>
+      <p:sp>
+        <p:nvSpPr>
+          <p:cNvPr id="21" name="TextBox 7">
+            <a:extLst>
+              <a:ext uri="{FF2B5EF4-FFF2-40B4-BE49-F238E27FC236}">
+                <a16:creationId xmlns:a16="http://schemas.microsoft.com/office/drawing/2014/main" id="{C8C0F4A6-D7AB-C500-781C-2759448D0A8C}"/>
+              </a:ext>
+            </a:extLst>
+          </p:cNvPr>
+          <p:cNvSpPr txBox="1"/>
+          <p:nvPr/>
+        </p:nvSpPr>
+        <p:spPr>
+          <a:xfrm>
+            <a:off x="11071472" y="3089602"/>
+            <a:ext cx="4029811" cy="738664"/>
+          </a:xfrm>
+          <a:prstGeom prst="rect">
+            <a:avLst/>
+          </a:prstGeom>
+        </p:spPr>
+        <p:txBody>
+          <a:bodyPr wrap="square" lIns="0" tIns="0" rIns="0" bIns="0" rtlCol="0" anchor="t">
+            <a:spAutoFit/>
+          </a:bodyPr>
+          <a:lstStyle/>
+          <a:p>
+            <a:pPr marL="0" lvl="0" indent="0" algn="ctr">
+              <a:spcBef>
+                <a:spcPct val="0"/>
+              </a:spcBef>
+            </a:pPr>
+            <a:r>
+              <a:rPr lang="es-MX" sz="2400" u="none" dirty="0">
+                <a:solidFill>
+                  <a:srgbClr val="676F9D"/>
+                </a:solidFill>
+                <a:latin typeface="Fira Sans Semi-Bold"/>
+              </a:rPr>
+              <a:t>Interfaz de Usuario: Formulario</a:t>
+            </a:r>
+          </a:p>
+        </p:txBody>
+      </p:sp>
+    </p:spTree>
+    <p:extLst>
+      <p:ext uri="{BB962C8B-B14F-4D97-AF65-F5344CB8AC3E}">
+        <p14:creationId xmlns:p14="http://schemas.microsoft.com/office/powerpoint/2010/main" val="404295848"/>
+      </p:ext>
+    </p:extLst>
+  </p:cSld>
+  <p:clrMapOvr>
+    <a:masterClrMapping/>
+  </p:clrMapOvr>
+</p:sld>
+</file>
+
+<file path=ppt/slides/slide11.xml><?xml version="1.0" encoding="utf-8"?>
+<p:sld xmlns:a="http://schemas.openxmlformats.org/drawingml/2006/main" xmlns:r="http://schemas.openxmlformats.org/officeDocument/2006/relationships" xmlns:p="http://schemas.openxmlformats.org/presentationml/2006/main">
+  <p:cSld>
+    <p:spTree>
+      <p:nvGrpSpPr>
+        <p:cNvPr id="1" name=""/>
+        <p:cNvGrpSpPr/>
+        <p:nvPr/>
+      </p:nvGrpSpPr>
+      <p:grpSpPr>
+        <a:xfrm>
+          <a:off x="0" y="0"/>
+          <a:ext cx="0" cy="0"/>
+          <a:chOff x="0" y="0"/>
+          <a:chExt cx="0" cy="0"/>
+        </a:xfrm>
+      </p:grpSpPr>
+      <p:grpSp>
+        <p:nvGrpSpPr>
+          <p:cNvPr id="5" name="Group 5"/>
+          <p:cNvGrpSpPr/>
+          <p:nvPr/>
+        </p:nvGrpSpPr>
+        <p:grpSpPr>
+          <a:xfrm rot="-10800000">
+            <a:off x="13587123" y="-2751112"/>
+            <a:ext cx="7395802" cy="5502224"/>
+            <a:chOff x="0" y="0"/>
+            <a:chExt cx="7220896" cy="5372100"/>
+          </a:xfrm>
+          <a:solidFill>
+            <a:srgbClr val="2D3250"/>
+          </a:solidFill>
+        </p:grpSpPr>
+        <p:sp>
+          <p:nvSpPr>
+            <p:cNvPr id="6" name="Freeform 6"/>
+            <p:cNvSpPr/>
+            <p:nvPr/>
+          </p:nvSpPr>
+          <p:spPr>
+            <a:xfrm>
+              <a:off x="0" y="0"/>
+              <a:ext cx="7220896" cy="5372100"/>
+            </a:xfrm>
+            <a:custGeom>
+              <a:avLst/>
+              <a:gdLst/>
+              <a:ahLst/>
+              <a:cxnLst/>
+              <a:rect l="l" t="t" r="r" b="b"/>
+              <a:pathLst>
+                <a:path w="7220896" h="5372100">
+                  <a:moveTo>
+                    <a:pt x="5670226" y="0"/>
+                  </a:moveTo>
+                  <a:lnTo>
+                    <a:pt x="1550670" y="0"/>
+                  </a:lnTo>
+                  <a:lnTo>
+                    <a:pt x="0" y="2686050"/>
+                  </a:lnTo>
+                  <a:lnTo>
+                    <a:pt x="1550670" y="5372100"/>
+                  </a:lnTo>
+                  <a:lnTo>
+                    <a:pt x="5670226" y="5372100"/>
+                  </a:lnTo>
+                  <a:lnTo>
+                    <a:pt x="7220896" y="2686050"/>
+                  </a:lnTo>
+                  <a:lnTo>
+                    <a:pt x="5670226" y="0"/>
+                  </a:lnTo>
+                  <a:close/>
+                </a:path>
+              </a:pathLst>
+            </a:custGeom>
+            <a:grpFill/>
+          </p:spPr>
+          <p:txBody>
+            <a:bodyPr/>
+            <a:lstStyle/>
+            <a:p>
+              <a:endParaRPr lang="es-MX"/>
+            </a:p>
+          </p:txBody>
+        </p:sp>
+      </p:grpSp>
+      <p:sp>
+        <p:nvSpPr>
+          <p:cNvPr id="7" name="TextBox 7"/>
+          <p:cNvSpPr txBox="1"/>
+          <p:nvPr/>
+        </p:nvSpPr>
+        <p:spPr>
+          <a:xfrm>
+            <a:off x="999390" y="618550"/>
+            <a:ext cx="9715501" cy="1231106"/>
+          </a:xfrm>
+          <a:prstGeom prst="rect">
+            <a:avLst/>
+          </a:prstGeom>
+        </p:spPr>
+        <p:txBody>
+          <a:bodyPr wrap="square" lIns="0" tIns="0" rIns="0" bIns="0" rtlCol="0" anchor="t">
+            <a:spAutoFit/>
+          </a:bodyPr>
+          <a:lstStyle/>
+          <a:p>
+            <a:pPr marL="0" lvl="0" indent="0">
+              <a:spcBef>
+                <a:spcPct val="0"/>
+              </a:spcBef>
+            </a:pPr>
+            <a:r>
+              <a:rPr lang="es-MX" sz="4000" dirty="0">
+                <a:solidFill>
+                  <a:srgbClr val="000000"/>
+                </a:solidFill>
+                <a:latin typeface="Fira Sans Semi-Bold"/>
+              </a:rPr>
+              <a:t>Implementación de Sistema de Detección de Estilos de Aprendizaje</a:t>
+            </a:r>
+            <a:endParaRPr lang="es-MX" sz="4000" u="none" dirty="0">
+              <a:solidFill>
+                <a:srgbClr val="000000"/>
+              </a:solidFill>
+              <a:latin typeface="Fira Sans Semi-Bold"/>
+            </a:endParaRPr>
+          </a:p>
+        </p:txBody>
+      </p:sp>
+      <p:grpSp>
+        <p:nvGrpSpPr>
+          <p:cNvPr id="16" name="Group 16"/>
+          <p:cNvGrpSpPr/>
+          <p:nvPr/>
+        </p:nvGrpSpPr>
+        <p:grpSpPr>
+          <a:xfrm rot="-10800000">
+            <a:off x="11621759" y="-1739113"/>
+            <a:ext cx="2929239" cy="3013773"/>
+            <a:chOff x="0" y="0"/>
+            <a:chExt cx="5221416" cy="5372100"/>
+          </a:xfrm>
+          <a:solidFill>
+            <a:srgbClr val="F9B17A"/>
+          </a:solidFill>
+        </p:grpSpPr>
+        <p:sp>
+          <p:nvSpPr>
+            <p:cNvPr id="17" name="Freeform 17"/>
+            <p:cNvSpPr/>
+            <p:nvPr/>
+          </p:nvSpPr>
+          <p:spPr>
+            <a:xfrm>
+              <a:off x="0" y="0"/>
+              <a:ext cx="5221416" cy="5372100"/>
+            </a:xfrm>
+            <a:custGeom>
+              <a:avLst/>
+              <a:gdLst/>
+              <a:ahLst/>
+              <a:cxnLst/>
+              <a:rect l="l" t="t" r="r" b="b"/>
+              <a:pathLst>
+                <a:path w="5221416" h="5372100">
+                  <a:moveTo>
+                    <a:pt x="3670746" y="0"/>
+                  </a:moveTo>
+                  <a:lnTo>
+                    <a:pt x="1550670" y="0"/>
+                  </a:lnTo>
+                  <a:lnTo>
+                    <a:pt x="0" y="2686050"/>
+                  </a:lnTo>
+                  <a:lnTo>
+                    <a:pt x="1550670" y="5372100"/>
+                  </a:lnTo>
+                  <a:lnTo>
+                    <a:pt x="3670746" y="5372100"/>
+                  </a:lnTo>
+                  <a:lnTo>
+                    <a:pt x="5221416" y="2686050"/>
+                  </a:lnTo>
+                  <a:lnTo>
+                    <a:pt x="3670746" y="0"/>
+                  </a:lnTo>
+                  <a:close/>
+                </a:path>
+              </a:pathLst>
+            </a:custGeom>
+            <a:grpFill/>
+          </p:spPr>
+          <p:txBody>
+            <a:bodyPr/>
+            <a:lstStyle/>
+            <a:p>
+              <a:endParaRPr lang="es-MX"/>
+            </a:p>
+          </p:txBody>
+        </p:sp>
+      </p:grpSp>
+      <p:grpSp>
+        <p:nvGrpSpPr>
+          <p:cNvPr id="18" name="Group 18"/>
+          <p:cNvGrpSpPr/>
+          <p:nvPr/>
+        </p:nvGrpSpPr>
+        <p:grpSpPr>
+          <a:xfrm rot="-10800000">
+            <a:off x="-1643644" y="9951501"/>
+            <a:ext cx="17768494" cy="1949023"/>
+            <a:chOff x="0" y="0"/>
+            <a:chExt cx="48975363" cy="5372100"/>
+          </a:xfrm>
+          <a:solidFill>
+            <a:srgbClr val="2D3250"/>
+          </a:solidFill>
+        </p:grpSpPr>
+        <p:sp>
+          <p:nvSpPr>
+            <p:cNvPr id="19" name="Freeform 19"/>
+            <p:cNvSpPr/>
+            <p:nvPr/>
+          </p:nvSpPr>
+          <p:spPr>
+            <a:xfrm>
+              <a:off x="0" y="0"/>
+              <a:ext cx="48975364" cy="5372100"/>
+            </a:xfrm>
+            <a:custGeom>
+              <a:avLst/>
+              <a:gdLst/>
+              <a:ahLst/>
+              <a:cxnLst/>
+              <a:rect l="l" t="t" r="r" b="b"/>
+              <a:pathLst>
+                <a:path w="48975364" h="5372100">
+                  <a:moveTo>
+                    <a:pt x="47424693" y="0"/>
+                  </a:moveTo>
+                  <a:lnTo>
+                    <a:pt x="1550670" y="0"/>
+                  </a:lnTo>
+                  <a:lnTo>
+                    <a:pt x="0" y="2686050"/>
+                  </a:lnTo>
+                  <a:lnTo>
+                    <a:pt x="1550670" y="5372100"/>
+                  </a:lnTo>
+                  <a:lnTo>
+                    <a:pt x="47424693" y="5372100"/>
+                  </a:lnTo>
+                  <a:lnTo>
+                    <a:pt x="48975364" y="2686050"/>
+                  </a:lnTo>
+                  <a:lnTo>
+                    <a:pt x="47424693" y="0"/>
+                  </a:lnTo>
+                  <a:close/>
+                </a:path>
+              </a:pathLst>
+            </a:custGeom>
+            <a:grpFill/>
+          </p:spPr>
+          <p:txBody>
+            <a:bodyPr/>
+            <a:lstStyle/>
+            <a:p>
+              <a:endParaRPr lang="es-MX"/>
+            </a:p>
+          </p:txBody>
+        </p:sp>
+      </p:grpSp>
+      <p:sp>
+        <p:nvSpPr>
+          <p:cNvPr id="2" name="Marcador de contenido 2">
+            <a:extLst>
+              <a:ext uri="{FF2B5EF4-FFF2-40B4-BE49-F238E27FC236}">
+                <a16:creationId xmlns:a16="http://schemas.microsoft.com/office/drawing/2014/main" id="{ED29DC63-94CD-3D79-7690-C84949583E74}"/>
+              </a:ext>
+            </a:extLst>
+          </p:cNvPr>
+          <p:cNvSpPr txBox="1">
+            <a:spLocks/>
+          </p:cNvSpPr>
+          <p:nvPr/>
+        </p:nvSpPr>
+        <p:spPr>
+          <a:xfrm>
+            <a:off x="999390" y="2967830"/>
+            <a:ext cx="16831409" cy="6214269"/>
+          </a:xfrm>
+          <a:prstGeom prst="rect">
+            <a:avLst/>
+          </a:prstGeom>
+        </p:spPr>
+        <p:txBody>
+          <a:bodyPr/>
+          <a:lstStyle>
+            <a:lvl1pPr marL="342900" indent="-342900" algn="l" defTabSz="914400" rtl="0" eaLnBrk="1" latinLnBrk="0" hangingPunct="1">
+              <a:spcBef>
+                <a:spcPct val="20000"/>
+              </a:spcBef>
+              <a:buFont typeface="Arial" pitchFamily="34" charset="0"/>
+              <a:buChar char="•"/>
+              <a:defRPr sz="3200" kern="1200">
+                <a:solidFill>
+                  <a:schemeClr val="tx1"/>
+                </a:solidFill>
+                <a:latin typeface="+mn-lt"/>
+                <a:ea typeface="+mn-ea"/>
+                <a:cs typeface="+mn-cs"/>
+              </a:defRPr>
+            </a:lvl1pPr>
+            <a:lvl2pPr marL="742950" indent="-285750" algn="l" defTabSz="914400" rtl="0" eaLnBrk="1" latinLnBrk="0" hangingPunct="1">
+              <a:spcBef>
+                <a:spcPct val="20000"/>
+              </a:spcBef>
+              <a:buFont typeface="Arial" pitchFamily="34" charset="0"/>
+              <a:buChar char="–"/>
+              <a:defRPr sz="2800" kern="1200">
+                <a:solidFill>
+                  <a:schemeClr val="tx1"/>
+                </a:solidFill>
+                <a:latin typeface="+mn-lt"/>
+                <a:ea typeface="+mn-ea"/>
+                <a:cs typeface="+mn-cs"/>
+              </a:defRPr>
+            </a:lvl2pPr>
+            <a:lvl3pPr marL="1143000" indent="-228600" algn="l" defTabSz="914400" rtl="0" eaLnBrk="1" latinLnBrk="0" hangingPunct="1">
+              <a:spcBef>
+                <a:spcPct val="20000"/>
+              </a:spcBef>
+              <a:buFont typeface="Arial" pitchFamily="34" charset="0"/>
+              <a:buChar char="•"/>
+              <a:defRPr sz="2400" kern="1200">
+                <a:solidFill>
+                  <a:schemeClr val="tx1"/>
+                </a:solidFill>
+                <a:latin typeface="+mn-lt"/>
+                <a:ea typeface="+mn-ea"/>
+                <a:cs typeface="+mn-cs"/>
+              </a:defRPr>
+            </a:lvl3pPr>
+            <a:lvl4pPr marL="1600200" indent="-228600" algn="l" defTabSz="914400" rtl="0" eaLnBrk="1" latinLnBrk="0" hangingPunct="1">
+              <a:spcBef>
+                <a:spcPct val="20000"/>
+              </a:spcBef>
+              <a:buFont typeface="Arial" pitchFamily="34" charset="0"/>
+              <a:buChar char="–"/>
+              <a:defRPr sz="2000" kern="1200">
+                <a:solidFill>
+                  <a:schemeClr val="tx1"/>
+                </a:solidFill>
+                <a:latin typeface="+mn-lt"/>
+                <a:ea typeface="+mn-ea"/>
+                <a:cs typeface="+mn-cs"/>
+              </a:defRPr>
+            </a:lvl4pPr>
+            <a:lvl5pPr marL="2057400" indent="-228600" algn="l" defTabSz="914400" rtl="0" eaLnBrk="1" latinLnBrk="0" hangingPunct="1">
+              <a:spcBef>
+                <a:spcPct val="20000"/>
+              </a:spcBef>
+              <a:buFont typeface="Arial" pitchFamily="34" charset="0"/>
+              <a:buChar char="»"/>
+              <a:defRPr sz="2000" kern="1200">
+                <a:solidFill>
+                  <a:schemeClr val="tx1"/>
+                </a:solidFill>
+                <a:latin typeface="+mn-lt"/>
+                <a:ea typeface="+mn-ea"/>
+                <a:cs typeface="+mn-cs"/>
+              </a:defRPr>
+            </a:lvl5pPr>
+            <a:lvl6pPr marL="2514600" indent="-228600" algn="l" defTabSz="914400" rtl="0" eaLnBrk="1" latinLnBrk="0" hangingPunct="1">
+              <a:spcBef>
+                <a:spcPct val="20000"/>
+              </a:spcBef>
+              <a:buFont typeface="Arial" pitchFamily="34" charset="0"/>
+              <a:buChar char="•"/>
+              <a:defRPr sz="2000" kern="1200">
+                <a:solidFill>
+                  <a:schemeClr val="tx1"/>
+                </a:solidFill>
+                <a:latin typeface="+mn-lt"/>
+                <a:ea typeface="+mn-ea"/>
+                <a:cs typeface="+mn-cs"/>
+              </a:defRPr>
+            </a:lvl6pPr>
+            <a:lvl7pPr marL="2971800" indent="-228600" algn="l" defTabSz="914400" rtl="0" eaLnBrk="1" latinLnBrk="0" hangingPunct="1">
+              <a:spcBef>
+                <a:spcPct val="20000"/>
+              </a:spcBef>
+              <a:buFont typeface="Arial" pitchFamily="34" charset="0"/>
+              <a:buChar char="•"/>
+              <a:defRPr sz="2000" kern="1200">
+                <a:solidFill>
+                  <a:schemeClr val="tx1"/>
+                </a:solidFill>
+                <a:latin typeface="+mn-lt"/>
+                <a:ea typeface="+mn-ea"/>
+                <a:cs typeface="+mn-cs"/>
+              </a:defRPr>
+            </a:lvl7pPr>
+            <a:lvl8pPr marL="3429000" indent="-228600" algn="l" defTabSz="914400" rtl="0" eaLnBrk="1" latinLnBrk="0" hangingPunct="1">
+              <a:spcBef>
+                <a:spcPct val="20000"/>
+              </a:spcBef>
+              <a:buFont typeface="Arial" pitchFamily="34" charset="0"/>
+              <a:buChar char="•"/>
+              <a:defRPr sz="2000" kern="1200">
+                <a:solidFill>
+                  <a:schemeClr val="tx1"/>
+                </a:solidFill>
+                <a:latin typeface="+mn-lt"/>
+                <a:ea typeface="+mn-ea"/>
+                <a:cs typeface="+mn-cs"/>
+              </a:defRPr>
+            </a:lvl8pPr>
+            <a:lvl9pPr marL="3886200" indent="-228600" algn="l" defTabSz="914400" rtl="0" eaLnBrk="1" latinLnBrk="0" hangingPunct="1">
+              <a:spcBef>
+                <a:spcPct val="20000"/>
+              </a:spcBef>
+              <a:buFont typeface="Arial" pitchFamily="34" charset="0"/>
+              <a:buChar char="•"/>
+              <a:defRPr sz="2000" kern="1200">
+                <a:solidFill>
+                  <a:schemeClr val="tx1"/>
+                </a:solidFill>
+                <a:latin typeface="+mn-lt"/>
+                <a:ea typeface="+mn-ea"/>
+                <a:cs typeface="+mn-cs"/>
+              </a:defRPr>
+            </a:lvl9pPr>
+          </a:lstStyle>
+          <a:p>
+            <a:endParaRPr lang="es-MX" sz="4400" dirty="0"/>
+          </a:p>
+        </p:txBody>
+      </p:sp>
+      <p:sp>
+        <p:nvSpPr>
+          <p:cNvPr id="4" name="Marcador de número de diapositiva 3">
+            <a:extLst>
+              <a:ext uri="{FF2B5EF4-FFF2-40B4-BE49-F238E27FC236}">
+                <a16:creationId xmlns:a16="http://schemas.microsoft.com/office/drawing/2014/main" id="{56D9984C-F715-46E9-9FE5-D26D7EF78402}"/>
+              </a:ext>
+            </a:extLst>
+          </p:cNvPr>
+          <p:cNvSpPr>
+            <a:spLocks noGrp="1"/>
+          </p:cNvSpPr>
+          <p:nvPr>
+            <p:ph type="sldNum" sz="quarter" idx="12"/>
+          </p:nvPr>
+        </p:nvSpPr>
+        <p:spPr>
+          <a:xfrm>
+            <a:off x="15679614" y="9201674"/>
+            <a:ext cx="2133600" cy="365125"/>
+          </a:xfrm>
+        </p:spPr>
+        <p:txBody>
+          <a:bodyPr/>
+          <a:lstStyle/>
+          <a:p>
+            <a:fld id="{B6F15528-21DE-4FAA-801E-634DDDAF4B2B}" type="slidenum">
+              <a:rPr lang="en-US" sz="3200" smtClean="0"/>
+              <a:pPr/>
+              <a:t>11</a:t>
+            </a:fld>
+            <a:endParaRPr lang="en-US" sz="3200"/>
+          </a:p>
+        </p:txBody>
+      </p:sp>
+      <p:sp>
+        <p:nvSpPr>
+          <p:cNvPr id="3" name="TextBox 7">
+            <a:extLst>
+              <a:ext uri="{FF2B5EF4-FFF2-40B4-BE49-F238E27FC236}">
+                <a16:creationId xmlns:a16="http://schemas.microsoft.com/office/drawing/2014/main" id="{04A40C6B-20F0-C389-A5FC-5A3FD073FED2}"/>
+              </a:ext>
+            </a:extLst>
+          </p:cNvPr>
+          <p:cNvSpPr txBox="1"/>
+          <p:nvPr/>
+        </p:nvSpPr>
+        <p:spPr>
+          <a:xfrm>
+            <a:off x="13255213" y="5705632"/>
+            <a:ext cx="4029811" cy="923330"/>
+          </a:xfrm>
+          <a:prstGeom prst="rect">
+            <a:avLst/>
+          </a:prstGeom>
+        </p:spPr>
+        <p:txBody>
+          <a:bodyPr wrap="square" lIns="0" tIns="0" rIns="0" bIns="0" rtlCol="0" anchor="t">
+            <a:spAutoFit/>
+          </a:bodyPr>
+          <a:lstStyle/>
+          <a:p>
+            <a:pPr marL="0" lvl="0" indent="0" algn="ctr">
+              <a:spcBef>
+                <a:spcPct val="0"/>
+              </a:spcBef>
+            </a:pPr>
+            <a:r>
+              <a:rPr lang="es-MX" sz="2000" u="none" dirty="0">
+                <a:solidFill>
+                  <a:srgbClr val="676F9D"/>
+                </a:solidFill>
+                <a:latin typeface="Fira Sans Semi-Bold"/>
+              </a:rPr>
+              <a:t>Modelo </a:t>
+            </a:r>
+            <a:r>
+              <a:rPr lang="es-MX" sz="2000" dirty="0">
+                <a:solidFill>
+                  <a:srgbClr val="676F9D"/>
+                </a:solidFill>
+                <a:latin typeface="Fira Sans Semi-Bold"/>
+              </a:rPr>
+              <a:t>de machine </a:t>
+            </a:r>
+            <a:r>
+              <a:rPr lang="es-MX" sz="2000" dirty="0" err="1">
+                <a:solidFill>
+                  <a:srgbClr val="676F9D"/>
+                </a:solidFill>
+                <a:latin typeface="Fira Sans Semi-Bold"/>
+              </a:rPr>
+              <a:t>learning</a:t>
+            </a:r>
+            <a:r>
+              <a:rPr lang="es-MX" sz="2000" u="none" dirty="0">
+                <a:solidFill>
+                  <a:srgbClr val="676F9D"/>
+                </a:solidFill>
+                <a:latin typeface="Fira Sans Semi-Bold"/>
+              </a:rPr>
+              <a:t> escuchando en servidor </a:t>
+            </a:r>
+            <a:r>
+              <a:rPr lang="es-MX" sz="2000" u="none" dirty="0" err="1">
+                <a:solidFill>
+                  <a:srgbClr val="676F9D"/>
+                </a:solidFill>
+                <a:latin typeface="Fira Sans Semi-Bold"/>
+              </a:rPr>
+              <a:t>Flask</a:t>
+            </a:r>
+            <a:endParaRPr lang="es-MX" sz="2000" u="none" dirty="0">
+              <a:solidFill>
+                <a:srgbClr val="676F9D"/>
+              </a:solidFill>
+              <a:latin typeface="Fira Sans Semi-Bold"/>
+            </a:endParaRPr>
+          </a:p>
+          <a:p>
+            <a:pPr marL="0" lvl="0" indent="0" algn="ctr">
+              <a:spcBef>
+                <a:spcPct val="0"/>
+              </a:spcBef>
+            </a:pPr>
+            <a:r>
+              <a:rPr lang="es-MX" sz="2000" dirty="0">
+                <a:solidFill>
+                  <a:srgbClr val="676F9D"/>
+                </a:solidFill>
+                <a:latin typeface="Fira Sans Semi-Bold"/>
+              </a:rPr>
+              <a:t>(recibe método POST)</a:t>
+            </a:r>
+            <a:endParaRPr lang="es-MX" sz="2000" u="none" dirty="0">
+              <a:solidFill>
+                <a:srgbClr val="676F9D"/>
+              </a:solidFill>
+              <a:latin typeface="Fira Sans Semi-Bold"/>
+            </a:endParaRPr>
+          </a:p>
+        </p:txBody>
+      </p:sp>
+      <p:pic>
+        <p:nvPicPr>
+          <p:cNvPr id="9" name="Imagen 8" descr="Texto&#10;&#10;Descripción generada automáticamente">
+            <a:extLst>
+              <a:ext uri="{FF2B5EF4-FFF2-40B4-BE49-F238E27FC236}">
+                <a16:creationId xmlns:a16="http://schemas.microsoft.com/office/drawing/2014/main" id="{0B0B7336-FD75-E4C8-26C0-5D21A3BCF326}"/>
+              </a:ext>
+            </a:extLst>
+          </p:cNvPr>
+          <p:cNvPicPr>
+            <a:picLocks noChangeAspect="1"/>
+          </p:cNvPicPr>
+          <p:nvPr/>
+        </p:nvPicPr>
+        <p:blipFill>
+          <a:blip r:embed="rId3">
+            <a:extLst>
+              <a:ext uri="{28A0092B-C50C-407E-A947-70E740481C1C}">
+                <a14:useLocalDpi xmlns:a14="http://schemas.microsoft.com/office/drawing/2010/main" val="0"/>
+              </a:ext>
+            </a:extLst>
+          </a:blip>
+          <a:stretch>
+            <a:fillRect/>
+          </a:stretch>
+        </p:blipFill>
+        <p:spPr>
+          <a:xfrm>
+            <a:off x="997213" y="2556706"/>
+            <a:ext cx="11079128" cy="6625393"/>
+          </a:xfrm>
+          <a:prstGeom prst="rect">
+            <a:avLst/>
+          </a:prstGeom>
+        </p:spPr>
+      </p:pic>
+    </p:spTree>
+    <p:extLst>
+      <p:ext uri="{BB962C8B-B14F-4D97-AF65-F5344CB8AC3E}">
+        <p14:creationId xmlns:p14="http://schemas.microsoft.com/office/powerpoint/2010/main" val="3760361797"/>
+      </p:ext>
+    </p:extLst>
+  </p:cSld>
+  <p:clrMapOvr>
+    <a:masterClrMapping/>
+  </p:clrMapOvr>
+</p:sld>
+</file>
+
+<file path=ppt/slides/slide12.xml><?xml version="1.0" encoding="utf-8"?>
+<p:sld xmlns:a="http://schemas.openxmlformats.org/drawingml/2006/main" xmlns:r="http://schemas.openxmlformats.org/officeDocument/2006/relationships" xmlns:p="http://schemas.openxmlformats.org/presentationml/2006/main">
+  <p:cSld>
+    <p:spTree>
+      <p:nvGrpSpPr>
+        <p:cNvPr id="1" name=""/>
+        <p:cNvGrpSpPr/>
+        <p:nvPr/>
+      </p:nvGrpSpPr>
+      <p:grpSpPr>
+        <a:xfrm>
+          <a:off x="0" y="0"/>
+          <a:ext cx="0" cy="0"/>
+          <a:chOff x="0" y="0"/>
+          <a:chExt cx="0" cy="0"/>
+        </a:xfrm>
+      </p:grpSpPr>
+      <p:grpSp>
+        <p:nvGrpSpPr>
+          <p:cNvPr id="5" name="Group 5"/>
+          <p:cNvGrpSpPr/>
+          <p:nvPr/>
+        </p:nvGrpSpPr>
+        <p:grpSpPr>
+          <a:xfrm rot="-10800000">
+            <a:off x="13587123" y="-2751112"/>
+            <a:ext cx="7395802" cy="5502224"/>
+            <a:chOff x="0" y="0"/>
+            <a:chExt cx="7220896" cy="5372100"/>
+          </a:xfrm>
+          <a:solidFill>
+            <a:srgbClr val="2D3250"/>
+          </a:solidFill>
+        </p:grpSpPr>
+        <p:sp>
+          <p:nvSpPr>
+            <p:cNvPr id="6" name="Freeform 6"/>
+            <p:cNvSpPr/>
+            <p:nvPr/>
+          </p:nvSpPr>
+          <p:spPr>
+            <a:xfrm>
+              <a:off x="0" y="0"/>
+              <a:ext cx="7220896" cy="5372100"/>
+            </a:xfrm>
+            <a:custGeom>
+              <a:avLst/>
+              <a:gdLst/>
+              <a:ahLst/>
+              <a:cxnLst/>
+              <a:rect l="l" t="t" r="r" b="b"/>
+              <a:pathLst>
+                <a:path w="7220896" h="5372100">
+                  <a:moveTo>
+                    <a:pt x="5670226" y="0"/>
+                  </a:moveTo>
+                  <a:lnTo>
+                    <a:pt x="1550670" y="0"/>
+                  </a:lnTo>
+                  <a:lnTo>
+                    <a:pt x="0" y="2686050"/>
+                  </a:lnTo>
+                  <a:lnTo>
+                    <a:pt x="1550670" y="5372100"/>
+                  </a:lnTo>
+                  <a:lnTo>
+                    <a:pt x="5670226" y="5372100"/>
+                  </a:lnTo>
+                  <a:lnTo>
+                    <a:pt x="7220896" y="2686050"/>
+                  </a:lnTo>
+                  <a:lnTo>
+                    <a:pt x="5670226" y="0"/>
+                  </a:lnTo>
+                  <a:close/>
+                </a:path>
+              </a:pathLst>
+            </a:custGeom>
+            <a:grpFill/>
+          </p:spPr>
+          <p:txBody>
+            <a:bodyPr/>
+            <a:lstStyle/>
+            <a:p>
+              <a:endParaRPr lang="es-MX"/>
+            </a:p>
+          </p:txBody>
+        </p:sp>
+      </p:grpSp>
+      <p:sp>
+        <p:nvSpPr>
+          <p:cNvPr id="7" name="TextBox 7"/>
+          <p:cNvSpPr txBox="1"/>
+          <p:nvPr/>
+        </p:nvSpPr>
+        <p:spPr>
+          <a:xfrm>
+            <a:off x="999390" y="618550"/>
+            <a:ext cx="9715501" cy="1231106"/>
+          </a:xfrm>
+          <a:prstGeom prst="rect">
+            <a:avLst/>
+          </a:prstGeom>
+        </p:spPr>
+        <p:txBody>
+          <a:bodyPr wrap="square" lIns="0" tIns="0" rIns="0" bIns="0" rtlCol="0" anchor="t">
+            <a:spAutoFit/>
+          </a:bodyPr>
+          <a:lstStyle/>
+          <a:p>
+            <a:pPr marL="0" lvl="0" indent="0">
+              <a:spcBef>
+                <a:spcPct val="0"/>
+              </a:spcBef>
+            </a:pPr>
+            <a:r>
+              <a:rPr lang="es-MX" sz="4000" dirty="0">
+                <a:solidFill>
+                  <a:srgbClr val="000000"/>
+                </a:solidFill>
+                <a:latin typeface="Fira Sans Semi-Bold"/>
+              </a:rPr>
+              <a:t>Implementación de Sistema de Detección de Estilos de Aprendizaje</a:t>
+            </a:r>
+            <a:endParaRPr lang="es-MX" sz="4000" u="none" dirty="0">
+              <a:solidFill>
+                <a:srgbClr val="000000"/>
+              </a:solidFill>
+              <a:latin typeface="Fira Sans Semi-Bold"/>
+            </a:endParaRPr>
+          </a:p>
+        </p:txBody>
+      </p:sp>
+      <p:grpSp>
+        <p:nvGrpSpPr>
+          <p:cNvPr id="16" name="Group 16"/>
+          <p:cNvGrpSpPr/>
+          <p:nvPr/>
+        </p:nvGrpSpPr>
+        <p:grpSpPr>
+          <a:xfrm rot="-10800000">
+            <a:off x="11621759" y="-1739113"/>
+            <a:ext cx="2929239" cy="3013773"/>
+            <a:chOff x="0" y="0"/>
+            <a:chExt cx="5221416" cy="5372100"/>
+          </a:xfrm>
+          <a:solidFill>
+            <a:srgbClr val="F9B17A"/>
+          </a:solidFill>
+        </p:grpSpPr>
+        <p:sp>
+          <p:nvSpPr>
+            <p:cNvPr id="17" name="Freeform 17"/>
+            <p:cNvSpPr/>
+            <p:nvPr/>
+          </p:nvSpPr>
+          <p:spPr>
+            <a:xfrm>
+              <a:off x="0" y="0"/>
+              <a:ext cx="5221416" cy="5372100"/>
+            </a:xfrm>
+            <a:custGeom>
+              <a:avLst/>
+              <a:gdLst/>
+              <a:ahLst/>
+              <a:cxnLst/>
+              <a:rect l="l" t="t" r="r" b="b"/>
+              <a:pathLst>
+                <a:path w="5221416" h="5372100">
+                  <a:moveTo>
+                    <a:pt x="3670746" y="0"/>
+                  </a:moveTo>
+                  <a:lnTo>
+                    <a:pt x="1550670" y="0"/>
+                  </a:lnTo>
+                  <a:lnTo>
+                    <a:pt x="0" y="2686050"/>
+                  </a:lnTo>
+                  <a:lnTo>
+                    <a:pt x="1550670" y="5372100"/>
+                  </a:lnTo>
+                  <a:lnTo>
+                    <a:pt x="3670746" y="5372100"/>
+                  </a:lnTo>
+                  <a:lnTo>
+                    <a:pt x="5221416" y="2686050"/>
+                  </a:lnTo>
+                  <a:lnTo>
+                    <a:pt x="3670746" y="0"/>
+                  </a:lnTo>
+                  <a:close/>
+                </a:path>
+              </a:pathLst>
+            </a:custGeom>
+            <a:grpFill/>
+          </p:spPr>
+          <p:txBody>
+            <a:bodyPr/>
+            <a:lstStyle/>
+            <a:p>
+              <a:endParaRPr lang="es-MX"/>
+            </a:p>
+          </p:txBody>
+        </p:sp>
+      </p:grpSp>
+      <p:grpSp>
+        <p:nvGrpSpPr>
+          <p:cNvPr id="18" name="Group 18"/>
+          <p:cNvGrpSpPr/>
+          <p:nvPr/>
+        </p:nvGrpSpPr>
+        <p:grpSpPr>
+          <a:xfrm rot="-10800000">
+            <a:off x="-1643644" y="9951501"/>
+            <a:ext cx="17768494" cy="1949023"/>
+            <a:chOff x="0" y="0"/>
+            <a:chExt cx="48975363" cy="5372100"/>
+          </a:xfrm>
+          <a:solidFill>
+            <a:srgbClr val="2D3250"/>
+          </a:solidFill>
+        </p:grpSpPr>
+        <p:sp>
+          <p:nvSpPr>
+            <p:cNvPr id="19" name="Freeform 19"/>
+            <p:cNvSpPr/>
+            <p:nvPr/>
+          </p:nvSpPr>
+          <p:spPr>
+            <a:xfrm>
+              <a:off x="0" y="0"/>
+              <a:ext cx="48975364" cy="5372100"/>
+            </a:xfrm>
+            <a:custGeom>
+              <a:avLst/>
+              <a:gdLst/>
+              <a:ahLst/>
+              <a:cxnLst/>
+              <a:rect l="l" t="t" r="r" b="b"/>
+              <a:pathLst>
+                <a:path w="48975364" h="5372100">
+                  <a:moveTo>
+                    <a:pt x="47424693" y="0"/>
+                  </a:moveTo>
+                  <a:lnTo>
+                    <a:pt x="1550670" y="0"/>
+                  </a:lnTo>
+                  <a:lnTo>
+                    <a:pt x="0" y="2686050"/>
+                  </a:lnTo>
+                  <a:lnTo>
+                    <a:pt x="1550670" y="5372100"/>
+                  </a:lnTo>
+                  <a:lnTo>
+                    <a:pt x="47424693" y="5372100"/>
+                  </a:lnTo>
+                  <a:lnTo>
+                    <a:pt x="48975364" y="2686050"/>
+                  </a:lnTo>
+                  <a:lnTo>
+                    <a:pt x="47424693" y="0"/>
+                  </a:lnTo>
+                  <a:close/>
+                </a:path>
+              </a:pathLst>
+            </a:custGeom>
+            <a:grpFill/>
+          </p:spPr>
+          <p:txBody>
+            <a:bodyPr/>
+            <a:lstStyle/>
+            <a:p>
+              <a:endParaRPr lang="es-MX"/>
+            </a:p>
+          </p:txBody>
+        </p:sp>
+      </p:grpSp>
+      <p:sp>
+        <p:nvSpPr>
+          <p:cNvPr id="2" name="Marcador de contenido 2">
+            <a:extLst>
+              <a:ext uri="{FF2B5EF4-FFF2-40B4-BE49-F238E27FC236}">
+                <a16:creationId xmlns:a16="http://schemas.microsoft.com/office/drawing/2014/main" id="{ED29DC63-94CD-3D79-7690-C84949583E74}"/>
+              </a:ext>
+            </a:extLst>
+          </p:cNvPr>
+          <p:cNvSpPr txBox="1">
+            <a:spLocks/>
+          </p:cNvSpPr>
+          <p:nvPr/>
+        </p:nvSpPr>
+        <p:spPr>
+          <a:xfrm>
+            <a:off x="999390" y="2967830"/>
+            <a:ext cx="16831409" cy="6214269"/>
+          </a:xfrm>
+          <a:prstGeom prst="rect">
+            <a:avLst/>
+          </a:prstGeom>
+        </p:spPr>
+        <p:txBody>
+          <a:bodyPr/>
+          <a:lstStyle>
+            <a:lvl1pPr marL="342900" indent="-342900" algn="l" defTabSz="914400" rtl="0" eaLnBrk="1" latinLnBrk="0" hangingPunct="1">
+              <a:spcBef>
+                <a:spcPct val="20000"/>
+              </a:spcBef>
+              <a:buFont typeface="Arial" pitchFamily="34" charset="0"/>
+              <a:buChar char="•"/>
+              <a:defRPr sz="3200" kern="1200">
+                <a:solidFill>
+                  <a:schemeClr val="tx1"/>
+                </a:solidFill>
+                <a:latin typeface="+mn-lt"/>
+                <a:ea typeface="+mn-ea"/>
+                <a:cs typeface="+mn-cs"/>
+              </a:defRPr>
+            </a:lvl1pPr>
+            <a:lvl2pPr marL="742950" indent="-285750" algn="l" defTabSz="914400" rtl="0" eaLnBrk="1" latinLnBrk="0" hangingPunct="1">
+              <a:spcBef>
+                <a:spcPct val="20000"/>
+              </a:spcBef>
+              <a:buFont typeface="Arial" pitchFamily="34" charset="0"/>
+              <a:buChar char="–"/>
+              <a:defRPr sz="2800" kern="1200">
+                <a:solidFill>
+                  <a:schemeClr val="tx1"/>
+                </a:solidFill>
+                <a:latin typeface="+mn-lt"/>
+                <a:ea typeface="+mn-ea"/>
+                <a:cs typeface="+mn-cs"/>
+              </a:defRPr>
+            </a:lvl2pPr>
+            <a:lvl3pPr marL="1143000" indent="-228600" algn="l" defTabSz="914400" rtl="0" eaLnBrk="1" latinLnBrk="0" hangingPunct="1">
+              <a:spcBef>
+                <a:spcPct val="20000"/>
+              </a:spcBef>
+              <a:buFont typeface="Arial" pitchFamily="34" charset="0"/>
+              <a:buChar char="•"/>
+              <a:defRPr sz="2400" kern="1200">
+                <a:solidFill>
+                  <a:schemeClr val="tx1"/>
+                </a:solidFill>
+                <a:latin typeface="+mn-lt"/>
+                <a:ea typeface="+mn-ea"/>
+                <a:cs typeface="+mn-cs"/>
+              </a:defRPr>
+            </a:lvl3pPr>
+            <a:lvl4pPr marL="1600200" indent="-228600" algn="l" defTabSz="914400" rtl="0" eaLnBrk="1" latinLnBrk="0" hangingPunct="1">
+              <a:spcBef>
+                <a:spcPct val="20000"/>
+              </a:spcBef>
+              <a:buFont typeface="Arial" pitchFamily="34" charset="0"/>
+              <a:buChar char="–"/>
+              <a:defRPr sz="2000" kern="1200">
+                <a:solidFill>
+                  <a:schemeClr val="tx1"/>
+                </a:solidFill>
+                <a:latin typeface="+mn-lt"/>
+                <a:ea typeface="+mn-ea"/>
+                <a:cs typeface="+mn-cs"/>
+              </a:defRPr>
+            </a:lvl4pPr>
+            <a:lvl5pPr marL="2057400" indent="-228600" algn="l" defTabSz="914400" rtl="0" eaLnBrk="1" latinLnBrk="0" hangingPunct="1">
+              <a:spcBef>
+                <a:spcPct val="20000"/>
+              </a:spcBef>
+              <a:buFont typeface="Arial" pitchFamily="34" charset="0"/>
+              <a:buChar char="»"/>
+              <a:defRPr sz="2000" kern="1200">
+                <a:solidFill>
+                  <a:schemeClr val="tx1"/>
+                </a:solidFill>
+                <a:latin typeface="+mn-lt"/>
+                <a:ea typeface="+mn-ea"/>
+                <a:cs typeface="+mn-cs"/>
+              </a:defRPr>
+            </a:lvl5pPr>
+            <a:lvl6pPr marL="2514600" indent="-228600" algn="l" defTabSz="914400" rtl="0" eaLnBrk="1" latinLnBrk="0" hangingPunct="1">
+              <a:spcBef>
+                <a:spcPct val="20000"/>
+              </a:spcBef>
+              <a:buFont typeface="Arial" pitchFamily="34" charset="0"/>
+              <a:buChar char="•"/>
+              <a:defRPr sz="2000" kern="1200">
+                <a:solidFill>
+                  <a:schemeClr val="tx1"/>
+                </a:solidFill>
+                <a:latin typeface="+mn-lt"/>
+                <a:ea typeface="+mn-ea"/>
+                <a:cs typeface="+mn-cs"/>
+              </a:defRPr>
+            </a:lvl6pPr>
+            <a:lvl7pPr marL="2971800" indent="-228600" algn="l" defTabSz="914400" rtl="0" eaLnBrk="1" latinLnBrk="0" hangingPunct="1">
+              <a:spcBef>
+                <a:spcPct val="20000"/>
+              </a:spcBef>
+              <a:buFont typeface="Arial" pitchFamily="34" charset="0"/>
+              <a:buChar char="•"/>
+              <a:defRPr sz="2000" kern="1200">
+                <a:solidFill>
+                  <a:schemeClr val="tx1"/>
+                </a:solidFill>
+                <a:latin typeface="+mn-lt"/>
+                <a:ea typeface="+mn-ea"/>
+                <a:cs typeface="+mn-cs"/>
+              </a:defRPr>
+            </a:lvl7pPr>
+            <a:lvl8pPr marL="3429000" indent="-228600" algn="l" defTabSz="914400" rtl="0" eaLnBrk="1" latinLnBrk="0" hangingPunct="1">
+              <a:spcBef>
+                <a:spcPct val="20000"/>
+              </a:spcBef>
+              <a:buFont typeface="Arial" pitchFamily="34" charset="0"/>
+              <a:buChar char="•"/>
+              <a:defRPr sz="2000" kern="1200">
+                <a:solidFill>
+                  <a:schemeClr val="tx1"/>
+                </a:solidFill>
+                <a:latin typeface="+mn-lt"/>
+                <a:ea typeface="+mn-ea"/>
+                <a:cs typeface="+mn-cs"/>
+              </a:defRPr>
+            </a:lvl8pPr>
+            <a:lvl9pPr marL="3886200" indent="-228600" algn="l" defTabSz="914400" rtl="0" eaLnBrk="1" latinLnBrk="0" hangingPunct="1">
+              <a:spcBef>
+                <a:spcPct val="20000"/>
+              </a:spcBef>
+              <a:buFont typeface="Arial" pitchFamily="34" charset="0"/>
+              <a:buChar char="•"/>
+              <a:defRPr sz="2000" kern="1200">
+                <a:solidFill>
+                  <a:schemeClr val="tx1"/>
+                </a:solidFill>
+                <a:latin typeface="+mn-lt"/>
+                <a:ea typeface="+mn-ea"/>
+                <a:cs typeface="+mn-cs"/>
+              </a:defRPr>
+            </a:lvl9pPr>
+          </a:lstStyle>
+          <a:p>
+            <a:endParaRPr lang="es-MX" sz="4400" dirty="0"/>
+          </a:p>
+        </p:txBody>
+      </p:sp>
+      <p:sp>
+        <p:nvSpPr>
+          <p:cNvPr id="4" name="Marcador de número de diapositiva 3">
+            <a:extLst>
+              <a:ext uri="{FF2B5EF4-FFF2-40B4-BE49-F238E27FC236}">
+                <a16:creationId xmlns:a16="http://schemas.microsoft.com/office/drawing/2014/main" id="{56D9984C-F715-46E9-9FE5-D26D7EF78402}"/>
+              </a:ext>
+            </a:extLst>
+          </p:cNvPr>
+          <p:cNvSpPr>
+            <a:spLocks noGrp="1"/>
+          </p:cNvSpPr>
+          <p:nvPr>
+            <p:ph type="sldNum" sz="quarter" idx="12"/>
+          </p:nvPr>
+        </p:nvSpPr>
+        <p:spPr>
+          <a:xfrm>
+            <a:off x="15679614" y="9201674"/>
+            <a:ext cx="2133600" cy="365125"/>
+          </a:xfrm>
+        </p:spPr>
+        <p:txBody>
+          <a:bodyPr/>
+          <a:lstStyle/>
+          <a:p>
+            <a:fld id="{B6F15528-21DE-4FAA-801E-634DDDAF4B2B}" type="slidenum">
+              <a:rPr lang="en-US" sz="3200" smtClean="0"/>
+              <a:pPr/>
+              <a:t>12</a:t>
+            </a:fld>
+            <a:endParaRPr lang="en-US" sz="3200"/>
+          </a:p>
+        </p:txBody>
+      </p:sp>
+      <p:sp>
+        <p:nvSpPr>
+          <p:cNvPr id="3" name="TextBox 7">
+            <a:extLst>
+              <a:ext uri="{FF2B5EF4-FFF2-40B4-BE49-F238E27FC236}">
+                <a16:creationId xmlns:a16="http://schemas.microsoft.com/office/drawing/2014/main" id="{04A40C6B-20F0-C389-A5FC-5A3FD073FED2}"/>
+              </a:ext>
+            </a:extLst>
+          </p:cNvPr>
+          <p:cNvSpPr txBox="1"/>
+          <p:nvPr/>
+        </p:nvSpPr>
+        <p:spPr>
+          <a:xfrm>
+            <a:off x="13239205" y="5151634"/>
+            <a:ext cx="4029811" cy="1846659"/>
+          </a:xfrm>
+          <a:prstGeom prst="rect">
+            <a:avLst/>
+          </a:prstGeom>
+        </p:spPr>
+        <p:txBody>
+          <a:bodyPr wrap="square" lIns="0" tIns="0" rIns="0" bIns="0" rtlCol="0" anchor="t">
+            <a:spAutoFit/>
+          </a:bodyPr>
+          <a:lstStyle/>
+          <a:p>
+            <a:pPr lvl="0">
+              <a:spcBef>
+                <a:spcPct val="0"/>
+              </a:spcBef>
+            </a:pPr>
+            <a:r>
+              <a:rPr lang="es-MX" sz="2000" u="none" dirty="0">
+                <a:solidFill>
+                  <a:srgbClr val="F9B17A"/>
+                </a:solidFill>
+                <a:latin typeface="Fira Sans Semi-Bold"/>
+              </a:rPr>
+              <a:t>Recordar </a:t>
+            </a:r>
+            <a:r>
+              <a:rPr lang="es-MX" sz="2000" dirty="0">
+                <a:solidFill>
+                  <a:srgbClr val="F9B17A"/>
+                </a:solidFill>
+                <a:latin typeface="Fira Sans Semi-Bold"/>
+              </a:rPr>
+              <a:t>que el modelo etiqueta las clases:</a:t>
+            </a:r>
+            <a:br>
+              <a:rPr lang="es-MX" sz="2000" dirty="0">
+                <a:solidFill>
+                  <a:srgbClr val="F9B17A"/>
+                </a:solidFill>
+                <a:latin typeface="Fira Sans Semi-Bold"/>
+              </a:rPr>
+            </a:br>
+            <a:br>
+              <a:rPr lang="es-MX" sz="2000" dirty="0">
+                <a:solidFill>
+                  <a:srgbClr val="F9B17A"/>
+                </a:solidFill>
+                <a:latin typeface="Fira Sans Semi-Bold"/>
+              </a:rPr>
+            </a:br>
+            <a:r>
+              <a:rPr lang="pt-BR" sz="2000" dirty="0">
+                <a:solidFill>
+                  <a:srgbClr val="F9B17A"/>
+                </a:solidFill>
+                <a:latin typeface="Fira Sans Semi-Bold"/>
+              </a:rPr>
+              <a:t>auditivo:0 </a:t>
+            </a:r>
+            <a:br>
+              <a:rPr lang="pt-BR" sz="2000" dirty="0">
+                <a:solidFill>
+                  <a:srgbClr val="F9B17A"/>
+                </a:solidFill>
+                <a:latin typeface="Fira Sans Semi-Bold"/>
+              </a:rPr>
+            </a:br>
+            <a:r>
+              <a:rPr lang="pt-BR" sz="2000" dirty="0">
+                <a:solidFill>
+                  <a:srgbClr val="F9B17A"/>
+                </a:solidFill>
+                <a:latin typeface="Fira Sans Semi-Bold"/>
+              </a:rPr>
+              <a:t>kinestésico:1 </a:t>
+            </a:r>
+            <a:br>
+              <a:rPr lang="pt-BR" sz="2000" dirty="0">
+                <a:solidFill>
+                  <a:srgbClr val="F9B17A"/>
+                </a:solidFill>
+                <a:latin typeface="Fira Sans Semi-Bold"/>
+              </a:rPr>
+            </a:br>
+            <a:r>
+              <a:rPr lang="pt-BR" sz="2000" dirty="0">
+                <a:solidFill>
+                  <a:srgbClr val="F9B17A"/>
+                </a:solidFill>
+                <a:latin typeface="Fira Sans Semi-Bold"/>
+              </a:rPr>
+              <a:t>visual:2</a:t>
+            </a:r>
+            <a:endParaRPr lang="es-MX" sz="2000" u="none" dirty="0">
+              <a:solidFill>
+                <a:srgbClr val="F9B17A"/>
+              </a:solidFill>
+              <a:latin typeface="Fira Sans Semi-Bold"/>
+            </a:endParaRPr>
+          </a:p>
+        </p:txBody>
+      </p:sp>
+      <p:pic>
+        <p:nvPicPr>
+          <p:cNvPr id="9" name="Imagen 8" descr="Texto&#10;&#10;Descripción generada automáticamente">
+            <a:extLst>
+              <a:ext uri="{FF2B5EF4-FFF2-40B4-BE49-F238E27FC236}">
+                <a16:creationId xmlns:a16="http://schemas.microsoft.com/office/drawing/2014/main" id="{0B0B7336-FD75-E4C8-26C0-5D21A3BCF326}"/>
+              </a:ext>
+            </a:extLst>
+          </p:cNvPr>
+          <p:cNvPicPr>
+            <a:picLocks noChangeAspect="1"/>
+          </p:cNvPicPr>
+          <p:nvPr/>
+        </p:nvPicPr>
+        <p:blipFill>
+          <a:blip r:embed="rId3">
+            <a:extLst>
+              <a:ext uri="{28A0092B-C50C-407E-A947-70E740481C1C}">
+                <a14:useLocalDpi xmlns:a14="http://schemas.microsoft.com/office/drawing/2010/main" val="0"/>
+              </a:ext>
+            </a:extLst>
+          </a:blip>
+          <a:stretch>
+            <a:fillRect/>
+          </a:stretch>
+        </p:blipFill>
+        <p:spPr>
+          <a:xfrm>
+            <a:off x="1018984" y="2619058"/>
+            <a:ext cx="11079128" cy="6625393"/>
+          </a:xfrm>
+          <a:prstGeom prst="rect">
+            <a:avLst/>
+          </a:prstGeom>
+        </p:spPr>
+      </p:pic>
+      <p:sp>
+        <p:nvSpPr>
+          <p:cNvPr id="8" name="Rectángulo: esquinas redondeadas 7">
+            <a:extLst>
+              <a:ext uri="{FF2B5EF4-FFF2-40B4-BE49-F238E27FC236}">
+                <a16:creationId xmlns:a16="http://schemas.microsoft.com/office/drawing/2014/main" id="{F6B90B84-3D70-DA26-6D70-A3F0B2E5A4BB}"/>
+              </a:ext>
+            </a:extLst>
+          </p:cNvPr>
+          <p:cNvSpPr/>
+          <p:nvPr/>
+        </p:nvSpPr>
+        <p:spPr>
+          <a:xfrm>
+            <a:off x="999390" y="8572500"/>
+            <a:ext cx="2582010" cy="470221"/>
+          </a:xfrm>
+          <a:prstGeom prst="roundRect">
+            <a:avLst/>
+          </a:prstGeom>
+          <a:noFill/>
+          <a:ln w="76200">
+            <a:solidFill>
+              <a:srgbClr val="F9B17A"/>
+            </a:solidFill>
+          </a:ln>
+        </p:spPr>
+        <p:style>
+          <a:lnRef idx="2">
+            <a:schemeClr val="accent1">
+              <a:shade val="15000"/>
+            </a:schemeClr>
+          </a:lnRef>
+          <a:fillRef idx="1">
+            <a:schemeClr val="accent1"/>
+          </a:fillRef>
+          <a:effectRef idx="0">
+            <a:schemeClr val="accent1"/>
+          </a:effectRef>
+          <a:fontRef idx="minor">
+            <a:schemeClr val="lt1"/>
+          </a:fontRef>
+        </p:style>
+        <p:txBody>
+          <a:bodyPr rtlCol="0" anchor="ctr"/>
+          <a:lstStyle/>
+          <a:p>
+            <a:pPr algn="ctr"/>
+            <a:endParaRPr lang="es-MX" dirty="0"/>
+          </a:p>
+        </p:txBody>
+      </p:sp>
+      <p:sp>
+        <p:nvSpPr>
+          <p:cNvPr id="10" name="Flecha: a la derecha 9">
+            <a:extLst>
+              <a:ext uri="{FF2B5EF4-FFF2-40B4-BE49-F238E27FC236}">
+                <a16:creationId xmlns:a16="http://schemas.microsoft.com/office/drawing/2014/main" id="{E4CBF3B4-11C2-FA1D-EA3E-D1472A0C6D58}"/>
+              </a:ext>
+            </a:extLst>
+          </p:cNvPr>
+          <p:cNvSpPr/>
+          <p:nvPr/>
+        </p:nvSpPr>
+        <p:spPr>
+          <a:xfrm rot="8722872">
+            <a:off x="3573348" y="7392267"/>
+            <a:ext cx="2232150" cy="667296"/>
+          </a:xfrm>
+          <a:prstGeom prst="rightArrow">
+            <a:avLst/>
+          </a:prstGeom>
+          <a:solidFill>
+            <a:srgbClr val="F9B17A"/>
+          </a:solidFill>
+          <a:ln>
+            <a:solidFill>
+              <a:srgbClr val="F9B17A"/>
+            </a:solidFill>
+          </a:ln>
+        </p:spPr>
+        <p:style>
+          <a:lnRef idx="2">
+            <a:schemeClr val="accent1">
+              <a:shade val="15000"/>
+            </a:schemeClr>
+          </a:lnRef>
+          <a:fillRef idx="1">
+            <a:schemeClr val="accent1"/>
+          </a:fillRef>
+          <a:effectRef idx="0">
+            <a:schemeClr val="accent1"/>
+          </a:effectRef>
+          <a:fontRef idx="minor">
+            <a:schemeClr val="lt1"/>
+          </a:fontRef>
+        </p:style>
+        <p:txBody>
+          <a:bodyPr rtlCol="0" anchor="ctr"/>
+          <a:lstStyle/>
+          <a:p>
+            <a:pPr algn="ctr"/>
+            <a:endParaRPr lang="es-MX"/>
+          </a:p>
+        </p:txBody>
+      </p:sp>
+      <p:sp>
+        <p:nvSpPr>
+          <p:cNvPr id="11" name="Rectángulo: esquinas redondeadas 10">
+            <a:extLst>
+              <a:ext uri="{FF2B5EF4-FFF2-40B4-BE49-F238E27FC236}">
+                <a16:creationId xmlns:a16="http://schemas.microsoft.com/office/drawing/2014/main" id="{861E5225-FA36-C29C-2615-9F66F77D1324}"/>
+              </a:ext>
+            </a:extLst>
+          </p:cNvPr>
+          <p:cNvSpPr/>
+          <p:nvPr/>
+        </p:nvSpPr>
+        <p:spPr>
+          <a:xfrm>
+            <a:off x="5806156" y="5887812"/>
+            <a:ext cx="3896460" cy="1295400"/>
+          </a:xfrm>
+          <a:prstGeom prst="roundRect">
+            <a:avLst/>
+          </a:prstGeom>
+        </p:spPr>
+        <p:style>
+          <a:lnRef idx="2">
+            <a:schemeClr val="accent6">
+              <a:shade val="15000"/>
+            </a:schemeClr>
+          </a:lnRef>
+          <a:fillRef idx="1">
+            <a:schemeClr val="accent6"/>
+          </a:fillRef>
+          <a:effectRef idx="0">
+            <a:schemeClr val="accent6"/>
+          </a:effectRef>
+          <a:fontRef idx="minor">
+            <a:schemeClr val="lt1"/>
+          </a:fontRef>
+        </p:style>
+        <p:txBody>
+          <a:bodyPr rtlCol="0" anchor="ctr"/>
+          <a:lstStyle/>
+          <a:p>
+            <a:pPr algn="ctr"/>
+            <a:r>
+              <a:rPr lang="es-MX" sz="2400" dirty="0"/>
+              <a:t>Predomina el estilo Visual</a:t>
+            </a:r>
+          </a:p>
+        </p:txBody>
+      </p:sp>
+    </p:spTree>
+    <p:extLst>
+      <p:ext uri="{BB962C8B-B14F-4D97-AF65-F5344CB8AC3E}">
+        <p14:creationId xmlns:p14="http://schemas.microsoft.com/office/powerpoint/2010/main" val="687379632"/>
+      </p:ext>
+    </p:extLst>
+  </p:cSld>
+  <p:clrMapOvr>
+    <a:masterClrMapping/>
+  </p:clrMapOvr>
+</p:sld>
+</file>
+
+<file path=ppt/slides/slide13.xml><?xml version="1.0" encoding="utf-8"?>
+<p:sld xmlns:a="http://schemas.openxmlformats.org/drawingml/2006/main" xmlns:r="http://schemas.openxmlformats.org/officeDocument/2006/relationships" xmlns:p="http://schemas.openxmlformats.org/presentationml/2006/main">
+  <p:cSld>
+    <p:spTree>
+      <p:nvGrpSpPr>
+        <p:cNvPr id="1" name=""/>
+        <p:cNvGrpSpPr/>
+        <p:nvPr/>
+      </p:nvGrpSpPr>
+      <p:grpSpPr>
+        <a:xfrm>
+          <a:off x="0" y="0"/>
+          <a:ext cx="0" cy="0"/>
+          <a:chOff x="0" y="0"/>
+          <a:chExt cx="0" cy="0"/>
+        </a:xfrm>
+      </p:grpSpPr>
+      <p:grpSp>
+        <p:nvGrpSpPr>
+          <p:cNvPr id="5" name="Group 5"/>
+          <p:cNvGrpSpPr/>
+          <p:nvPr/>
+        </p:nvGrpSpPr>
+        <p:grpSpPr>
+          <a:xfrm rot="-10800000">
+            <a:off x="13587123" y="-2751112"/>
+            <a:ext cx="7395802" cy="5502224"/>
+            <a:chOff x="0" y="0"/>
+            <a:chExt cx="7220896" cy="5372100"/>
+          </a:xfrm>
+          <a:solidFill>
+            <a:srgbClr val="2D3250"/>
+          </a:solidFill>
+        </p:grpSpPr>
+        <p:sp>
+          <p:nvSpPr>
+            <p:cNvPr id="6" name="Freeform 6"/>
+            <p:cNvSpPr/>
+            <p:nvPr/>
+          </p:nvSpPr>
+          <p:spPr>
+            <a:xfrm>
+              <a:off x="0" y="0"/>
+              <a:ext cx="7220896" cy="5372100"/>
+            </a:xfrm>
+            <a:custGeom>
+              <a:avLst/>
+              <a:gdLst/>
+              <a:ahLst/>
+              <a:cxnLst/>
+              <a:rect l="l" t="t" r="r" b="b"/>
+              <a:pathLst>
+                <a:path w="7220896" h="5372100">
+                  <a:moveTo>
+                    <a:pt x="5670226" y="0"/>
+                  </a:moveTo>
+                  <a:lnTo>
+                    <a:pt x="1550670" y="0"/>
+                  </a:lnTo>
+                  <a:lnTo>
+                    <a:pt x="0" y="2686050"/>
+                  </a:lnTo>
+                  <a:lnTo>
+                    <a:pt x="1550670" y="5372100"/>
+                  </a:lnTo>
+                  <a:lnTo>
+                    <a:pt x="5670226" y="5372100"/>
+                  </a:lnTo>
+                  <a:lnTo>
+                    <a:pt x="7220896" y="2686050"/>
+                  </a:lnTo>
+                  <a:lnTo>
+                    <a:pt x="5670226" y="0"/>
+                  </a:lnTo>
+                  <a:close/>
+                </a:path>
+              </a:pathLst>
+            </a:custGeom>
+            <a:grpFill/>
+          </p:spPr>
+          <p:txBody>
+            <a:bodyPr/>
+            <a:lstStyle/>
+            <a:p>
+              <a:endParaRPr lang="es-MX"/>
+            </a:p>
+          </p:txBody>
+        </p:sp>
+      </p:grpSp>
+      <p:sp>
+        <p:nvSpPr>
+          <p:cNvPr id="7" name="TextBox 7"/>
+          <p:cNvSpPr txBox="1"/>
+          <p:nvPr/>
+        </p:nvSpPr>
+        <p:spPr>
+          <a:xfrm>
+            <a:off x="999390" y="618550"/>
+            <a:ext cx="9715501" cy="1231106"/>
+          </a:xfrm>
+          <a:prstGeom prst="rect">
+            <a:avLst/>
+          </a:prstGeom>
+        </p:spPr>
+        <p:txBody>
+          <a:bodyPr wrap="square" lIns="0" tIns="0" rIns="0" bIns="0" rtlCol="0" anchor="t">
+            <a:spAutoFit/>
+          </a:bodyPr>
+          <a:lstStyle/>
+          <a:p>
+            <a:pPr marL="0" lvl="0" indent="0">
+              <a:spcBef>
+                <a:spcPct val="0"/>
+              </a:spcBef>
+            </a:pPr>
+            <a:r>
+              <a:rPr lang="es-MX" sz="4000" dirty="0">
+                <a:solidFill>
+                  <a:srgbClr val="000000"/>
+                </a:solidFill>
+                <a:latin typeface="Fira Sans Semi-Bold"/>
+              </a:rPr>
+              <a:t>Implementación de Sistema de Detección de Estilos de Aprendizaje</a:t>
+            </a:r>
+            <a:endParaRPr lang="es-MX" sz="4000" u="none" dirty="0">
+              <a:solidFill>
+                <a:srgbClr val="000000"/>
+              </a:solidFill>
+              <a:latin typeface="Fira Sans Semi-Bold"/>
+            </a:endParaRPr>
+          </a:p>
+        </p:txBody>
+      </p:sp>
+      <p:grpSp>
+        <p:nvGrpSpPr>
+          <p:cNvPr id="16" name="Group 16"/>
+          <p:cNvGrpSpPr/>
+          <p:nvPr/>
+        </p:nvGrpSpPr>
+        <p:grpSpPr>
+          <a:xfrm rot="-10800000">
+            <a:off x="11621759" y="-1739113"/>
+            <a:ext cx="2929239" cy="3013773"/>
+            <a:chOff x="0" y="0"/>
+            <a:chExt cx="5221416" cy="5372100"/>
+          </a:xfrm>
+          <a:solidFill>
+            <a:srgbClr val="F9B17A"/>
+          </a:solidFill>
+        </p:grpSpPr>
+        <p:sp>
+          <p:nvSpPr>
+            <p:cNvPr id="17" name="Freeform 17"/>
+            <p:cNvSpPr/>
+            <p:nvPr/>
+          </p:nvSpPr>
+          <p:spPr>
+            <a:xfrm>
+              <a:off x="0" y="0"/>
+              <a:ext cx="5221416" cy="5372100"/>
+            </a:xfrm>
+            <a:custGeom>
+              <a:avLst/>
+              <a:gdLst/>
+              <a:ahLst/>
+              <a:cxnLst/>
+              <a:rect l="l" t="t" r="r" b="b"/>
+              <a:pathLst>
+                <a:path w="5221416" h="5372100">
+                  <a:moveTo>
+                    <a:pt x="3670746" y="0"/>
+                  </a:moveTo>
+                  <a:lnTo>
+                    <a:pt x="1550670" y="0"/>
+                  </a:lnTo>
+                  <a:lnTo>
+                    <a:pt x="0" y="2686050"/>
+                  </a:lnTo>
+                  <a:lnTo>
+                    <a:pt x="1550670" y="5372100"/>
+                  </a:lnTo>
+                  <a:lnTo>
+                    <a:pt x="3670746" y="5372100"/>
+                  </a:lnTo>
+                  <a:lnTo>
+                    <a:pt x="5221416" y="2686050"/>
+                  </a:lnTo>
+                  <a:lnTo>
+                    <a:pt x="3670746" y="0"/>
+                  </a:lnTo>
+                  <a:close/>
+                </a:path>
+              </a:pathLst>
+            </a:custGeom>
+            <a:grpFill/>
+          </p:spPr>
+          <p:txBody>
+            <a:bodyPr/>
+            <a:lstStyle/>
+            <a:p>
+              <a:endParaRPr lang="es-MX"/>
+            </a:p>
+          </p:txBody>
+        </p:sp>
+      </p:grpSp>
+      <p:grpSp>
+        <p:nvGrpSpPr>
+          <p:cNvPr id="18" name="Group 18"/>
+          <p:cNvGrpSpPr/>
+          <p:nvPr/>
+        </p:nvGrpSpPr>
+        <p:grpSpPr>
+          <a:xfrm rot="-10800000">
+            <a:off x="-1643644" y="9951501"/>
+            <a:ext cx="17768494" cy="1949023"/>
+            <a:chOff x="0" y="0"/>
+            <a:chExt cx="48975363" cy="5372100"/>
+          </a:xfrm>
+          <a:solidFill>
+            <a:srgbClr val="2D3250"/>
+          </a:solidFill>
+        </p:grpSpPr>
+        <p:sp>
+          <p:nvSpPr>
+            <p:cNvPr id="19" name="Freeform 19"/>
+            <p:cNvSpPr/>
+            <p:nvPr/>
+          </p:nvSpPr>
+          <p:spPr>
+            <a:xfrm>
+              <a:off x="0" y="0"/>
+              <a:ext cx="48975364" cy="5372100"/>
+            </a:xfrm>
+            <a:custGeom>
+              <a:avLst/>
+              <a:gdLst/>
+              <a:ahLst/>
+              <a:cxnLst/>
+              <a:rect l="l" t="t" r="r" b="b"/>
+              <a:pathLst>
+                <a:path w="48975364" h="5372100">
+                  <a:moveTo>
+                    <a:pt x="47424693" y="0"/>
+                  </a:moveTo>
+                  <a:lnTo>
+                    <a:pt x="1550670" y="0"/>
+                  </a:lnTo>
+                  <a:lnTo>
+                    <a:pt x="0" y="2686050"/>
+                  </a:lnTo>
+                  <a:lnTo>
+                    <a:pt x="1550670" y="5372100"/>
+                  </a:lnTo>
+                  <a:lnTo>
+                    <a:pt x="47424693" y="5372100"/>
+                  </a:lnTo>
+                  <a:lnTo>
+                    <a:pt x="48975364" y="2686050"/>
+                  </a:lnTo>
+                  <a:lnTo>
+                    <a:pt x="47424693" y="0"/>
+                  </a:lnTo>
+                  <a:close/>
+                </a:path>
+              </a:pathLst>
+            </a:custGeom>
+            <a:grpFill/>
+          </p:spPr>
+          <p:txBody>
+            <a:bodyPr/>
+            <a:lstStyle/>
+            <a:p>
+              <a:endParaRPr lang="es-MX"/>
+            </a:p>
+          </p:txBody>
+        </p:sp>
+      </p:grpSp>
+      <p:sp>
+        <p:nvSpPr>
+          <p:cNvPr id="2" name="Marcador de contenido 2">
+            <a:extLst>
+              <a:ext uri="{FF2B5EF4-FFF2-40B4-BE49-F238E27FC236}">
+                <a16:creationId xmlns:a16="http://schemas.microsoft.com/office/drawing/2014/main" id="{ED29DC63-94CD-3D79-7690-C84949583E74}"/>
+              </a:ext>
+            </a:extLst>
+          </p:cNvPr>
+          <p:cNvSpPr txBox="1">
+            <a:spLocks/>
+          </p:cNvSpPr>
+          <p:nvPr/>
+        </p:nvSpPr>
+        <p:spPr>
+          <a:xfrm>
+            <a:off x="999390" y="2967830"/>
+            <a:ext cx="16831409" cy="6214269"/>
+          </a:xfrm>
+          <a:prstGeom prst="rect">
+            <a:avLst/>
+          </a:prstGeom>
+        </p:spPr>
+        <p:txBody>
+          <a:bodyPr/>
+          <a:lstStyle>
+            <a:lvl1pPr marL="342900" indent="-342900" algn="l" defTabSz="914400" rtl="0" eaLnBrk="1" latinLnBrk="0" hangingPunct="1">
+              <a:spcBef>
+                <a:spcPct val="20000"/>
+              </a:spcBef>
+              <a:buFont typeface="Arial" pitchFamily="34" charset="0"/>
+              <a:buChar char="•"/>
+              <a:defRPr sz="3200" kern="1200">
+                <a:solidFill>
+                  <a:schemeClr val="tx1"/>
+                </a:solidFill>
+                <a:latin typeface="+mn-lt"/>
+                <a:ea typeface="+mn-ea"/>
+                <a:cs typeface="+mn-cs"/>
+              </a:defRPr>
+            </a:lvl1pPr>
+            <a:lvl2pPr marL="742950" indent="-285750" algn="l" defTabSz="914400" rtl="0" eaLnBrk="1" latinLnBrk="0" hangingPunct="1">
+              <a:spcBef>
+                <a:spcPct val="20000"/>
+              </a:spcBef>
+              <a:buFont typeface="Arial" pitchFamily="34" charset="0"/>
+              <a:buChar char="–"/>
+              <a:defRPr sz="2800" kern="1200">
+                <a:solidFill>
+                  <a:schemeClr val="tx1"/>
+                </a:solidFill>
+                <a:latin typeface="+mn-lt"/>
+                <a:ea typeface="+mn-ea"/>
+                <a:cs typeface="+mn-cs"/>
+              </a:defRPr>
+            </a:lvl2pPr>
+            <a:lvl3pPr marL="1143000" indent="-228600" algn="l" defTabSz="914400" rtl="0" eaLnBrk="1" latinLnBrk="0" hangingPunct="1">
+              <a:spcBef>
+                <a:spcPct val="20000"/>
+              </a:spcBef>
+              <a:buFont typeface="Arial" pitchFamily="34" charset="0"/>
+              <a:buChar char="•"/>
+              <a:defRPr sz="2400" kern="1200">
+                <a:solidFill>
+                  <a:schemeClr val="tx1"/>
+                </a:solidFill>
+                <a:latin typeface="+mn-lt"/>
+                <a:ea typeface="+mn-ea"/>
+                <a:cs typeface="+mn-cs"/>
+              </a:defRPr>
+            </a:lvl3pPr>
+            <a:lvl4pPr marL="1600200" indent="-228600" algn="l" defTabSz="914400" rtl="0" eaLnBrk="1" latinLnBrk="0" hangingPunct="1">
+              <a:spcBef>
+                <a:spcPct val="20000"/>
+              </a:spcBef>
+              <a:buFont typeface="Arial" pitchFamily="34" charset="0"/>
+              <a:buChar char="–"/>
+              <a:defRPr sz="2000" kern="1200">
+                <a:solidFill>
+                  <a:schemeClr val="tx1"/>
+                </a:solidFill>
+                <a:latin typeface="+mn-lt"/>
+                <a:ea typeface="+mn-ea"/>
+                <a:cs typeface="+mn-cs"/>
+              </a:defRPr>
+            </a:lvl4pPr>
+            <a:lvl5pPr marL="2057400" indent="-228600" algn="l" defTabSz="914400" rtl="0" eaLnBrk="1" latinLnBrk="0" hangingPunct="1">
+              <a:spcBef>
+                <a:spcPct val="20000"/>
+              </a:spcBef>
+              <a:buFont typeface="Arial" pitchFamily="34" charset="0"/>
+              <a:buChar char="»"/>
+              <a:defRPr sz="2000" kern="1200">
+                <a:solidFill>
+                  <a:schemeClr val="tx1"/>
+                </a:solidFill>
+                <a:latin typeface="+mn-lt"/>
+                <a:ea typeface="+mn-ea"/>
+                <a:cs typeface="+mn-cs"/>
+              </a:defRPr>
+            </a:lvl5pPr>
+            <a:lvl6pPr marL="2514600" indent="-228600" algn="l" defTabSz="914400" rtl="0" eaLnBrk="1" latinLnBrk="0" hangingPunct="1">
+              <a:spcBef>
+                <a:spcPct val="20000"/>
+              </a:spcBef>
+              <a:buFont typeface="Arial" pitchFamily="34" charset="0"/>
+              <a:buChar char="•"/>
+              <a:defRPr sz="2000" kern="1200">
+                <a:solidFill>
+                  <a:schemeClr val="tx1"/>
+                </a:solidFill>
+                <a:latin typeface="+mn-lt"/>
+                <a:ea typeface="+mn-ea"/>
+                <a:cs typeface="+mn-cs"/>
+              </a:defRPr>
+            </a:lvl6pPr>
+            <a:lvl7pPr marL="2971800" indent="-228600" algn="l" defTabSz="914400" rtl="0" eaLnBrk="1" latinLnBrk="0" hangingPunct="1">
+              <a:spcBef>
+                <a:spcPct val="20000"/>
+              </a:spcBef>
+              <a:buFont typeface="Arial" pitchFamily="34" charset="0"/>
+              <a:buChar char="•"/>
+              <a:defRPr sz="2000" kern="1200">
+                <a:solidFill>
+                  <a:schemeClr val="tx1"/>
+                </a:solidFill>
+                <a:latin typeface="+mn-lt"/>
+                <a:ea typeface="+mn-ea"/>
+                <a:cs typeface="+mn-cs"/>
+              </a:defRPr>
+            </a:lvl7pPr>
+            <a:lvl8pPr marL="3429000" indent="-228600" algn="l" defTabSz="914400" rtl="0" eaLnBrk="1" latinLnBrk="0" hangingPunct="1">
+              <a:spcBef>
+                <a:spcPct val="20000"/>
+              </a:spcBef>
+              <a:buFont typeface="Arial" pitchFamily="34" charset="0"/>
+              <a:buChar char="•"/>
+              <a:defRPr sz="2000" kern="1200">
+                <a:solidFill>
+                  <a:schemeClr val="tx1"/>
+                </a:solidFill>
+                <a:latin typeface="+mn-lt"/>
+                <a:ea typeface="+mn-ea"/>
+                <a:cs typeface="+mn-cs"/>
+              </a:defRPr>
+            </a:lvl8pPr>
+            <a:lvl9pPr marL="3886200" indent="-228600" algn="l" defTabSz="914400" rtl="0" eaLnBrk="1" latinLnBrk="0" hangingPunct="1">
+              <a:spcBef>
+                <a:spcPct val="20000"/>
+              </a:spcBef>
+              <a:buFont typeface="Arial" pitchFamily="34" charset="0"/>
+              <a:buChar char="•"/>
+              <a:defRPr sz="2000" kern="1200">
+                <a:solidFill>
+                  <a:schemeClr val="tx1"/>
+                </a:solidFill>
+                <a:latin typeface="+mn-lt"/>
+                <a:ea typeface="+mn-ea"/>
+                <a:cs typeface="+mn-cs"/>
+              </a:defRPr>
+            </a:lvl9pPr>
+          </a:lstStyle>
+          <a:p>
+            <a:endParaRPr lang="es-MX" sz="4400" dirty="0"/>
+          </a:p>
+        </p:txBody>
+      </p:sp>
+      <p:sp>
+        <p:nvSpPr>
+          <p:cNvPr id="4" name="Marcador de número de diapositiva 3">
+            <a:extLst>
+              <a:ext uri="{FF2B5EF4-FFF2-40B4-BE49-F238E27FC236}">
+                <a16:creationId xmlns:a16="http://schemas.microsoft.com/office/drawing/2014/main" id="{56D9984C-F715-46E9-9FE5-D26D7EF78402}"/>
+              </a:ext>
+            </a:extLst>
+          </p:cNvPr>
+          <p:cNvSpPr>
+            <a:spLocks noGrp="1"/>
+          </p:cNvSpPr>
+          <p:nvPr>
+            <p:ph type="sldNum" sz="quarter" idx="12"/>
+          </p:nvPr>
+        </p:nvSpPr>
+        <p:spPr>
+          <a:xfrm>
+            <a:off x="15679614" y="9201674"/>
+            <a:ext cx="2133600" cy="365125"/>
+          </a:xfrm>
+        </p:spPr>
+        <p:txBody>
+          <a:bodyPr/>
+          <a:lstStyle/>
+          <a:p>
+            <a:fld id="{B6F15528-21DE-4FAA-801E-634DDDAF4B2B}" type="slidenum">
+              <a:rPr lang="en-US" sz="3200" smtClean="0"/>
+              <a:pPr/>
+              <a:t>13</a:t>
+            </a:fld>
+            <a:endParaRPr lang="en-US" sz="3200"/>
+          </a:p>
+        </p:txBody>
+      </p:sp>
+      <p:sp>
+        <p:nvSpPr>
+          <p:cNvPr id="3" name="TextBox 7">
+            <a:extLst>
+              <a:ext uri="{FF2B5EF4-FFF2-40B4-BE49-F238E27FC236}">
+                <a16:creationId xmlns:a16="http://schemas.microsoft.com/office/drawing/2014/main" id="{04A40C6B-20F0-C389-A5FC-5A3FD073FED2}"/>
+              </a:ext>
+            </a:extLst>
+          </p:cNvPr>
+          <p:cNvSpPr txBox="1"/>
+          <p:nvPr/>
+        </p:nvSpPr>
+        <p:spPr>
+          <a:xfrm>
+            <a:off x="3021155" y="7774037"/>
+            <a:ext cx="4029811" cy="830997"/>
+          </a:xfrm>
+          <a:prstGeom prst="rect">
+            <a:avLst/>
+          </a:prstGeom>
+        </p:spPr>
+        <p:txBody>
+          <a:bodyPr wrap="square" lIns="0" tIns="0" rIns="0" bIns="0" rtlCol="0" anchor="t">
+            <a:spAutoFit/>
+          </a:bodyPr>
+          <a:lstStyle/>
+          <a:p>
+            <a:pPr marL="0" lvl="0" indent="0" algn="ctr">
+              <a:spcBef>
+                <a:spcPct val="0"/>
+              </a:spcBef>
+            </a:pPr>
+            <a:r>
+              <a:rPr lang="es-MX" dirty="0">
+                <a:solidFill>
+                  <a:srgbClr val="676F9D"/>
+                </a:solidFill>
+                <a:latin typeface="Fira Sans Semi-Bold"/>
+              </a:rPr>
+              <a:t>Pulsar en “Enviar” para evaluar respuestas con modelo de machine </a:t>
+            </a:r>
+            <a:r>
+              <a:rPr lang="es-MX" dirty="0" err="1">
+                <a:solidFill>
+                  <a:srgbClr val="676F9D"/>
+                </a:solidFill>
+                <a:latin typeface="Fira Sans Semi-Bold"/>
+              </a:rPr>
+              <a:t>learning</a:t>
+            </a:r>
+            <a:r>
+              <a:rPr lang="es-MX" dirty="0">
+                <a:solidFill>
+                  <a:srgbClr val="676F9D"/>
+                </a:solidFill>
+                <a:latin typeface="Fira Sans Semi-Bold"/>
+              </a:rPr>
+              <a:t> (Método POST)</a:t>
+            </a:r>
+            <a:endParaRPr lang="es-MX" u="none" dirty="0">
+              <a:solidFill>
+                <a:srgbClr val="676F9D"/>
+              </a:solidFill>
+              <a:latin typeface="Fira Sans Semi-Bold"/>
+            </a:endParaRPr>
+          </a:p>
+        </p:txBody>
+      </p:sp>
+      <p:pic>
+        <p:nvPicPr>
+          <p:cNvPr id="11" name="Imagen 10" descr="Interfaz de usuario gráfica, Texto&#10;&#10;Descripción generada automáticamente">
+            <a:extLst>
+              <a:ext uri="{FF2B5EF4-FFF2-40B4-BE49-F238E27FC236}">
+                <a16:creationId xmlns:a16="http://schemas.microsoft.com/office/drawing/2014/main" id="{6EF59129-C6C2-520E-46D6-9EC9C2E96771}"/>
+              </a:ext>
+            </a:extLst>
+          </p:cNvPr>
+          <p:cNvPicPr>
+            <a:picLocks noChangeAspect="1"/>
+          </p:cNvPicPr>
+          <p:nvPr/>
+        </p:nvPicPr>
+        <p:blipFill>
+          <a:blip r:embed="rId3">
+            <a:extLst>
+              <a:ext uri="{28A0092B-C50C-407E-A947-70E740481C1C}">
+                <a14:useLocalDpi xmlns:a14="http://schemas.microsoft.com/office/drawing/2010/main" val="0"/>
+              </a:ext>
+            </a:extLst>
+          </a:blip>
+          <a:stretch>
+            <a:fillRect/>
+          </a:stretch>
+        </p:blipFill>
+        <p:spPr>
+          <a:xfrm>
+            <a:off x="928123" y="2136831"/>
+            <a:ext cx="8215877" cy="4682701"/>
+          </a:xfrm>
+          <a:prstGeom prst="rect">
+            <a:avLst/>
+          </a:prstGeom>
+        </p:spPr>
+      </p:pic>
+      <p:pic>
+        <p:nvPicPr>
+          <p:cNvPr id="14" name="Imagen 13" descr="Interfaz de usuario gráfica, Texto, Aplicación, Correo electrónico&#10;&#10;Descripción generada automáticamente">
+            <a:extLst>
+              <a:ext uri="{FF2B5EF4-FFF2-40B4-BE49-F238E27FC236}">
+                <a16:creationId xmlns:a16="http://schemas.microsoft.com/office/drawing/2014/main" id="{76648E9A-C94A-0800-28E2-A6BA63FD8B4D}"/>
+              </a:ext>
+            </a:extLst>
+          </p:cNvPr>
+          <p:cNvPicPr>
+            <a:picLocks noChangeAspect="1"/>
+          </p:cNvPicPr>
+          <p:nvPr/>
+        </p:nvPicPr>
+        <p:blipFill>
+          <a:blip r:embed="rId4">
+            <a:extLst>
+              <a:ext uri="{28A0092B-C50C-407E-A947-70E740481C1C}">
+                <a14:useLocalDpi xmlns:a14="http://schemas.microsoft.com/office/drawing/2010/main" val="0"/>
+              </a:ext>
+            </a:extLst>
+          </a:blip>
+          <a:stretch>
+            <a:fillRect/>
+          </a:stretch>
+        </p:blipFill>
+        <p:spPr>
+          <a:xfrm>
+            <a:off x="9432511" y="4782771"/>
+            <a:ext cx="8625984" cy="4919425"/>
+          </a:xfrm>
+          <a:prstGeom prst="rect">
+            <a:avLst/>
+          </a:prstGeom>
+        </p:spPr>
+      </p:pic>
+      <p:sp>
+        <p:nvSpPr>
+          <p:cNvPr id="21" name="TextBox 7">
+            <a:extLst>
+              <a:ext uri="{FF2B5EF4-FFF2-40B4-BE49-F238E27FC236}">
+                <a16:creationId xmlns:a16="http://schemas.microsoft.com/office/drawing/2014/main" id="{C8C0F4A6-D7AB-C500-781C-2759448D0A8C}"/>
+              </a:ext>
+            </a:extLst>
+          </p:cNvPr>
+          <p:cNvSpPr txBox="1"/>
+          <p:nvPr/>
+        </p:nvSpPr>
+        <p:spPr>
+          <a:xfrm>
+            <a:off x="11071472" y="3089602"/>
+            <a:ext cx="4029811" cy="738664"/>
+          </a:xfrm>
+          <a:prstGeom prst="rect">
+            <a:avLst/>
+          </a:prstGeom>
+        </p:spPr>
+        <p:txBody>
+          <a:bodyPr wrap="square" lIns="0" tIns="0" rIns="0" bIns="0" rtlCol="0" anchor="t">
+            <a:spAutoFit/>
+          </a:bodyPr>
+          <a:lstStyle/>
+          <a:p>
+            <a:pPr marL="0" lvl="0" indent="0" algn="ctr">
+              <a:spcBef>
+                <a:spcPct val="0"/>
+              </a:spcBef>
+            </a:pPr>
+            <a:r>
+              <a:rPr lang="es-MX" sz="2400" u="none" dirty="0">
+                <a:solidFill>
+                  <a:srgbClr val="676F9D"/>
+                </a:solidFill>
+                <a:latin typeface="Fira Sans Semi-Bold"/>
+              </a:rPr>
+              <a:t>Interfaz de Usuario: Formulario</a:t>
+            </a:r>
+          </a:p>
+        </p:txBody>
+      </p:sp>
+    </p:spTree>
+    <p:extLst>
+      <p:ext uri="{BB962C8B-B14F-4D97-AF65-F5344CB8AC3E}">
+        <p14:creationId xmlns:p14="http://schemas.microsoft.com/office/powerpoint/2010/main" val="4099972523"/>
+      </p:ext>
+    </p:extLst>
+  </p:cSld>
+  <p:clrMapOvr>
+    <a:masterClrMapping/>
+  </p:clrMapOvr>
+</p:sld>
+</file>
+
+<file path=ppt/slides/slide14.xml><?xml version="1.0" encoding="utf-8"?>
+<p:sld xmlns:a="http://schemas.openxmlformats.org/drawingml/2006/main" xmlns:r="http://schemas.openxmlformats.org/officeDocument/2006/relationships" xmlns:p="http://schemas.openxmlformats.org/presentationml/2006/main">
+  <p:cSld>
+    <p:bg>
+      <p:bgPr>
+        <a:solidFill>
+          <a:srgbClr val="2D3250"/>
+        </a:solidFill>
+        <a:effectLst/>
+      </p:bgPr>
+    </p:bg>
+    <p:spTree>
+      <p:nvGrpSpPr>
+        <p:cNvPr id="1" name=""/>
+        <p:cNvGrpSpPr/>
+        <p:nvPr/>
+      </p:nvGrpSpPr>
+      <p:grpSpPr>
+        <a:xfrm>
+          <a:off x="0" y="0"/>
+          <a:ext cx="0" cy="0"/>
+          <a:chOff x="0" y="0"/>
+          <a:chExt cx="0" cy="0"/>
+        </a:xfrm>
+      </p:grpSpPr>
+      <p:grpSp>
+        <p:nvGrpSpPr>
+          <p:cNvPr id="2" name="Group 2"/>
+          <p:cNvGrpSpPr/>
+          <p:nvPr/>
+        </p:nvGrpSpPr>
+        <p:grpSpPr>
+          <a:xfrm>
+            <a:off x="11620599" y="8775184"/>
+            <a:ext cx="8523290" cy="4392438"/>
+            <a:chOff x="0" y="0"/>
+            <a:chExt cx="10424273" cy="5372100"/>
+          </a:xfrm>
+          <a:solidFill>
+            <a:srgbClr val="F9B17A"/>
+          </a:solidFill>
+        </p:grpSpPr>
+        <p:sp>
+          <p:nvSpPr>
+            <p:cNvPr id="3" name="Freeform 3"/>
+            <p:cNvSpPr/>
+            <p:nvPr/>
+          </p:nvSpPr>
+          <p:spPr>
+            <a:xfrm>
+              <a:off x="0" y="0"/>
+              <a:ext cx="10424273" cy="5372100"/>
+            </a:xfrm>
+            <a:custGeom>
+              <a:avLst/>
+              <a:gdLst/>
+              <a:ahLst/>
+              <a:cxnLst/>
+              <a:rect l="l" t="t" r="r" b="b"/>
+              <a:pathLst>
+                <a:path w="10424273" h="5372100">
+                  <a:moveTo>
+                    <a:pt x="8873603" y="0"/>
+                  </a:moveTo>
+                  <a:lnTo>
+                    <a:pt x="1550670" y="0"/>
+                  </a:lnTo>
+                  <a:lnTo>
+                    <a:pt x="0" y="2686050"/>
+                  </a:lnTo>
+                  <a:lnTo>
+                    <a:pt x="1550670" y="5372100"/>
+                  </a:lnTo>
+                  <a:lnTo>
+                    <a:pt x="8873603" y="5372100"/>
+                  </a:lnTo>
+                  <a:lnTo>
+                    <a:pt x="10424273" y="2686050"/>
+                  </a:lnTo>
+                  <a:lnTo>
+                    <a:pt x="8873603" y="0"/>
+                  </a:lnTo>
+                  <a:close/>
+                </a:path>
+              </a:pathLst>
+            </a:custGeom>
+            <a:grpFill/>
+          </p:spPr>
+          <p:txBody>
+            <a:bodyPr/>
+            <a:lstStyle/>
+            <a:p>
+              <a:endParaRPr lang="es-MX"/>
+            </a:p>
+          </p:txBody>
+        </p:sp>
+      </p:grpSp>
+      <p:grpSp>
+        <p:nvGrpSpPr>
+          <p:cNvPr id="4" name="Group 4"/>
+          <p:cNvGrpSpPr/>
+          <p:nvPr/>
+        </p:nvGrpSpPr>
+        <p:grpSpPr>
+          <a:xfrm>
+            <a:off x="9916665" y="9258300"/>
+            <a:ext cx="3407869" cy="4392438"/>
+            <a:chOff x="0" y="0"/>
+            <a:chExt cx="4167939" cy="5372100"/>
+          </a:xfrm>
+          <a:solidFill>
+            <a:srgbClr val="676F9D"/>
+          </a:solidFill>
+        </p:grpSpPr>
+        <p:sp>
+          <p:nvSpPr>
+            <p:cNvPr id="5" name="Freeform 5"/>
+            <p:cNvSpPr/>
+            <p:nvPr/>
+          </p:nvSpPr>
+          <p:spPr>
+            <a:xfrm>
+              <a:off x="0" y="0"/>
+              <a:ext cx="4167939" cy="5372100"/>
+            </a:xfrm>
+            <a:custGeom>
+              <a:avLst/>
+              <a:gdLst/>
+              <a:ahLst/>
+              <a:cxnLst/>
+              <a:rect l="l" t="t" r="r" b="b"/>
+              <a:pathLst>
+                <a:path w="4167939" h="5372100">
+                  <a:moveTo>
+                    <a:pt x="2617269" y="0"/>
+                  </a:moveTo>
+                  <a:lnTo>
+                    <a:pt x="1550670" y="0"/>
+                  </a:lnTo>
+                  <a:lnTo>
+                    <a:pt x="0" y="2686050"/>
+                  </a:lnTo>
+                  <a:lnTo>
+                    <a:pt x="1550670" y="5372100"/>
+                  </a:lnTo>
+                  <a:lnTo>
+                    <a:pt x="2617269" y="5372100"/>
+                  </a:lnTo>
+                  <a:lnTo>
+                    <a:pt x="4167939" y="2686050"/>
+                  </a:lnTo>
+                  <a:lnTo>
+                    <a:pt x="2617269" y="0"/>
+                  </a:lnTo>
+                  <a:close/>
+                </a:path>
+              </a:pathLst>
+            </a:custGeom>
+            <a:grpFill/>
+          </p:spPr>
+          <p:txBody>
+            <a:bodyPr/>
+            <a:lstStyle/>
+            <a:p>
+              <a:endParaRPr lang="es-MX" dirty="0"/>
+            </a:p>
+          </p:txBody>
+        </p:sp>
+      </p:grpSp>
+      <p:grpSp>
+        <p:nvGrpSpPr>
+          <p:cNvPr id="6" name="Group 6"/>
+          <p:cNvGrpSpPr/>
+          <p:nvPr/>
+        </p:nvGrpSpPr>
+        <p:grpSpPr>
+          <a:xfrm rot="-10800000">
+            <a:off x="-3602767" y="-3778684"/>
+            <a:ext cx="11903735" cy="6226137"/>
+            <a:chOff x="0" y="0"/>
+            <a:chExt cx="10270904" cy="5372100"/>
+          </a:xfrm>
+        </p:grpSpPr>
+        <p:sp>
+          <p:nvSpPr>
+            <p:cNvPr id="7" name="Freeform 7"/>
+            <p:cNvSpPr/>
+            <p:nvPr/>
+          </p:nvSpPr>
+          <p:spPr>
+            <a:xfrm>
+              <a:off x="0" y="0"/>
+              <a:ext cx="10270904" cy="5372100"/>
+            </a:xfrm>
+            <a:custGeom>
+              <a:avLst/>
+              <a:gdLst/>
+              <a:ahLst/>
+              <a:cxnLst/>
+              <a:rect l="l" t="t" r="r" b="b"/>
+              <a:pathLst>
+                <a:path w="10270904" h="5372100">
+                  <a:moveTo>
+                    <a:pt x="8720234" y="0"/>
+                  </a:moveTo>
+                  <a:lnTo>
+                    <a:pt x="1550670" y="0"/>
+                  </a:lnTo>
+                  <a:lnTo>
+                    <a:pt x="0" y="2686050"/>
+                  </a:lnTo>
+                  <a:lnTo>
+                    <a:pt x="1550670" y="5372100"/>
+                  </a:lnTo>
+                  <a:lnTo>
+                    <a:pt x="8720234" y="5372100"/>
+                  </a:lnTo>
+                  <a:lnTo>
+                    <a:pt x="10270904" y="2686050"/>
+                  </a:lnTo>
+                  <a:lnTo>
+                    <a:pt x="8720234" y="0"/>
+                  </a:lnTo>
+                  <a:close/>
+                </a:path>
+              </a:pathLst>
+            </a:custGeom>
+            <a:solidFill>
+              <a:srgbClr val="FFFFFF"/>
+            </a:solidFill>
+          </p:spPr>
+          <p:txBody>
+            <a:bodyPr/>
+            <a:lstStyle/>
+            <a:p>
+              <a:endParaRPr lang="es-MX"/>
+            </a:p>
+          </p:txBody>
+        </p:sp>
+      </p:grpSp>
+      <p:grpSp>
+        <p:nvGrpSpPr>
+          <p:cNvPr id="8" name="Group 8"/>
+          <p:cNvGrpSpPr/>
+          <p:nvPr/>
+        </p:nvGrpSpPr>
+        <p:grpSpPr>
+          <a:xfrm>
+            <a:off x="-1676400" y="1314204"/>
+            <a:ext cx="19136692" cy="8049218"/>
+            <a:chOff x="0" y="-47625"/>
+            <a:chExt cx="5040120" cy="2119958"/>
+          </a:xfrm>
+        </p:grpSpPr>
+        <p:sp>
+          <p:nvSpPr>
+            <p:cNvPr id="9" name="Freeform 9"/>
+            <p:cNvSpPr/>
+            <p:nvPr/>
+          </p:nvSpPr>
+          <p:spPr>
+            <a:xfrm>
+              <a:off x="692389" y="0"/>
+              <a:ext cx="4347731" cy="2072333"/>
+            </a:xfrm>
+            <a:custGeom>
+              <a:avLst/>
+              <a:gdLst/>
+              <a:ahLst/>
+              <a:cxnLst/>
+              <a:rect l="l" t="t" r="r" b="b"/>
+              <a:pathLst>
+                <a:path w="4347731" h="2072333">
+                  <a:moveTo>
+                    <a:pt x="23918" y="0"/>
+                  </a:moveTo>
+                  <a:lnTo>
+                    <a:pt x="4323813" y="0"/>
+                  </a:lnTo>
+                  <a:cubicBezTo>
+                    <a:pt x="4330156" y="0"/>
+                    <a:pt x="4336240" y="2520"/>
+                    <a:pt x="4340726" y="7006"/>
+                  </a:cubicBezTo>
+                  <a:cubicBezTo>
+                    <a:pt x="4345211" y="11491"/>
+                    <a:pt x="4347731" y="17575"/>
+                    <a:pt x="4347731" y="23918"/>
+                  </a:cubicBezTo>
+                  <a:lnTo>
+                    <a:pt x="4347731" y="2048415"/>
+                  </a:lnTo>
+                  <a:cubicBezTo>
+                    <a:pt x="4347731" y="2054759"/>
+                    <a:pt x="4345211" y="2060842"/>
+                    <a:pt x="4340726" y="2065328"/>
+                  </a:cubicBezTo>
+                  <a:cubicBezTo>
+                    <a:pt x="4336240" y="2069813"/>
+                    <a:pt x="4330156" y="2072333"/>
+                    <a:pt x="4323813" y="2072333"/>
+                  </a:cubicBezTo>
+                  <a:lnTo>
+                    <a:pt x="23918" y="2072333"/>
+                  </a:lnTo>
+                  <a:cubicBezTo>
+                    <a:pt x="17575" y="2072333"/>
+                    <a:pt x="11491" y="2069813"/>
+                    <a:pt x="7006" y="2065328"/>
+                  </a:cubicBezTo>
+                  <a:cubicBezTo>
+                    <a:pt x="2520" y="2060842"/>
+                    <a:pt x="0" y="2054759"/>
+                    <a:pt x="0" y="2048415"/>
+                  </a:cubicBezTo>
+                  <a:lnTo>
+                    <a:pt x="0" y="23918"/>
+                  </a:lnTo>
+                  <a:cubicBezTo>
+                    <a:pt x="0" y="17575"/>
+                    <a:pt x="2520" y="11491"/>
+                    <a:pt x="7006" y="7006"/>
+                  </a:cubicBezTo>
+                  <a:cubicBezTo>
+                    <a:pt x="11491" y="2520"/>
+                    <a:pt x="17575" y="0"/>
+                    <a:pt x="23918" y="0"/>
+                  </a:cubicBezTo>
+                  <a:close/>
+                </a:path>
+              </a:pathLst>
+            </a:custGeom>
+            <a:solidFill>
+              <a:srgbClr val="FFFFFF">
+                <a:alpha val="87843"/>
+              </a:srgbClr>
+            </a:solidFill>
+          </p:spPr>
+          <p:txBody>
+            <a:bodyPr/>
+            <a:lstStyle/>
+            <a:p>
+              <a:pPr marL="285750" indent="-285750">
+                <a:buFont typeface="Arial" panose="020B0604020202020204" pitchFamily="34" charset="0"/>
+                <a:buChar char="•"/>
+              </a:pPr>
+              <a:endParaRPr lang="es-MX" dirty="0"/>
+            </a:p>
+          </p:txBody>
+        </p:sp>
+        <p:sp>
+          <p:nvSpPr>
+            <p:cNvPr id="10" name="TextBox 10"/>
+            <p:cNvSpPr txBox="1"/>
+            <p:nvPr/>
+          </p:nvSpPr>
+          <p:spPr>
+            <a:xfrm>
+              <a:off x="0" y="-47625"/>
+              <a:ext cx="4347731" cy="2119958"/>
+            </a:xfrm>
+            <a:prstGeom prst="rect">
+              <a:avLst/>
+            </a:prstGeom>
+          </p:spPr>
+          <p:txBody>
+            <a:bodyPr lIns="50800" tIns="50800" rIns="50800" bIns="50800" rtlCol="0" anchor="ctr"/>
+            <a:lstStyle/>
+            <a:p>
+              <a:pPr marL="285750" indent="-285750" algn="ctr">
+                <a:lnSpc>
+                  <a:spcPts val="2659"/>
+                </a:lnSpc>
+                <a:buFont typeface="Arial" panose="020B0604020202020204" pitchFamily="34" charset="0"/>
+                <a:buChar char="•"/>
+              </a:pPr>
+              <a:endParaRPr/>
+            </a:p>
+          </p:txBody>
+        </p:sp>
+      </p:grpSp>
+      <p:sp>
+        <p:nvSpPr>
+          <p:cNvPr id="12" name="TextBox 12"/>
+          <p:cNvSpPr txBox="1"/>
+          <p:nvPr/>
+        </p:nvSpPr>
+        <p:spPr>
+          <a:xfrm>
+            <a:off x="7609084" y="1792679"/>
+            <a:ext cx="8390160" cy="2006729"/>
+          </a:xfrm>
+          <a:prstGeom prst="rect">
+            <a:avLst/>
+          </a:prstGeom>
+        </p:spPr>
+        <p:txBody>
+          <a:bodyPr lIns="0" tIns="0" rIns="0" bIns="0" rtlCol="0" anchor="t">
+            <a:spAutoFit/>
+          </a:bodyPr>
+          <a:lstStyle/>
+          <a:p>
+            <a:pPr algn="ctr">
+              <a:lnSpc>
+                <a:spcPts val="7839"/>
+              </a:lnSpc>
+            </a:pPr>
+            <a:r>
+              <a:rPr lang="en-US" sz="6700" dirty="0">
+                <a:solidFill>
+                  <a:srgbClr val="000000"/>
+                </a:solidFill>
+                <a:latin typeface="JA Jayagiri Sans"/>
+              </a:rPr>
+              <a:t>Gracias </a:t>
+            </a:r>
+            <a:r>
+              <a:rPr lang="en-US" sz="6700" dirty="0" err="1">
+                <a:solidFill>
+                  <a:srgbClr val="000000"/>
+                </a:solidFill>
+                <a:latin typeface="JA Jayagiri Sans"/>
+              </a:rPr>
+              <a:t>por</a:t>
+            </a:r>
+            <a:r>
+              <a:rPr lang="en-US" sz="6700" dirty="0">
+                <a:solidFill>
+                  <a:srgbClr val="000000"/>
+                </a:solidFill>
+                <a:latin typeface="JA Jayagiri Sans"/>
+              </a:rPr>
+              <a:t> </a:t>
+            </a:r>
+            <a:r>
+              <a:rPr lang="en-US" sz="6700" dirty="0" err="1">
+                <a:solidFill>
+                  <a:srgbClr val="000000"/>
+                </a:solidFill>
+                <a:latin typeface="JA Jayagiri Sans"/>
+              </a:rPr>
+              <a:t>su</a:t>
+            </a:r>
+            <a:r>
+              <a:rPr lang="en-US" sz="6700" dirty="0">
+                <a:solidFill>
+                  <a:srgbClr val="000000"/>
+                </a:solidFill>
+                <a:latin typeface="JA Jayagiri Sans"/>
+              </a:rPr>
+              <a:t> </a:t>
+            </a:r>
+            <a:r>
+              <a:rPr lang="en-US" sz="6700" dirty="0" err="1">
+                <a:solidFill>
+                  <a:srgbClr val="000000"/>
+                </a:solidFill>
+                <a:latin typeface="JA Jayagiri Sans"/>
+              </a:rPr>
+              <a:t>atención</a:t>
+            </a:r>
+            <a:endParaRPr lang="en-US" sz="6700" dirty="0">
+              <a:solidFill>
+                <a:srgbClr val="000000"/>
+              </a:solidFill>
+              <a:latin typeface="JA Jayagiri Sans"/>
+            </a:endParaRPr>
+          </a:p>
+        </p:txBody>
+      </p:sp>
+      <p:sp>
+        <p:nvSpPr>
+          <p:cNvPr id="13" name="Subtítulo 5">
+            <a:extLst>
+              <a:ext uri="{FF2B5EF4-FFF2-40B4-BE49-F238E27FC236}">
+                <a16:creationId xmlns:a16="http://schemas.microsoft.com/office/drawing/2014/main" id="{A0F78B61-BBD6-4207-AF29-2FF3FC1BF2EF}"/>
+              </a:ext>
+            </a:extLst>
+          </p:cNvPr>
+          <p:cNvSpPr txBox="1">
+            <a:spLocks/>
+          </p:cNvSpPr>
+          <p:nvPr/>
+        </p:nvSpPr>
+        <p:spPr>
+          <a:xfrm>
+            <a:off x="7232164" y="4736971"/>
+            <a:ext cx="9144000" cy="2006729"/>
+          </a:xfrm>
+          <a:prstGeom prst="rect">
+            <a:avLst/>
+          </a:prstGeom>
+        </p:spPr>
+        <p:txBody>
+          <a:bodyPr/>
+          <a:lstStyle>
+            <a:lvl1pPr marL="342900" indent="-342900" algn="l" defTabSz="914400" rtl="0" eaLnBrk="1" latinLnBrk="0" hangingPunct="1">
+              <a:spcBef>
+                <a:spcPct val="20000"/>
+              </a:spcBef>
+              <a:buFont typeface="Arial" pitchFamily="34" charset="0"/>
+              <a:buChar char="•"/>
+              <a:defRPr sz="3200" kern="1200">
+                <a:solidFill>
+                  <a:schemeClr val="tx1"/>
+                </a:solidFill>
+                <a:latin typeface="+mn-lt"/>
+                <a:ea typeface="+mn-ea"/>
+                <a:cs typeface="+mn-cs"/>
+              </a:defRPr>
+            </a:lvl1pPr>
+            <a:lvl2pPr marL="742950" indent="-285750" algn="l" defTabSz="914400" rtl="0" eaLnBrk="1" latinLnBrk="0" hangingPunct="1">
+              <a:spcBef>
+                <a:spcPct val="20000"/>
+              </a:spcBef>
+              <a:buFont typeface="Arial" pitchFamily="34" charset="0"/>
+              <a:buChar char="–"/>
+              <a:defRPr sz="2800" kern="1200">
+                <a:solidFill>
+                  <a:schemeClr val="tx1"/>
+                </a:solidFill>
+                <a:latin typeface="+mn-lt"/>
+                <a:ea typeface="+mn-ea"/>
+                <a:cs typeface="+mn-cs"/>
+              </a:defRPr>
+            </a:lvl2pPr>
+            <a:lvl3pPr marL="1143000" indent="-228600" algn="l" defTabSz="914400" rtl="0" eaLnBrk="1" latinLnBrk="0" hangingPunct="1">
+              <a:spcBef>
+                <a:spcPct val="20000"/>
+              </a:spcBef>
+              <a:buFont typeface="Arial" pitchFamily="34" charset="0"/>
+              <a:buChar char="•"/>
+              <a:defRPr sz="2400" kern="1200">
+                <a:solidFill>
+                  <a:schemeClr val="tx1"/>
+                </a:solidFill>
+                <a:latin typeface="+mn-lt"/>
+                <a:ea typeface="+mn-ea"/>
+                <a:cs typeface="+mn-cs"/>
+              </a:defRPr>
+            </a:lvl3pPr>
+            <a:lvl4pPr marL="1600200" indent="-228600" algn="l" defTabSz="914400" rtl="0" eaLnBrk="1" latinLnBrk="0" hangingPunct="1">
+              <a:spcBef>
+                <a:spcPct val="20000"/>
+              </a:spcBef>
+              <a:buFont typeface="Arial" pitchFamily="34" charset="0"/>
+              <a:buChar char="–"/>
+              <a:defRPr sz="2000" kern="1200">
+                <a:solidFill>
+                  <a:schemeClr val="tx1"/>
+                </a:solidFill>
+                <a:latin typeface="+mn-lt"/>
+                <a:ea typeface="+mn-ea"/>
+                <a:cs typeface="+mn-cs"/>
+              </a:defRPr>
+            </a:lvl4pPr>
+            <a:lvl5pPr marL="2057400" indent="-228600" algn="l" defTabSz="914400" rtl="0" eaLnBrk="1" latinLnBrk="0" hangingPunct="1">
+              <a:spcBef>
+                <a:spcPct val="20000"/>
+              </a:spcBef>
+              <a:buFont typeface="Arial" pitchFamily="34" charset="0"/>
+              <a:buChar char="»"/>
+              <a:defRPr sz="2000" kern="1200">
+                <a:solidFill>
+                  <a:schemeClr val="tx1"/>
+                </a:solidFill>
+                <a:latin typeface="+mn-lt"/>
+                <a:ea typeface="+mn-ea"/>
+                <a:cs typeface="+mn-cs"/>
+              </a:defRPr>
+            </a:lvl5pPr>
+            <a:lvl6pPr marL="2514600" indent="-228600" algn="l" defTabSz="914400" rtl="0" eaLnBrk="1" latinLnBrk="0" hangingPunct="1">
+              <a:spcBef>
+                <a:spcPct val="20000"/>
+              </a:spcBef>
+              <a:buFont typeface="Arial" pitchFamily="34" charset="0"/>
+              <a:buChar char="•"/>
+              <a:defRPr sz="2000" kern="1200">
+                <a:solidFill>
+                  <a:schemeClr val="tx1"/>
+                </a:solidFill>
+                <a:latin typeface="+mn-lt"/>
+                <a:ea typeface="+mn-ea"/>
+                <a:cs typeface="+mn-cs"/>
+              </a:defRPr>
+            </a:lvl6pPr>
+            <a:lvl7pPr marL="2971800" indent="-228600" algn="l" defTabSz="914400" rtl="0" eaLnBrk="1" latinLnBrk="0" hangingPunct="1">
+              <a:spcBef>
+                <a:spcPct val="20000"/>
+              </a:spcBef>
+              <a:buFont typeface="Arial" pitchFamily="34" charset="0"/>
+              <a:buChar char="•"/>
+              <a:defRPr sz="2000" kern="1200">
+                <a:solidFill>
+                  <a:schemeClr val="tx1"/>
+                </a:solidFill>
+                <a:latin typeface="+mn-lt"/>
+                <a:ea typeface="+mn-ea"/>
+                <a:cs typeface="+mn-cs"/>
+              </a:defRPr>
+            </a:lvl7pPr>
+            <a:lvl8pPr marL="3429000" indent="-228600" algn="l" defTabSz="914400" rtl="0" eaLnBrk="1" latinLnBrk="0" hangingPunct="1">
+              <a:spcBef>
+                <a:spcPct val="20000"/>
+              </a:spcBef>
+              <a:buFont typeface="Arial" pitchFamily="34" charset="0"/>
+              <a:buChar char="•"/>
+              <a:defRPr sz="2000" kern="1200">
+                <a:solidFill>
+                  <a:schemeClr val="tx1"/>
+                </a:solidFill>
+                <a:latin typeface="+mn-lt"/>
+                <a:ea typeface="+mn-ea"/>
+                <a:cs typeface="+mn-cs"/>
+              </a:defRPr>
+            </a:lvl8pPr>
+            <a:lvl9pPr marL="3886200" indent="-228600" algn="l" defTabSz="914400" rtl="0" eaLnBrk="1" latinLnBrk="0" hangingPunct="1">
+              <a:spcBef>
+                <a:spcPct val="20000"/>
+              </a:spcBef>
+              <a:buFont typeface="Arial" pitchFamily="34" charset="0"/>
+              <a:buChar char="•"/>
+              <a:defRPr sz="2000" kern="1200">
+                <a:solidFill>
+                  <a:schemeClr val="tx1"/>
+                </a:solidFill>
+                <a:latin typeface="+mn-lt"/>
+                <a:ea typeface="+mn-ea"/>
+                <a:cs typeface="+mn-cs"/>
+              </a:defRPr>
+            </a:lvl9pPr>
+          </a:lstStyle>
+          <a:p>
+            <a:pPr marL="0" indent="0" algn="ctr">
+              <a:buNone/>
+            </a:pPr>
+            <a:r>
+              <a:rPr lang="es-MX" sz="4000" dirty="0"/>
+              <a:t>TT 2024 – A052: “Prototipo de aplicación web de apoyo educativo basado en estilos de aprendizaje”</a:t>
+            </a:r>
+          </a:p>
+        </p:txBody>
+      </p:sp>
+      <p:sp>
+        <p:nvSpPr>
+          <p:cNvPr id="15" name="Marcador de número de diapositiva 14">
+            <a:extLst>
+              <a:ext uri="{FF2B5EF4-FFF2-40B4-BE49-F238E27FC236}">
+                <a16:creationId xmlns:a16="http://schemas.microsoft.com/office/drawing/2014/main" id="{7776A5DE-E332-AE8A-B6DD-B51B292EF60A}"/>
+              </a:ext>
+            </a:extLst>
+          </p:cNvPr>
+          <p:cNvSpPr>
+            <a:spLocks noGrp="1"/>
+          </p:cNvSpPr>
+          <p:nvPr>
+            <p:ph type="sldNum" sz="quarter" idx="12"/>
+          </p:nvPr>
+        </p:nvSpPr>
+        <p:spPr>
+          <a:xfrm>
+            <a:off x="14932444" y="8787176"/>
+            <a:ext cx="2133600" cy="365125"/>
+          </a:xfrm>
+        </p:spPr>
+        <p:txBody>
+          <a:bodyPr/>
+          <a:lstStyle/>
+          <a:p>
+            <a:fld id="{B6F15528-21DE-4FAA-801E-634DDDAF4B2B}" type="slidenum">
+              <a:rPr lang="en-US" sz="3200" smtClean="0"/>
+              <a:pPr/>
+              <a:t>14</a:t>
+            </a:fld>
+            <a:endParaRPr lang="en-US" sz="3200" dirty="0"/>
+          </a:p>
+        </p:txBody>
+      </p:sp>
+      <p:pic>
+        <p:nvPicPr>
+          <p:cNvPr id="17" name="Gráfico 16" descr="Ciclismo en compañía con relleno sólido">
+            <a:extLst>
+              <a:ext uri="{FF2B5EF4-FFF2-40B4-BE49-F238E27FC236}">
+                <a16:creationId xmlns:a16="http://schemas.microsoft.com/office/drawing/2014/main" id="{519417D3-D88B-773F-55C1-585F3E93F4AC}"/>
+              </a:ext>
+            </a:extLst>
+          </p:cNvPr>
+          <p:cNvPicPr>
+            <a:picLocks noChangeAspect="1"/>
+          </p:cNvPicPr>
+          <p:nvPr/>
+        </p:nvPicPr>
+        <p:blipFill>
+          <a:blip r:embed="rId2">
+            <a:extLst>
+              <a:ext uri="{28A0092B-C50C-407E-A947-70E740481C1C}">
+                <a14:useLocalDpi xmlns:a14="http://schemas.microsoft.com/office/drawing/2010/main" val="0"/>
+              </a:ext>
+              <a:ext uri="{96DAC541-7B7A-43D3-8B79-37D633B846F1}">
+                <asvg:svgBlip xmlns:asvg="http://schemas.microsoft.com/office/drawing/2016/SVG/main" r:embed="rId3"/>
+              </a:ext>
+            </a:extLst>
+          </a:blip>
+          <a:stretch>
+            <a:fillRect/>
+          </a:stretch>
+        </p:blipFill>
+        <p:spPr>
+          <a:xfrm>
+            <a:off x="1151033" y="2429674"/>
+            <a:ext cx="6126162" cy="6126162"/>
+          </a:xfrm>
+          <a:prstGeom prst="rect">
+            <a:avLst/>
+          </a:prstGeom>
+        </p:spPr>
+      </p:pic>
+    </p:spTree>
+  </p:cSld>
+  <p:clrMapOvr>
+    <a:masterClrMapping/>
+  </p:clrMapOvr>
+</p:sld>
+</file>
+
 <file path=ppt/slides/slide2.xml><?xml version="1.0" encoding="utf-8"?>
 <p:sld xmlns:a="http://schemas.openxmlformats.org/drawingml/2006/main" xmlns:r="http://schemas.openxmlformats.org/officeDocument/2006/relationships" xmlns:p="http://schemas.openxmlformats.org/presentationml/2006/main">
   <p:cSld>
@@ -9060,14 +13102,6 @@
 <file path=ppt/slides/slide8.xml><?xml version="1.0" encoding="utf-8"?>
 <p:sld xmlns:a="http://schemas.openxmlformats.org/drawingml/2006/main" xmlns:r="http://schemas.openxmlformats.org/officeDocument/2006/relationships" xmlns:p="http://schemas.openxmlformats.org/presentationml/2006/main">
   <p:cSld>
-    <p:bg>
-      <p:bgPr>
-        <a:solidFill>
-          <a:srgbClr val="2D3250"/>
-        </a:solidFill>
-        <a:effectLst/>
-      </p:bgPr>
-    </p:bg>
     <p:spTree>
       <p:nvGrpSpPr>
         <p:cNvPr id="1" name=""/>
@@ -9084,31 +13118,31 @@
       </p:grpSpPr>
       <p:grpSp>
         <p:nvGrpSpPr>
-          <p:cNvPr id="2" name="Group 2"/>
+          <p:cNvPr id="5" name="Group 5"/>
           <p:cNvGrpSpPr/>
           <p:nvPr/>
         </p:nvGrpSpPr>
         <p:grpSpPr>
-          <a:xfrm>
-            <a:off x="11620599" y="8775184"/>
-            <a:ext cx="8523290" cy="4392438"/>
+          <a:xfrm rot="-10800000">
+            <a:off x="13587123" y="-2751112"/>
+            <a:ext cx="7395802" cy="5502224"/>
             <a:chOff x="0" y="0"/>
-            <a:chExt cx="10424273" cy="5372100"/>
+            <a:chExt cx="7220896" cy="5372100"/>
           </a:xfrm>
           <a:solidFill>
-            <a:srgbClr val="F9B17A"/>
+            <a:srgbClr val="2D3250"/>
           </a:solidFill>
         </p:grpSpPr>
         <p:sp>
           <p:nvSpPr>
-            <p:cNvPr id="3" name="Freeform 3"/>
+            <p:cNvPr id="6" name="Freeform 6"/>
             <p:cNvSpPr/>
             <p:nvPr/>
           </p:nvSpPr>
           <p:spPr>
             <a:xfrm>
               <a:off x="0" y="0"/>
-              <a:ext cx="10424273" cy="5372100"/>
+              <a:ext cx="7220896" cy="5372100"/>
             </a:xfrm>
             <a:custGeom>
               <a:avLst/>
@@ -9117,9 +13151,9 @@
               <a:cxnLst/>
               <a:rect l="l" t="t" r="r" b="b"/>
               <a:pathLst>
-                <a:path w="10424273" h="5372100">
+                <a:path w="7220896" h="5372100">
                   <a:moveTo>
-                    <a:pt x="8873603" y="0"/>
+                    <a:pt x="5670226" y="0"/>
                   </a:moveTo>
                   <a:lnTo>
                     <a:pt x="1550670" y="0"/>
@@ -9131,13 +13165,129 @@
                     <a:pt x="1550670" y="5372100"/>
                   </a:lnTo>
                   <a:lnTo>
-                    <a:pt x="8873603" y="5372100"/>
-                  </a:lnTo>
-                  <a:lnTo>
-                    <a:pt x="10424273" y="2686050"/>
-                  </a:lnTo>
-                  <a:lnTo>
-                    <a:pt x="8873603" y="0"/>
+                    <a:pt x="5670226" y="5372100"/>
+                  </a:lnTo>
+                  <a:lnTo>
+                    <a:pt x="7220896" y="2686050"/>
+                  </a:lnTo>
+                  <a:lnTo>
+                    <a:pt x="5670226" y="0"/>
+                  </a:lnTo>
+                  <a:close/>
+                </a:path>
+              </a:pathLst>
+            </a:custGeom>
+            <a:grpFill/>
+          </p:spPr>
+          <p:txBody>
+            <a:bodyPr/>
+            <a:lstStyle/>
+            <a:p>
+              <a:endParaRPr lang="es-MX"/>
+            </a:p>
+          </p:txBody>
+        </p:sp>
+      </p:grpSp>
+      <p:sp>
+        <p:nvSpPr>
+          <p:cNvPr id="7" name="TextBox 7"/>
+          <p:cNvSpPr txBox="1"/>
+          <p:nvPr/>
+        </p:nvSpPr>
+        <p:spPr>
+          <a:xfrm>
+            <a:off x="999390" y="618550"/>
+            <a:ext cx="9715501" cy="1231106"/>
+          </a:xfrm>
+          <a:prstGeom prst="rect">
+            <a:avLst/>
+          </a:prstGeom>
+        </p:spPr>
+        <p:txBody>
+          <a:bodyPr wrap="square" lIns="0" tIns="0" rIns="0" bIns="0" rtlCol="0" anchor="t">
+            <a:spAutoFit/>
+          </a:bodyPr>
+          <a:lstStyle/>
+          <a:p>
+            <a:pPr marL="0" lvl="0" indent="0">
+              <a:spcBef>
+                <a:spcPct val="0"/>
+              </a:spcBef>
+            </a:pPr>
+            <a:r>
+              <a:rPr lang="es-MX" sz="4000" dirty="0">
+                <a:solidFill>
+                  <a:srgbClr val="000000"/>
+                </a:solidFill>
+                <a:latin typeface="Fira Sans Semi-Bold"/>
+              </a:rPr>
+              <a:t>Implementación de Sistema de Detección de Estilos de Aprendizaje</a:t>
+            </a:r>
+            <a:endParaRPr lang="es-MX" sz="4000" u="none" dirty="0">
+              <a:solidFill>
+                <a:srgbClr val="000000"/>
+              </a:solidFill>
+              <a:latin typeface="Fira Sans Semi-Bold"/>
+            </a:endParaRPr>
+          </a:p>
+        </p:txBody>
+      </p:sp>
+      <p:grpSp>
+        <p:nvGrpSpPr>
+          <p:cNvPr id="16" name="Group 16"/>
+          <p:cNvGrpSpPr/>
+          <p:nvPr/>
+        </p:nvGrpSpPr>
+        <p:grpSpPr>
+          <a:xfrm rot="-10800000">
+            <a:off x="11621759" y="-1739113"/>
+            <a:ext cx="2929239" cy="3013773"/>
+            <a:chOff x="0" y="0"/>
+            <a:chExt cx="5221416" cy="5372100"/>
+          </a:xfrm>
+          <a:solidFill>
+            <a:srgbClr val="F9B17A"/>
+          </a:solidFill>
+        </p:grpSpPr>
+        <p:sp>
+          <p:nvSpPr>
+            <p:cNvPr id="17" name="Freeform 17"/>
+            <p:cNvSpPr/>
+            <p:nvPr/>
+          </p:nvSpPr>
+          <p:spPr>
+            <a:xfrm>
+              <a:off x="0" y="0"/>
+              <a:ext cx="5221416" cy="5372100"/>
+            </a:xfrm>
+            <a:custGeom>
+              <a:avLst/>
+              <a:gdLst/>
+              <a:ahLst/>
+              <a:cxnLst/>
+              <a:rect l="l" t="t" r="r" b="b"/>
+              <a:pathLst>
+                <a:path w="5221416" h="5372100">
+                  <a:moveTo>
+                    <a:pt x="3670746" y="0"/>
+                  </a:moveTo>
+                  <a:lnTo>
+                    <a:pt x="1550670" y="0"/>
+                  </a:lnTo>
+                  <a:lnTo>
+                    <a:pt x="0" y="2686050"/>
+                  </a:lnTo>
+                  <a:lnTo>
+                    <a:pt x="1550670" y="5372100"/>
+                  </a:lnTo>
+                  <a:lnTo>
+                    <a:pt x="3670746" y="5372100"/>
+                  </a:lnTo>
+                  <a:lnTo>
+                    <a:pt x="5221416" y="2686050"/>
+                  </a:lnTo>
+                  <a:lnTo>
+                    <a:pt x="3670746" y="0"/>
                   </a:lnTo>
                   <a:close/>
                 </a:path>
@@ -9156,31 +13306,31 @@
       </p:grpSp>
       <p:grpSp>
         <p:nvGrpSpPr>
-          <p:cNvPr id="4" name="Group 4"/>
+          <p:cNvPr id="18" name="Group 18"/>
           <p:cNvGrpSpPr/>
           <p:nvPr/>
         </p:nvGrpSpPr>
         <p:grpSpPr>
-          <a:xfrm>
-            <a:off x="9916665" y="9258300"/>
-            <a:ext cx="3407869" cy="4392438"/>
+          <a:xfrm rot="-10800000">
+            <a:off x="-1643644" y="9951501"/>
+            <a:ext cx="17768494" cy="1949023"/>
             <a:chOff x="0" y="0"/>
-            <a:chExt cx="4167939" cy="5372100"/>
+            <a:chExt cx="48975363" cy="5372100"/>
           </a:xfrm>
           <a:solidFill>
-            <a:srgbClr val="676F9D"/>
+            <a:srgbClr val="2D3250"/>
           </a:solidFill>
         </p:grpSpPr>
         <p:sp>
           <p:nvSpPr>
-            <p:cNvPr id="5" name="Freeform 5"/>
+            <p:cNvPr id="19" name="Freeform 19"/>
             <p:cNvSpPr/>
             <p:nvPr/>
           </p:nvSpPr>
           <p:spPr>
             <a:xfrm>
               <a:off x="0" y="0"/>
-              <a:ext cx="4167939" cy="5372100"/>
+              <a:ext cx="48975364" cy="5372100"/>
             </a:xfrm>
             <a:custGeom>
               <a:avLst/>
@@ -9189,9 +13339,9 @@
               <a:cxnLst/>
               <a:rect l="l" t="t" r="r" b="b"/>
               <a:pathLst>
-                <a:path w="4167939" h="5372100">
+                <a:path w="48975364" h="5372100">
                   <a:moveTo>
-                    <a:pt x="2617269" y="0"/>
+                    <a:pt x="47424693" y="0"/>
                   </a:moveTo>
                   <a:lnTo>
                     <a:pt x="1550670" y="0"/>
@@ -9203,13 +13353,13 @@
                     <a:pt x="1550670" y="5372100"/>
                   </a:lnTo>
                   <a:lnTo>
-                    <a:pt x="2617269" y="5372100"/>
-                  </a:lnTo>
-                  <a:lnTo>
-                    <a:pt x="4167939" y="2686050"/>
-                  </a:lnTo>
-                  <a:lnTo>
-                    <a:pt x="2617269" y="0"/>
+                    <a:pt x="47424693" y="5372100"/>
+                  </a:lnTo>
+                  <a:lnTo>
+                    <a:pt x="48975364" y="2686050"/>
+                  </a:lnTo>
+                  <a:lnTo>
+                    <a:pt x="47424693" y="0"/>
                   </a:lnTo>
                   <a:close/>
                 </a:path>
@@ -9221,35 +13371,589 @@
             <a:bodyPr/>
             <a:lstStyle/>
             <a:p>
-              <a:endParaRPr lang="es-MX" dirty="0"/>
+              <a:endParaRPr lang="es-MX"/>
             </a:p>
           </p:txBody>
         </p:sp>
       </p:grpSp>
+      <p:sp>
+        <p:nvSpPr>
+          <p:cNvPr id="2" name="Marcador de contenido 2">
+            <a:extLst>
+              <a:ext uri="{FF2B5EF4-FFF2-40B4-BE49-F238E27FC236}">
+                <a16:creationId xmlns:a16="http://schemas.microsoft.com/office/drawing/2014/main" id="{ED29DC63-94CD-3D79-7690-C84949583E74}"/>
+              </a:ext>
+            </a:extLst>
+          </p:cNvPr>
+          <p:cNvSpPr txBox="1">
+            <a:spLocks/>
+          </p:cNvSpPr>
+          <p:nvPr/>
+        </p:nvSpPr>
+        <p:spPr>
+          <a:xfrm>
+            <a:off x="999390" y="2967830"/>
+            <a:ext cx="16831409" cy="6214269"/>
+          </a:xfrm>
+          <a:prstGeom prst="rect">
+            <a:avLst/>
+          </a:prstGeom>
+        </p:spPr>
+        <p:txBody>
+          <a:bodyPr/>
+          <a:lstStyle>
+            <a:lvl1pPr marL="342900" indent="-342900" algn="l" defTabSz="914400" rtl="0" eaLnBrk="1" latinLnBrk="0" hangingPunct="1">
+              <a:spcBef>
+                <a:spcPct val="20000"/>
+              </a:spcBef>
+              <a:buFont typeface="Arial" pitchFamily="34" charset="0"/>
+              <a:buChar char="•"/>
+              <a:defRPr sz="3200" kern="1200">
+                <a:solidFill>
+                  <a:schemeClr val="tx1"/>
+                </a:solidFill>
+                <a:latin typeface="+mn-lt"/>
+                <a:ea typeface="+mn-ea"/>
+                <a:cs typeface="+mn-cs"/>
+              </a:defRPr>
+            </a:lvl1pPr>
+            <a:lvl2pPr marL="742950" indent="-285750" algn="l" defTabSz="914400" rtl="0" eaLnBrk="1" latinLnBrk="0" hangingPunct="1">
+              <a:spcBef>
+                <a:spcPct val="20000"/>
+              </a:spcBef>
+              <a:buFont typeface="Arial" pitchFamily="34" charset="0"/>
+              <a:buChar char="–"/>
+              <a:defRPr sz="2800" kern="1200">
+                <a:solidFill>
+                  <a:schemeClr val="tx1"/>
+                </a:solidFill>
+                <a:latin typeface="+mn-lt"/>
+                <a:ea typeface="+mn-ea"/>
+                <a:cs typeface="+mn-cs"/>
+              </a:defRPr>
+            </a:lvl2pPr>
+            <a:lvl3pPr marL="1143000" indent="-228600" algn="l" defTabSz="914400" rtl="0" eaLnBrk="1" latinLnBrk="0" hangingPunct="1">
+              <a:spcBef>
+                <a:spcPct val="20000"/>
+              </a:spcBef>
+              <a:buFont typeface="Arial" pitchFamily="34" charset="0"/>
+              <a:buChar char="•"/>
+              <a:defRPr sz="2400" kern="1200">
+                <a:solidFill>
+                  <a:schemeClr val="tx1"/>
+                </a:solidFill>
+                <a:latin typeface="+mn-lt"/>
+                <a:ea typeface="+mn-ea"/>
+                <a:cs typeface="+mn-cs"/>
+              </a:defRPr>
+            </a:lvl3pPr>
+            <a:lvl4pPr marL="1600200" indent="-228600" algn="l" defTabSz="914400" rtl="0" eaLnBrk="1" latinLnBrk="0" hangingPunct="1">
+              <a:spcBef>
+                <a:spcPct val="20000"/>
+              </a:spcBef>
+              <a:buFont typeface="Arial" pitchFamily="34" charset="0"/>
+              <a:buChar char="–"/>
+              <a:defRPr sz="2000" kern="1200">
+                <a:solidFill>
+                  <a:schemeClr val="tx1"/>
+                </a:solidFill>
+                <a:latin typeface="+mn-lt"/>
+                <a:ea typeface="+mn-ea"/>
+                <a:cs typeface="+mn-cs"/>
+              </a:defRPr>
+            </a:lvl4pPr>
+            <a:lvl5pPr marL="2057400" indent="-228600" algn="l" defTabSz="914400" rtl="0" eaLnBrk="1" latinLnBrk="0" hangingPunct="1">
+              <a:spcBef>
+                <a:spcPct val="20000"/>
+              </a:spcBef>
+              <a:buFont typeface="Arial" pitchFamily="34" charset="0"/>
+              <a:buChar char="»"/>
+              <a:defRPr sz="2000" kern="1200">
+                <a:solidFill>
+                  <a:schemeClr val="tx1"/>
+                </a:solidFill>
+                <a:latin typeface="+mn-lt"/>
+                <a:ea typeface="+mn-ea"/>
+                <a:cs typeface="+mn-cs"/>
+              </a:defRPr>
+            </a:lvl5pPr>
+            <a:lvl6pPr marL="2514600" indent="-228600" algn="l" defTabSz="914400" rtl="0" eaLnBrk="1" latinLnBrk="0" hangingPunct="1">
+              <a:spcBef>
+                <a:spcPct val="20000"/>
+              </a:spcBef>
+              <a:buFont typeface="Arial" pitchFamily="34" charset="0"/>
+              <a:buChar char="•"/>
+              <a:defRPr sz="2000" kern="1200">
+                <a:solidFill>
+                  <a:schemeClr val="tx1"/>
+                </a:solidFill>
+                <a:latin typeface="+mn-lt"/>
+                <a:ea typeface="+mn-ea"/>
+                <a:cs typeface="+mn-cs"/>
+              </a:defRPr>
+            </a:lvl6pPr>
+            <a:lvl7pPr marL="2971800" indent="-228600" algn="l" defTabSz="914400" rtl="0" eaLnBrk="1" latinLnBrk="0" hangingPunct="1">
+              <a:spcBef>
+                <a:spcPct val="20000"/>
+              </a:spcBef>
+              <a:buFont typeface="Arial" pitchFamily="34" charset="0"/>
+              <a:buChar char="•"/>
+              <a:defRPr sz="2000" kern="1200">
+                <a:solidFill>
+                  <a:schemeClr val="tx1"/>
+                </a:solidFill>
+                <a:latin typeface="+mn-lt"/>
+                <a:ea typeface="+mn-ea"/>
+                <a:cs typeface="+mn-cs"/>
+              </a:defRPr>
+            </a:lvl7pPr>
+            <a:lvl8pPr marL="3429000" indent="-228600" algn="l" defTabSz="914400" rtl="0" eaLnBrk="1" latinLnBrk="0" hangingPunct="1">
+              <a:spcBef>
+                <a:spcPct val="20000"/>
+              </a:spcBef>
+              <a:buFont typeface="Arial" pitchFamily="34" charset="0"/>
+              <a:buChar char="•"/>
+              <a:defRPr sz="2000" kern="1200">
+                <a:solidFill>
+                  <a:schemeClr val="tx1"/>
+                </a:solidFill>
+                <a:latin typeface="+mn-lt"/>
+                <a:ea typeface="+mn-ea"/>
+                <a:cs typeface="+mn-cs"/>
+              </a:defRPr>
+            </a:lvl8pPr>
+            <a:lvl9pPr marL="3886200" indent="-228600" algn="l" defTabSz="914400" rtl="0" eaLnBrk="1" latinLnBrk="0" hangingPunct="1">
+              <a:spcBef>
+                <a:spcPct val="20000"/>
+              </a:spcBef>
+              <a:buFont typeface="Arial" pitchFamily="34" charset="0"/>
+              <a:buChar char="•"/>
+              <a:defRPr sz="2000" kern="1200">
+                <a:solidFill>
+                  <a:schemeClr val="tx1"/>
+                </a:solidFill>
+                <a:latin typeface="+mn-lt"/>
+                <a:ea typeface="+mn-ea"/>
+                <a:cs typeface="+mn-cs"/>
+              </a:defRPr>
+            </a:lvl9pPr>
+          </a:lstStyle>
+          <a:p>
+            <a:endParaRPr lang="es-MX" sz="4400" dirty="0"/>
+          </a:p>
+        </p:txBody>
+      </p:sp>
+      <p:sp>
+        <p:nvSpPr>
+          <p:cNvPr id="4" name="Marcador de número de diapositiva 3">
+            <a:extLst>
+              <a:ext uri="{FF2B5EF4-FFF2-40B4-BE49-F238E27FC236}">
+                <a16:creationId xmlns:a16="http://schemas.microsoft.com/office/drawing/2014/main" id="{56D9984C-F715-46E9-9FE5-D26D7EF78402}"/>
+              </a:ext>
+            </a:extLst>
+          </p:cNvPr>
+          <p:cNvSpPr>
+            <a:spLocks noGrp="1"/>
+          </p:cNvSpPr>
+          <p:nvPr>
+            <p:ph type="sldNum" sz="quarter" idx="12"/>
+          </p:nvPr>
+        </p:nvSpPr>
+        <p:spPr>
+          <a:xfrm>
+            <a:off x="15679614" y="9201674"/>
+            <a:ext cx="2133600" cy="365125"/>
+          </a:xfrm>
+        </p:spPr>
+        <p:txBody>
+          <a:bodyPr/>
+          <a:lstStyle/>
+          <a:p>
+            <a:fld id="{B6F15528-21DE-4FAA-801E-634DDDAF4B2B}" type="slidenum">
+              <a:rPr lang="en-US" sz="3200" smtClean="0"/>
+              <a:pPr/>
+              <a:t>8</a:t>
+            </a:fld>
+            <a:endParaRPr lang="en-US" sz="3200"/>
+          </a:p>
+        </p:txBody>
+      </p:sp>
+      <p:sp>
+        <p:nvSpPr>
+          <p:cNvPr id="3" name="TextBox 7">
+            <a:extLst>
+              <a:ext uri="{FF2B5EF4-FFF2-40B4-BE49-F238E27FC236}">
+                <a16:creationId xmlns:a16="http://schemas.microsoft.com/office/drawing/2014/main" id="{04A40C6B-20F0-C389-A5FC-5A3FD073FED2}"/>
+              </a:ext>
+            </a:extLst>
+          </p:cNvPr>
+          <p:cNvSpPr txBox="1"/>
+          <p:nvPr/>
+        </p:nvSpPr>
+        <p:spPr>
+          <a:xfrm>
+            <a:off x="2678488" y="6927438"/>
+            <a:ext cx="4029811" cy="1107996"/>
+          </a:xfrm>
+          <a:prstGeom prst="rect">
+            <a:avLst/>
+          </a:prstGeom>
+        </p:spPr>
+        <p:txBody>
+          <a:bodyPr wrap="square" lIns="0" tIns="0" rIns="0" bIns="0" rtlCol="0" anchor="t">
+            <a:spAutoFit/>
+          </a:bodyPr>
+          <a:lstStyle/>
+          <a:p>
+            <a:pPr marL="0" lvl="0" indent="0" algn="ctr">
+              <a:spcBef>
+                <a:spcPct val="0"/>
+              </a:spcBef>
+            </a:pPr>
+            <a:r>
+              <a:rPr lang="es-MX" sz="2400" dirty="0">
+                <a:solidFill>
+                  <a:srgbClr val="676F9D"/>
+                </a:solidFill>
+                <a:latin typeface="Fira Sans Semi-Bold"/>
+              </a:rPr>
+              <a:t>Aplicación Web esencialmente construida con </a:t>
+            </a:r>
+            <a:r>
+              <a:rPr lang="es-MX" sz="2400" dirty="0" err="1">
+                <a:solidFill>
+                  <a:srgbClr val="676F9D"/>
+                </a:solidFill>
+                <a:latin typeface="Fira Sans Semi-Bold"/>
+              </a:rPr>
+              <a:t>Blazor</a:t>
+            </a:r>
+            <a:r>
+              <a:rPr lang="es-MX" sz="2400" dirty="0">
+                <a:solidFill>
+                  <a:srgbClr val="676F9D"/>
+                </a:solidFill>
+                <a:latin typeface="Fira Sans Semi-Bold"/>
+              </a:rPr>
+              <a:t> (</a:t>
+            </a:r>
+            <a:r>
+              <a:rPr lang="es-MX" sz="2400" dirty="0" err="1">
+                <a:solidFill>
+                  <a:srgbClr val="676F9D"/>
+                </a:solidFill>
+                <a:latin typeface="Fira Sans Semi-Bold"/>
+              </a:rPr>
+              <a:t>front</a:t>
+            </a:r>
+            <a:r>
+              <a:rPr lang="es-MX" sz="2400" dirty="0">
+                <a:solidFill>
+                  <a:srgbClr val="676F9D"/>
+                </a:solidFill>
+                <a:latin typeface="Fira Sans Semi-Bold"/>
+              </a:rPr>
+              <a:t>)</a:t>
+            </a:r>
+            <a:endParaRPr lang="es-MX" sz="2400" u="none" dirty="0">
+              <a:solidFill>
+                <a:srgbClr val="676F9D"/>
+              </a:solidFill>
+              <a:latin typeface="Fira Sans Semi-Bold"/>
+            </a:endParaRPr>
+          </a:p>
+        </p:txBody>
+      </p:sp>
+      <p:sp>
+        <p:nvSpPr>
+          <p:cNvPr id="8" name="TextBox 7">
+            <a:extLst>
+              <a:ext uri="{FF2B5EF4-FFF2-40B4-BE49-F238E27FC236}">
+                <a16:creationId xmlns:a16="http://schemas.microsoft.com/office/drawing/2014/main" id="{65AEB022-C31A-5861-756A-657A187A42E9}"/>
+              </a:ext>
+            </a:extLst>
+          </p:cNvPr>
+          <p:cNvSpPr txBox="1"/>
+          <p:nvPr/>
+        </p:nvSpPr>
+        <p:spPr>
+          <a:xfrm>
+            <a:off x="10193220" y="7112104"/>
+            <a:ext cx="4648199" cy="738664"/>
+          </a:xfrm>
+          <a:prstGeom prst="rect">
+            <a:avLst/>
+          </a:prstGeom>
+        </p:spPr>
+        <p:txBody>
+          <a:bodyPr wrap="square" lIns="0" tIns="0" rIns="0" bIns="0" rtlCol="0" anchor="t">
+            <a:spAutoFit/>
+          </a:bodyPr>
+          <a:lstStyle/>
+          <a:p>
+            <a:pPr marL="0" lvl="0" indent="0" algn="ctr">
+              <a:spcBef>
+                <a:spcPct val="0"/>
+              </a:spcBef>
+            </a:pPr>
+            <a:r>
+              <a:rPr lang="es-MX" sz="2400" dirty="0">
+                <a:solidFill>
+                  <a:srgbClr val="676F9D"/>
+                </a:solidFill>
+                <a:latin typeface="Fira Sans Semi-Bold"/>
+              </a:rPr>
+              <a:t>Modelo de Machine </a:t>
+            </a:r>
+            <a:r>
+              <a:rPr lang="es-MX" sz="2400" dirty="0" err="1">
+                <a:solidFill>
+                  <a:srgbClr val="676F9D"/>
+                </a:solidFill>
+                <a:latin typeface="Fira Sans Semi-Bold"/>
+              </a:rPr>
+              <a:t>Leraning</a:t>
+            </a:r>
+            <a:r>
+              <a:rPr lang="es-MX" sz="2400" dirty="0">
+                <a:solidFill>
+                  <a:srgbClr val="676F9D"/>
+                </a:solidFill>
+                <a:latin typeface="Fira Sans Semi-Bold"/>
+              </a:rPr>
+              <a:t> construido con Python (back)</a:t>
+            </a:r>
+            <a:endParaRPr lang="es-MX" sz="2400" u="none" dirty="0">
+              <a:solidFill>
+                <a:srgbClr val="676F9D"/>
+              </a:solidFill>
+              <a:latin typeface="Fira Sans Semi-Bold"/>
+            </a:endParaRPr>
+          </a:p>
+        </p:txBody>
+      </p:sp>
+      <p:pic>
+        <p:nvPicPr>
+          <p:cNvPr id="10" name="Imagen 9" descr="Texto&#10;&#10;Descripción generada automáticamente">
+            <a:extLst>
+              <a:ext uri="{FF2B5EF4-FFF2-40B4-BE49-F238E27FC236}">
+                <a16:creationId xmlns:a16="http://schemas.microsoft.com/office/drawing/2014/main" id="{1C33297E-896F-D2F8-413B-EB04FF382175}"/>
+              </a:ext>
+            </a:extLst>
+          </p:cNvPr>
+          <p:cNvPicPr>
+            <a:picLocks noChangeAspect="1"/>
+          </p:cNvPicPr>
+          <p:nvPr/>
+        </p:nvPicPr>
+        <p:blipFill>
+          <a:blip r:embed="rId3">
+            <a:extLst>
+              <a:ext uri="{28A0092B-C50C-407E-A947-70E740481C1C}">
+                <a14:useLocalDpi xmlns:a14="http://schemas.microsoft.com/office/drawing/2010/main" val="0"/>
+              </a:ext>
+            </a:extLst>
+          </a:blip>
+          <a:stretch>
+            <a:fillRect/>
+          </a:stretch>
+        </p:blipFill>
+        <p:spPr>
+          <a:xfrm>
+            <a:off x="1242530" y="3018313"/>
+            <a:ext cx="4460762" cy="1655410"/>
+          </a:xfrm>
+          <a:prstGeom prst="rect">
+            <a:avLst/>
+          </a:prstGeom>
+        </p:spPr>
+      </p:pic>
+      <p:pic>
+        <p:nvPicPr>
+          <p:cNvPr id="12" name="Imagen 11" descr="Texto&#10;&#10;Descripción generada automáticamente">
+            <a:extLst>
+              <a:ext uri="{FF2B5EF4-FFF2-40B4-BE49-F238E27FC236}">
+                <a16:creationId xmlns:a16="http://schemas.microsoft.com/office/drawing/2014/main" id="{363C4CEE-002C-F0A9-D0A2-E6C131C66BC6}"/>
+              </a:ext>
+            </a:extLst>
+          </p:cNvPr>
+          <p:cNvPicPr>
+            <a:picLocks noChangeAspect="1"/>
+          </p:cNvPicPr>
+          <p:nvPr/>
+        </p:nvPicPr>
+        <p:blipFill rotWithShape="1">
+          <a:blip r:embed="rId4">
+            <a:extLst>
+              <a:ext uri="{28A0092B-C50C-407E-A947-70E740481C1C}">
+                <a14:useLocalDpi xmlns:a14="http://schemas.microsoft.com/office/drawing/2010/main" val="0"/>
+              </a:ext>
+            </a:extLst>
+          </a:blip>
+          <a:srcRect r="51238" b="67117"/>
+          <a:stretch/>
+        </p:blipFill>
+        <p:spPr>
+          <a:xfrm>
+            <a:off x="9293332" y="3018313"/>
+            <a:ext cx="4239196" cy="1374291"/>
+          </a:xfrm>
+          <a:prstGeom prst="rect">
+            <a:avLst/>
+          </a:prstGeom>
+        </p:spPr>
+      </p:pic>
+      <p:pic>
+        <p:nvPicPr>
+          <p:cNvPr id="1026" name="Picture 2">
+            <a:extLst>
+              <a:ext uri="{FF2B5EF4-FFF2-40B4-BE49-F238E27FC236}">
+                <a16:creationId xmlns:a16="http://schemas.microsoft.com/office/drawing/2014/main" id="{BDF33C5A-1260-0C9F-DD08-609424209921}"/>
+              </a:ext>
+            </a:extLst>
+          </p:cNvPr>
+          <p:cNvPicPr>
+            <a:picLocks noChangeAspect="1" noChangeArrowheads="1"/>
+          </p:cNvPicPr>
+          <p:nvPr/>
+        </p:nvPicPr>
+        <p:blipFill>
+          <a:blip r:embed="rId5" cstate="print">
+            <a:extLst>
+              <a:ext uri="{28A0092B-C50C-407E-A947-70E740481C1C}">
+                <a14:useLocalDpi xmlns:a14="http://schemas.microsoft.com/office/drawing/2010/main" val="0"/>
+              </a:ext>
+            </a:extLst>
+          </a:blip>
+          <a:srcRect/>
+          <a:stretch>
+            <a:fillRect/>
+          </a:stretch>
+        </p:blipFill>
+        <p:spPr bwMode="auto">
+          <a:xfrm>
+            <a:off x="4306344" y="3387272"/>
+            <a:ext cx="2793896" cy="2793896"/>
+          </a:xfrm>
+          <a:prstGeom prst="rect">
+            <a:avLst/>
+          </a:prstGeom>
+          <a:noFill/>
+          <a:extLst>
+            <a:ext uri="{909E8E84-426E-40DD-AFC4-6F175D3DCCD1}">
+              <a14:hiddenFill xmlns:a14="http://schemas.microsoft.com/office/drawing/2010/main">
+                <a:solidFill>
+                  <a:srgbClr val="FFFFFF"/>
+                </a:solidFill>
+              </a14:hiddenFill>
+            </a:ext>
+          </a:extLst>
+        </p:spPr>
+      </p:pic>
+      <p:pic>
+        <p:nvPicPr>
+          <p:cNvPr id="1028" name="Picture 4">
+            <a:extLst>
+              <a:ext uri="{FF2B5EF4-FFF2-40B4-BE49-F238E27FC236}">
+                <a16:creationId xmlns:a16="http://schemas.microsoft.com/office/drawing/2014/main" id="{DFBEE653-AE95-45EA-49F6-282CED54A609}"/>
+              </a:ext>
+            </a:extLst>
+          </p:cNvPr>
+          <p:cNvPicPr>
+            <a:picLocks noChangeAspect="1" noChangeArrowheads="1"/>
+          </p:cNvPicPr>
+          <p:nvPr/>
+        </p:nvPicPr>
+        <p:blipFill>
+          <a:blip r:embed="rId6" cstate="print">
+            <a:extLst>
+              <a:ext uri="{28A0092B-C50C-407E-A947-70E740481C1C}">
+                <a14:useLocalDpi xmlns:a14="http://schemas.microsoft.com/office/drawing/2010/main" val="0"/>
+              </a:ext>
+            </a:extLst>
+          </a:blip>
+          <a:srcRect/>
+          <a:stretch>
+            <a:fillRect/>
+          </a:stretch>
+        </p:blipFill>
+        <p:spPr bwMode="auto">
+          <a:xfrm>
+            <a:off x="12144133" y="3387272"/>
+            <a:ext cx="2697286" cy="2955430"/>
+          </a:xfrm>
+          <a:prstGeom prst="rect">
+            <a:avLst/>
+          </a:prstGeom>
+          <a:noFill/>
+          <a:extLst>
+            <a:ext uri="{909E8E84-426E-40DD-AFC4-6F175D3DCCD1}">
+              <a14:hiddenFill xmlns:a14="http://schemas.microsoft.com/office/drawing/2010/main">
+                <a:solidFill>
+                  <a:srgbClr val="FFFFFF"/>
+                </a:solidFill>
+              </a14:hiddenFill>
+            </a:ext>
+          </a:extLst>
+        </p:spPr>
+      </p:pic>
+    </p:spTree>
+    <p:extLst>
+      <p:ext uri="{BB962C8B-B14F-4D97-AF65-F5344CB8AC3E}">
+        <p14:creationId xmlns:p14="http://schemas.microsoft.com/office/powerpoint/2010/main" val="4078899869"/>
+      </p:ext>
+    </p:extLst>
+  </p:cSld>
+  <p:clrMapOvr>
+    <a:masterClrMapping/>
+  </p:clrMapOvr>
+</p:sld>
+</file>
+
+<file path=ppt/slides/slide9.xml><?xml version="1.0" encoding="utf-8"?>
+<p:sld xmlns:a="http://schemas.openxmlformats.org/drawingml/2006/main" xmlns:r="http://schemas.openxmlformats.org/officeDocument/2006/relationships" xmlns:p="http://schemas.openxmlformats.org/presentationml/2006/main">
+  <p:cSld>
+    <p:spTree>
+      <p:nvGrpSpPr>
+        <p:cNvPr id="1" name=""/>
+        <p:cNvGrpSpPr/>
+        <p:nvPr/>
+      </p:nvGrpSpPr>
+      <p:grpSpPr>
+        <a:xfrm>
+          <a:off x="0" y="0"/>
+          <a:ext cx="0" cy="0"/>
+          <a:chOff x="0" y="0"/>
+          <a:chExt cx="0" cy="0"/>
+        </a:xfrm>
+      </p:grpSpPr>
       <p:grpSp>
         <p:nvGrpSpPr>
-          <p:cNvPr id="6" name="Group 6"/>
+          <p:cNvPr id="5" name="Group 5"/>
           <p:cNvGrpSpPr/>
           <p:nvPr/>
         </p:nvGrpSpPr>
         <p:grpSpPr>
           <a:xfrm rot="-10800000">
-            <a:off x="-3602767" y="-3778684"/>
-            <a:ext cx="11903735" cy="6226137"/>
+            <a:off x="13587123" y="-2751112"/>
+            <a:ext cx="7395802" cy="5502224"/>
             <a:chOff x="0" y="0"/>
-            <a:chExt cx="10270904" cy="5372100"/>
-          </a:xfrm>
+            <a:chExt cx="7220896" cy="5372100"/>
+          </a:xfrm>
+          <a:solidFill>
+            <a:srgbClr val="2D3250"/>
+          </a:solidFill>
         </p:grpSpPr>
         <p:sp>
           <p:nvSpPr>
-            <p:cNvPr id="7" name="Freeform 7"/>
+            <p:cNvPr id="6" name="Freeform 6"/>
             <p:cNvSpPr/>
             <p:nvPr/>
           </p:nvSpPr>
           <p:spPr>
             <a:xfrm>
               <a:off x="0" y="0"/>
-              <a:ext cx="10270904" cy="5372100"/>
+              <a:ext cx="7220896" cy="5372100"/>
             </a:xfrm>
             <a:custGeom>
               <a:avLst/>
@@ -9258,9 +13962,9 @@
               <a:cxnLst/>
               <a:rect l="l" t="t" r="r" b="b"/>
               <a:pathLst>
-                <a:path w="10270904" h="5372100">
+                <a:path w="7220896" h="5372100">
                   <a:moveTo>
-                    <a:pt x="8720234" y="0"/>
+                    <a:pt x="5670226" y="0"/>
                   </a:moveTo>
                   <a:lnTo>
                     <a:pt x="1550670" y="0"/>
@@ -9272,21 +13976,135 @@
                     <a:pt x="1550670" y="5372100"/>
                   </a:lnTo>
                   <a:lnTo>
-                    <a:pt x="8720234" y="5372100"/>
-                  </a:lnTo>
-                  <a:lnTo>
-                    <a:pt x="10270904" y="2686050"/>
-                  </a:lnTo>
-                  <a:lnTo>
-                    <a:pt x="8720234" y="0"/>
+                    <a:pt x="5670226" y="5372100"/>
+                  </a:lnTo>
+                  <a:lnTo>
+                    <a:pt x="7220896" y="2686050"/>
+                  </a:lnTo>
+                  <a:lnTo>
+                    <a:pt x="5670226" y="0"/>
                   </a:lnTo>
                   <a:close/>
                 </a:path>
               </a:pathLst>
             </a:custGeom>
-            <a:solidFill>
-              <a:srgbClr val="FFFFFF"/>
-            </a:solidFill>
+            <a:grpFill/>
+          </p:spPr>
+          <p:txBody>
+            <a:bodyPr/>
+            <a:lstStyle/>
+            <a:p>
+              <a:endParaRPr lang="es-MX"/>
+            </a:p>
+          </p:txBody>
+        </p:sp>
+      </p:grpSp>
+      <p:sp>
+        <p:nvSpPr>
+          <p:cNvPr id="7" name="TextBox 7"/>
+          <p:cNvSpPr txBox="1"/>
+          <p:nvPr/>
+        </p:nvSpPr>
+        <p:spPr>
+          <a:xfrm>
+            <a:off x="999390" y="618550"/>
+            <a:ext cx="9715501" cy="1231106"/>
+          </a:xfrm>
+          <a:prstGeom prst="rect">
+            <a:avLst/>
+          </a:prstGeom>
+        </p:spPr>
+        <p:txBody>
+          <a:bodyPr wrap="square" lIns="0" tIns="0" rIns="0" bIns="0" rtlCol="0" anchor="t">
+            <a:spAutoFit/>
+          </a:bodyPr>
+          <a:lstStyle/>
+          <a:p>
+            <a:pPr marL="0" lvl="0" indent="0">
+              <a:spcBef>
+                <a:spcPct val="0"/>
+              </a:spcBef>
+            </a:pPr>
+            <a:r>
+              <a:rPr lang="es-MX" sz="4000" dirty="0">
+                <a:solidFill>
+                  <a:srgbClr val="000000"/>
+                </a:solidFill>
+                <a:latin typeface="Fira Sans Semi-Bold"/>
+              </a:rPr>
+              <a:t>Implementación de Sistema de Detección de Estilos de Aprendizaje</a:t>
+            </a:r>
+            <a:endParaRPr lang="es-MX" sz="4000" u="none" dirty="0">
+              <a:solidFill>
+                <a:srgbClr val="000000"/>
+              </a:solidFill>
+              <a:latin typeface="Fira Sans Semi-Bold"/>
+            </a:endParaRPr>
+          </a:p>
+        </p:txBody>
+      </p:sp>
+      <p:grpSp>
+        <p:nvGrpSpPr>
+          <p:cNvPr id="16" name="Group 16"/>
+          <p:cNvGrpSpPr/>
+          <p:nvPr/>
+        </p:nvGrpSpPr>
+        <p:grpSpPr>
+          <a:xfrm rot="-10800000">
+            <a:off x="11621759" y="-1739113"/>
+            <a:ext cx="2929239" cy="3013773"/>
+            <a:chOff x="0" y="0"/>
+            <a:chExt cx="5221416" cy="5372100"/>
+          </a:xfrm>
+          <a:solidFill>
+            <a:srgbClr val="F9B17A"/>
+          </a:solidFill>
+        </p:grpSpPr>
+        <p:sp>
+          <p:nvSpPr>
+            <p:cNvPr id="17" name="Freeform 17"/>
+            <p:cNvSpPr/>
+            <p:nvPr/>
+          </p:nvSpPr>
+          <p:spPr>
+            <a:xfrm>
+              <a:off x="0" y="0"/>
+              <a:ext cx="5221416" cy="5372100"/>
+            </a:xfrm>
+            <a:custGeom>
+              <a:avLst/>
+              <a:gdLst/>
+              <a:ahLst/>
+              <a:cxnLst/>
+              <a:rect l="l" t="t" r="r" b="b"/>
+              <a:pathLst>
+                <a:path w="5221416" h="5372100">
+                  <a:moveTo>
+                    <a:pt x="3670746" y="0"/>
+                  </a:moveTo>
+                  <a:lnTo>
+                    <a:pt x="1550670" y="0"/>
+                  </a:lnTo>
+                  <a:lnTo>
+                    <a:pt x="0" y="2686050"/>
+                  </a:lnTo>
+                  <a:lnTo>
+                    <a:pt x="1550670" y="5372100"/>
+                  </a:lnTo>
+                  <a:lnTo>
+                    <a:pt x="3670746" y="5372100"/>
+                  </a:lnTo>
+                  <a:lnTo>
+                    <a:pt x="5221416" y="2686050"/>
+                  </a:lnTo>
+                  <a:lnTo>
+                    <a:pt x="3670746" y="0"/>
+                  </a:lnTo>
+                  <a:close/>
+                </a:path>
+              </a:pathLst>
+            </a:custGeom>
+            <a:grpFill/>
           </p:spPr>
           <p:txBody>
             <a:bodyPr/>
@@ -9299,28 +14117,31 @@
       </p:grpSp>
       <p:grpSp>
         <p:nvGrpSpPr>
-          <p:cNvPr id="8" name="Group 8"/>
+          <p:cNvPr id="18" name="Group 18"/>
           <p:cNvGrpSpPr/>
           <p:nvPr/>
         </p:nvGrpSpPr>
         <p:grpSpPr>
-          <a:xfrm>
-            <a:off x="-1676400" y="1314204"/>
-            <a:ext cx="19136692" cy="8049218"/>
-            <a:chOff x="0" y="-47625"/>
-            <a:chExt cx="5040120" cy="2119958"/>
-          </a:xfrm>
+          <a:xfrm rot="-10800000">
+            <a:off x="-1643644" y="9951501"/>
+            <a:ext cx="17768494" cy="1949023"/>
+            <a:chOff x="0" y="0"/>
+            <a:chExt cx="48975363" cy="5372100"/>
+          </a:xfrm>
+          <a:solidFill>
+            <a:srgbClr val="2D3250"/>
+          </a:solidFill>
         </p:grpSpPr>
         <p:sp>
           <p:nvSpPr>
-            <p:cNvPr id="9" name="Freeform 9"/>
+            <p:cNvPr id="19" name="Freeform 19"/>
             <p:cNvSpPr/>
             <p:nvPr/>
           </p:nvSpPr>
           <p:spPr>
             <a:xfrm>
-              <a:off x="692389" y="0"/>
-              <a:ext cx="4347731" cy="2072333"/>
+              <a:off x="0" y="0"/>
+              <a:ext cx="48975364" cy="5372100"/>
             </a:xfrm>
             <a:custGeom>
               <a:avLst/>
@@ -9329,210 +14150,49 @@
               <a:cxnLst/>
               <a:rect l="l" t="t" r="r" b="b"/>
               <a:pathLst>
-                <a:path w="4347731" h="2072333">
+                <a:path w="48975364" h="5372100">
                   <a:moveTo>
-                    <a:pt x="23918" y="0"/>
+                    <a:pt x="47424693" y="0"/>
                   </a:moveTo>
                   <a:lnTo>
-                    <a:pt x="4323813" y="0"/>
-                  </a:lnTo>
-                  <a:cubicBezTo>
-                    <a:pt x="4330156" y="0"/>
-                    <a:pt x="4336240" y="2520"/>
-                    <a:pt x="4340726" y="7006"/>
-                  </a:cubicBezTo>
-                  <a:cubicBezTo>
-                    <a:pt x="4345211" y="11491"/>
-                    <a:pt x="4347731" y="17575"/>
-                    <a:pt x="4347731" y="23918"/>
-                  </a:cubicBezTo>
-                  <a:lnTo>
-                    <a:pt x="4347731" y="2048415"/>
-                  </a:lnTo>
-                  <a:cubicBezTo>
-                    <a:pt x="4347731" y="2054759"/>
-                    <a:pt x="4345211" y="2060842"/>
-                    <a:pt x="4340726" y="2065328"/>
-                  </a:cubicBezTo>
-                  <a:cubicBezTo>
-                    <a:pt x="4336240" y="2069813"/>
-                    <a:pt x="4330156" y="2072333"/>
-                    <a:pt x="4323813" y="2072333"/>
-                  </a:cubicBezTo>
-                  <a:lnTo>
-                    <a:pt x="23918" y="2072333"/>
-                  </a:lnTo>
-                  <a:cubicBezTo>
-                    <a:pt x="17575" y="2072333"/>
-                    <a:pt x="11491" y="2069813"/>
-                    <a:pt x="7006" y="2065328"/>
-                  </a:cubicBezTo>
-                  <a:cubicBezTo>
-                    <a:pt x="2520" y="2060842"/>
-                    <a:pt x="0" y="2054759"/>
-                    <a:pt x="0" y="2048415"/>
-                  </a:cubicBezTo>
-                  <a:lnTo>
-                    <a:pt x="0" y="23918"/>
-                  </a:lnTo>
-                  <a:cubicBezTo>
-                    <a:pt x="0" y="17575"/>
-                    <a:pt x="2520" y="11491"/>
-                    <a:pt x="7006" y="7006"/>
-                  </a:cubicBezTo>
-                  <a:cubicBezTo>
-                    <a:pt x="11491" y="2520"/>
-                    <a:pt x="17575" y="0"/>
-                    <a:pt x="23918" y="0"/>
-                  </a:cubicBezTo>
+                    <a:pt x="1550670" y="0"/>
+                  </a:lnTo>
+                  <a:lnTo>
+                    <a:pt x="0" y="2686050"/>
+                  </a:lnTo>
+                  <a:lnTo>
+                    <a:pt x="1550670" y="5372100"/>
+                  </a:lnTo>
+                  <a:lnTo>
+                    <a:pt x="47424693" y="5372100"/>
+                  </a:lnTo>
+                  <a:lnTo>
+                    <a:pt x="48975364" y="2686050"/>
+                  </a:lnTo>
+                  <a:lnTo>
+                    <a:pt x="47424693" y="0"/>
+                  </a:lnTo>
                   <a:close/>
                 </a:path>
               </a:pathLst>
             </a:custGeom>
-            <a:solidFill>
-              <a:srgbClr val="FFFFFF">
-                <a:alpha val="87843"/>
-              </a:srgbClr>
-            </a:solidFill>
+            <a:grpFill/>
           </p:spPr>
           <p:txBody>
             <a:bodyPr/>
             <a:lstStyle/>
             <a:p>
-              <a:pPr marL="285750" indent="-285750">
-                <a:buFont typeface="Arial" panose="020B0604020202020204" pitchFamily="34" charset="0"/>
-                <a:buChar char="•"/>
-              </a:pPr>
-              <a:endParaRPr lang="es-MX" dirty="0"/>
-            </a:p>
-          </p:txBody>
-        </p:sp>
-        <p:sp>
-          <p:nvSpPr>
-            <p:cNvPr id="10" name="TextBox 10"/>
-            <p:cNvSpPr txBox="1"/>
-            <p:nvPr/>
-          </p:nvSpPr>
-          <p:spPr>
-            <a:xfrm>
-              <a:off x="0" y="-47625"/>
-              <a:ext cx="4347731" cy="2119958"/>
-            </a:xfrm>
-            <a:prstGeom prst="rect">
-              <a:avLst/>
-            </a:prstGeom>
-          </p:spPr>
-          <p:txBody>
-            <a:bodyPr lIns="50800" tIns="50800" rIns="50800" bIns="50800" rtlCol="0" anchor="ctr"/>
-            <a:lstStyle/>
-            <a:p>
-              <a:pPr marL="285750" indent="-285750" algn="ctr">
-                <a:lnSpc>
-                  <a:spcPts val="2659"/>
-                </a:lnSpc>
-                <a:buFont typeface="Arial" panose="020B0604020202020204" pitchFamily="34" charset="0"/>
-                <a:buChar char="•"/>
-              </a:pPr>
-              <a:endParaRPr/>
+              <a:endParaRPr lang="es-MX"/>
             </a:p>
           </p:txBody>
         </p:sp>
       </p:grpSp>
       <p:sp>
         <p:nvSpPr>
-          <p:cNvPr id="12" name="TextBox 12"/>
-          <p:cNvSpPr txBox="1"/>
-          <p:nvPr/>
-        </p:nvSpPr>
-        <p:spPr>
-          <a:xfrm>
-            <a:off x="7609084" y="1792679"/>
-            <a:ext cx="8390160" cy="2006729"/>
-          </a:xfrm>
-          <a:prstGeom prst="rect">
-            <a:avLst/>
-          </a:prstGeom>
-        </p:spPr>
-        <p:txBody>
-          <a:bodyPr lIns="0" tIns="0" rIns="0" bIns="0" rtlCol="0" anchor="t">
-            <a:spAutoFit/>
-          </a:bodyPr>
-          <a:lstStyle/>
-          <a:p>
-            <a:pPr algn="ctr">
-              <a:lnSpc>
-                <a:spcPts val="7839"/>
-              </a:lnSpc>
-            </a:pPr>
-            <a:r>
-              <a:rPr lang="en-US" sz="6700" dirty="0">
-                <a:solidFill>
-                  <a:srgbClr val="000000"/>
-                </a:solidFill>
-                <a:latin typeface="JA Jayagiri Sans"/>
-              </a:rPr>
-              <a:t>Gracias </a:t>
-            </a:r>
-            <a:r>
-              <a:rPr lang="en-US" sz="6700" dirty="0" err="1">
-                <a:solidFill>
-                  <a:srgbClr val="000000"/>
-                </a:solidFill>
-                <a:latin typeface="JA Jayagiri Sans"/>
-              </a:rPr>
-              <a:t>por</a:t>
-            </a:r>
-            <a:r>
-              <a:rPr lang="en-US" sz="6700" dirty="0">
-                <a:solidFill>
-                  <a:srgbClr val="000000"/>
-                </a:solidFill>
-                <a:latin typeface="JA Jayagiri Sans"/>
-              </a:rPr>
-              <a:t> </a:t>
-            </a:r>
-            <a:r>
-              <a:rPr lang="en-US" sz="6700" dirty="0" err="1">
-                <a:solidFill>
-                  <a:srgbClr val="000000"/>
-                </a:solidFill>
-                <a:latin typeface="JA Jayagiri Sans"/>
-              </a:rPr>
-              <a:t>su</a:t>
-            </a:r>
-            <a:r>
-              <a:rPr lang="en-US" sz="6700" dirty="0">
-                <a:solidFill>
-                  <a:srgbClr val="000000"/>
-                </a:solidFill>
-                <a:latin typeface="JA Jayagiri Sans"/>
-              </a:rPr>
-              <a:t> </a:t>
-            </a:r>
-            <a:r>
-              <a:rPr lang="en-US" sz="6700" dirty="0" err="1">
-                <a:solidFill>
-                  <a:srgbClr val="000000"/>
-                </a:solidFill>
-                <a:latin typeface="JA Jayagiri Sans"/>
-              </a:rPr>
-              <a:t>atención</a:t>
-            </a:r>
-            <a:endParaRPr lang="en-US" sz="6700" dirty="0">
-              <a:solidFill>
-                <a:srgbClr val="000000"/>
-              </a:solidFill>
-              <a:latin typeface="JA Jayagiri Sans"/>
-            </a:endParaRPr>
-          </a:p>
-        </p:txBody>
-      </p:sp>
-      <p:sp>
-        <p:nvSpPr>
-          <p:cNvPr id="13" name="Subtítulo 5">
+          <p:cNvPr id="2" name="Marcador de contenido 2">
             <a:extLst>
               <a:ext uri="{FF2B5EF4-FFF2-40B4-BE49-F238E27FC236}">
-                <a16:creationId xmlns:a16="http://schemas.microsoft.com/office/drawing/2014/main" id="{A0F78B61-BBD6-4207-AF29-2FF3FC1BF2EF}"/>
+                <a16:creationId xmlns:a16="http://schemas.microsoft.com/office/drawing/2014/main" id="{ED29DC63-94CD-3D79-7690-C84949583E74}"/>
               </a:ext>
             </a:extLst>
           </p:cNvPr>
@@ -9543,8 +14203,8 @@
         </p:nvSpPr>
         <p:spPr>
           <a:xfrm>
-            <a:off x="7232164" y="4736971"/>
-            <a:ext cx="9144000" cy="2006729"/>
+            <a:off x="999390" y="2967830"/>
+            <a:ext cx="16831409" cy="6214269"/>
           </a:xfrm>
           <a:prstGeom prst="rect">
             <a:avLst/>
@@ -9690,22 +14350,16 @@
             </a:lvl9pPr>
           </a:lstStyle>
           <a:p>
-            <a:pPr marL="0" indent="0" algn="ctr">
-              <a:buNone/>
-            </a:pPr>
-            <a:r>
-              <a:rPr lang="es-MX" sz="4000" dirty="0"/>
-              <a:t>TT 2024 – A052: “Prototipo de aplicación web de apoyo educativo basado en estilos de aprendizaje”</a:t>
-            </a:r>
-          </a:p>
-        </p:txBody>
-      </p:sp>
-      <p:sp>
-        <p:nvSpPr>
-          <p:cNvPr id="15" name="Marcador de número de diapositiva 14">
+            <a:endParaRPr lang="es-MX" sz="4400" dirty="0"/>
+          </a:p>
+        </p:txBody>
+      </p:sp>
+      <p:sp>
+        <p:nvSpPr>
+          <p:cNvPr id="4" name="Marcador de número de diapositiva 3">
             <a:extLst>
               <a:ext uri="{FF2B5EF4-FFF2-40B4-BE49-F238E27FC236}">
-                <a16:creationId xmlns:a16="http://schemas.microsoft.com/office/drawing/2014/main" id="{7776A5DE-E332-AE8A-B6DD-B51B292EF60A}"/>
+                <a16:creationId xmlns:a16="http://schemas.microsoft.com/office/drawing/2014/main" id="{56D9984C-F715-46E9-9FE5-D26D7EF78402}"/>
               </a:ext>
             </a:extLst>
           </p:cNvPr>
@@ -9718,7 +14372,7 @@
         </p:nvSpPr>
         <p:spPr>
           <a:xfrm>
-            <a:off x="14932444" y="8787176"/>
+            <a:off x="15679614" y="9201674"/>
             <a:ext cx="2133600" cy="365125"/>
           </a:xfrm>
         </p:spPr>
@@ -9729,18 +14383,68 @@
             <a:fld id="{B6F15528-21DE-4FAA-801E-634DDDAF4B2B}" type="slidenum">
               <a:rPr lang="en-US" sz="3200" smtClean="0"/>
               <a:pPr/>
-              <a:t>8</a:t>
+              <a:t>9</a:t>
             </a:fld>
-            <a:endParaRPr lang="en-US" sz="3200" dirty="0"/>
+            <a:endParaRPr lang="en-US" sz="3200"/>
+          </a:p>
+        </p:txBody>
+      </p:sp>
+      <p:sp>
+        <p:nvSpPr>
+          <p:cNvPr id="3" name="TextBox 7">
+            <a:extLst>
+              <a:ext uri="{FF2B5EF4-FFF2-40B4-BE49-F238E27FC236}">
+                <a16:creationId xmlns:a16="http://schemas.microsoft.com/office/drawing/2014/main" id="{04A40C6B-20F0-C389-A5FC-5A3FD073FED2}"/>
+              </a:ext>
+            </a:extLst>
+          </p:cNvPr>
+          <p:cNvSpPr txBox="1"/>
+          <p:nvPr/>
+        </p:nvSpPr>
+        <p:spPr>
+          <a:xfrm>
+            <a:off x="7040260" y="7251928"/>
+            <a:ext cx="4029811" cy="738664"/>
+          </a:xfrm>
+          <a:prstGeom prst="rect">
+            <a:avLst/>
+          </a:prstGeom>
+        </p:spPr>
+        <p:txBody>
+          <a:bodyPr wrap="square" lIns="0" tIns="0" rIns="0" bIns="0" rtlCol="0" anchor="t">
+            <a:spAutoFit/>
+          </a:bodyPr>
+          <a:lstStyle/>
+          <a:p>
+            <a:pPr marL="0" lvl="0" indent="0" algn="ctr">
+              <a:spcBef>
+                <a:spcPct val="0"/>
+              </a:spcBef>
+            </a:pPr>
+            <a:r>
+              <a:rPr lang="es-MX" sz="2400" dirty="0">
+                <a:solidFill>
+                  <a:srgbClr val="676F9D"/>
+                </a:solidFill>
+                <a:latin typeface="Fira Sans Semi-Bold"/>
+              </a:rPr>
+              <a:t>Cambio de colores (sugerido en TT1)</a:t>
+            </a:r>
+            <a:endParaRPr lang="es-MX" sz="2400" u="none" dirty="0">
+              <a:solidFill>
+                <a:srgbClr val="676F9D"/>
+              </a:solidFill>
+              <a:latin typeface="Fira Sans Semi-Bold"/>
+            </a:endParaRPr>
           </a:p>
         </p:txBody>
       </p:sp>
       <p:pic>
         <p:nvPicPr>
-          <p:cNvPr id="17" name="Gráfico 16" descr="Ciclismo en compañía con relleno sólido">
+          <p:cNvPr id="11" name="Imagen 10" descr="Interfaz de usuario gráfica, Texto, Aplicación, Chat o mensaje de texto&#10;&#10;Descripción generada automáticamente">
             <a:extLst>
               <a:ext uri="{FF2B5EF4-FFF2-40B4-BE49-F238E27FC236}">
-                <a16:creationId xmlns:a16="http://schemas.microsoft.com/office/drawing/2014/main" id="{519417D3-D88B-773F-55C1-585F3E93F4AC}"/>
+                <a16:creationId xmlns:a16="http://schemas.microsoft.com/office/drawing/2014/main" id="{E1223BA5-1CDE-8FB3-62A7-D863F51926CA}"/>
               </a:ext>
             </a:extLst>
           </p:cNvPr>
@@ -9749,25 +14453,21 @@
           </p:cNvPicPr>
           <p:nvPr/>
         </p:nvPicPr>
-        <p:blipFill>
-          <a:blip r:embed="rId2">
+        <p:blipFill rotWithShape="1">
+          <a:blip r:embed="rId3">
             <a:extLst>
               <a:ext uri="{28A0092B-C50C-407E-A947-70E740481C1C}">
                 <a14:useLocalDpi xmlns:a14="http://schemas.microsoft.com/office/drawing/2010/main" val="0"/>
               </a:ext>
-              <a:ext uri="{96DAC541-7B7A-43D3-8B79-37D633B846F1}">
-                <asvg:svgBlip xmlns:asvg="http://schemas.microsoft.com/office/drawing/2016/SVG/main" r:embed="rId3"/>
-              </a:ext>
             </a:extLst>
           </a:blip>
-          <a:stretch>
-            <a:fillRect/>
-          </a:stretch>
+          <a:srcRect t="23154"/>
+          <a:stretch/>
         </p:blipFill>
         <p:spPr>
           <a:xfrm>
-            <a:off x="1151033" y="2429674"/>
-            <a:ext cx="6126162" cy="6126162"/>
+            <a:off x="4623894" y="2717367"/>
+            <a:ext cx="8862544" cy="3712387"/>
           </a:xfrm>
           <a:prstGeom prst="rect">
             <a:avLst/>
@@ -9775,6 +14475,11 @@
         </p:spPr>
       </p:pic>
     </p:spTree>
+    <p:extLst>
+      <p:ext uri="{BB962C8B-B14F-4D97-AF65-F5344CB8AC3E}">
+        <p14:creationId xmlns:p14="http://schemas.microsoft.com/office/powerpoint/2010/main" val="3492914999"/>
+      </p:ext>
+    </p:extLst>
   </p:cSld>
   <p:clrMapOvr>
     <a:masterClrMapping/>
@@ -10361,6 +15066,15 @@
 </file>
 
 <file path=customXml/item1.xml><?xml version="1.0" encoding="utf-8"?>
+<?mso-contentType ?>
+<FormTemplates xmlns="http://schemas.microsoft.com/sharepoint/v3/contenttype/forms">
+  <Display>DocumentLibraryForm</Display>
+  <Edit>DocumentLibraryForm</Edit>
+  <New>DocumentLibraryForm</New>
+</FormTemplates>
+</file>
+
+<file path=customXml/item2.xml><?xml version="1.0" encoding="utf-8"?>
 <p:properties xmlns:p="http://schemas.microsoft.com/office/2006/metadata/properties" xmlns:xsi="http://www.w3.org/2001/XMLSchema-instance" xmlns:pc="http://schemas.microsoft.com/office/infopath/2007/PartnerControls">
   <documentManagement>
     <lcf76f155ced4ddcb4097134ff3c332f xmlns="612e88f8-c351-4c29-ac86-950e0b650f46">
@@ -10369,15 +15083,6 @@
     <TaxCatchAll xmlns="0d23b421-b106-4259-a1fb-08d5c9473615" xsi:nil="true"/>
   </documentManagement>
 </p:properties>
-</file>
-
-<file path=customXml/item2.xml><?xml version="1.0" encoding="utf-8"?>
-<?mso-contentType ?>
-<FormTemplates xmlns="http://schemas.microsoft.com/sharepoint/v3/contenttype/forms">
-  <Display>DocumentLibraryForm</Display>
-  <Edit>DocumentLibraryForm</Edit>
-  <New>DocumentLibraryForm</New>
-</FormTemplates>
 </file>
 
 <file path=customXml/item3.xml><?xml version="1.0" encoding="utf-8"?>
@@ -10582,6 +15287,14 @@
 </file>
 
 <file path=customXml/itemProps1.xml><?xml version="1.0" encoding="utf-8"?>
+<ds:datastoreItem xmlns:ds="http://schemas.openxmlformats.org/officeDocument/2006/customXml" ds:itemID="{1F9FDBCB-A763-42F5-958C-F18433B74302}">
+  <ds:schemaRefs>
+    <ds:schemaRef ds:uri="http://schemas.microsoft.com/sharepoint/v3/contenttype/forms"/>
+  </ds:schemaRefs>
+</ds:datastoreItem>
+</file>
+
+<file path=customXml/itemProps2.xml><?xml version="1.0" encoding="utf-8"?>
 <ds:datastoreItem xmlns:ds="http://schemas.openxmlformats.org/officeDocument/2006/customXml" ds:itemID="{31A1265A-2DCD-4E85-842F-D74BFCE49F1A}">
   <ds:schemaRefs>
     <ds:schemaRef ds:uri="http://purl.org/dc/terms/"/>
@@ -10594,14 +15307,6 @@
     <ds:schemaRef ds:uri="http://schemas.microsoft.com/office/infopath/2007/PartnerControls"/>
     <ds:schemaRef ds:uri="http://schemas.microsoft.com/office/2006/metadata/properties"/>
     <ds:schemaRef ds:uri="http://purl.org/dc/elements/1.1/"/>
-  </ds:schemaRefs>
-</ds:datastoreItem>
-</file>
-
-<file path=customXml/itemProps2.xml><?xml version="1.0" encoding="utf-8"?>
-<ds:datastoreItem xmlns:ds="http://schemas.openxmlformats.org/officeDocument/2006/customXml" ds:itemID="{1F9FDBCB-A763-42F5-958C-F18433B74302}">
-  <ds:schemaRefs>
-    <ds:schemaRef ds:uri="http://schemas.microsoft.com/sharepoint/v3/contenttype/forms"/>
   </ds:schemaRefs>
 </ds:datastoreItem>
 </file>

--- a/PPTT_DIANDA_II.pptx
+++ b/PPTT_DIANDA_II.pptx
@@ -5,7 +5,7 @@
     <p:sldMasterId id="2147483648" r:id="rId4"/>
   </p:sldMasterIdLst>
   <p:notesMasterIdLst>
-    <p:notesMasterId r:id="rId19"/>
+    <p:notesMasterId r:id="rId20"/>
   </p:notesMasterIdLst>
   <p:sldIdLst>
     <p:sldId id="256" r:id="rId5"/>
@@ -21,24 +21,25 @@
     <p:sldId id="274" r:id="rId15"/>
     <p:sldId id="275" r:id="rId16"/>
     <p:sldId id="277" r:id="rId17"/>
-    <p:sldId id="262" r:id="rId18"/>
+    <p:sldId id="278" r:id="rId18"/>
+    <p:sldId id="262" r:id="rId19"/>
   </p:sldIdLst>
   <p:sldSz cx="18288000" cy="10287000"/>
   <p:notesSz cx="6858000" cy="9144000"/>
   <p:embeddedFontLst>
     <p:embeddedFont>
       <p:font typeface="Fira Sans Light" panose="020B0403050000020004" pitchFamily="34" charset="0"/>
-      <p:regular r:id="rId20"/>
-      <p:italic r:id="rId21"/>
+      <p:regular r:id="rId21"/>
+      <p:italic r:id="rId22"/>
     </p:embeddedFont>
     <p:embeddedFont>
       <p:font typeface="Fira Sans Semi-Bold" panose="020B0604020202020204" charset="0"/>
-      <p:regular r:id="rId22"/>
-      <p:bold r:id="rId23"/>
+      <p:regular r:id="rId23"/>
+      <p:bold r:id="rId24"/>
     </p:embeddedFont>
     <p:embeddedFont>
       <p:font typeface="JA Jayagiri Sans" panose="020B0604020202020204" charset="0"/>
-      <p:regular r:id="rId24"/>
+      <p:regular r:id="rId25"/>
     </p:embeddedFont>
   </p:embeddedFontLst>
   <p:defaultTextStyle>
@@ -245,7 +246,7 @@
           <a:p>
             <a:fld id="{82EC3DD9-B573-4161-9207-215498115981}" type="datetimeFigureOut">
               <a:rPr lang="es-MX" smtClean="0"/>
-              <a:t>13/03/2024</a:t>
+              <a:t>14/03/2024</a:t>
             </a:fld>
             <a:endParaRPr lang="es-MX"/>
           </a:p>
@@ -961,6 +962,93 @@
 </p:notes>
 </file>
 
+<file path=ppt/notesSlides/notesSlide14.xml><?xml version="1.0" encoding="utf-8"?>
+<p:notes xmlns:a="http://schemas.openxmlformats.org/drawingml/2006/main" xmlns:r="http://schemas.openxmlformats.org/officeDocument/2006/relationships" xmlns:p="http://schemas.openxmlformats.org/presentationml/2006/main">
+  <p:cSld>
+    <p:spTree>
+      <p:nvGrpSpPr>
+        <p:cNvPr id="1" name=""/>
+        <p:cNvGrpSpPr/>
+        <p:nvPr/>
+      </p:nvGrpSpPr>
+      <p:grpSpPr>
+        <a:xfrm>
+          <a:off x="0" y="0"/>
+          <a:ext cx="0" cy="0"/>
+          <a:chOff x="0" y="0"/>
+          <a:chExt cx="0" cy="0"/>
+        </a:xfrm>
+      </p:grpSpPr>
+      <p:sp>
+        <p:nvSpPr>
+          <p:cNvPr id="2" name="Marcador de imagen de diapositiva 1"/>
+          <p:cNvSpPr>
+            <a:spLocks noGrp="1" noRot="1" noChangeAspect="1"/>
+          </p:cNvSpPr>
+          <p:nvPr>
+            <p:ph type="sldImg"/>
+          </p:nvPr>
+        </p:nvSpPr>
+        <p:spPr/>
+      </p:sp>
+      <p:sp>
+        <p:nvSpPr>
+          <p:cNvPr id="3" name="Marcador de notas 2"/>
+          <p:cNvSpPr>
+            <a:spLocks noGrp="1"/>
+          </p:cNvSpPr>
+          <p:nvPr>
+            <p:ph type="body" idx="1"/>
+          </p:nvPr>
+        </p:nvSpPr>
+        <p:spPr/>
+        <p:txBody>
+          <a:bodyPr/>
+          <a:lstStyle/>
+          <a:p>
+            <a:r>
+              <a:rPr lang="es-MX" dirty="0"/>
+              <a:t>Brindar seguridad a los datos es una tarea difícil pero obligatoria, pero nuestro deber como ingenieros en sistemas con conocimiento en criptografía es proteger la información de la gente con nuestro conocimiento, ya que ellos depositan su confianza en nosotros, por esto debemos buscar el equilibrio entre seguridad, procesamiento y almacenamiento. Ahora que se conoce una taxonomía de los datos sensibles y una amplia variedad de algoritmos criptográficos podemos planear pruebas que medirán el desempeño de estos algoritmos y sugerir el óptimo con base en su tiempo de ejecución y uso de memoria cifrando datos específicos.</a:t>
+            </a:r>
+          </a:p>
+        </p:txBody>
+      </p:sp>
+      <p:sp>
+        <p:nvSpPr>
+          <p:cNvPr id="4" name="Marcador de número de diapositiva 3"/>
+          <p:cNvSpPr>
+            <a:spLocks noGrp="1"/>
+          </p:cNvSpPr>
+          <p:nvPr>
+            <p:ph type="sldNum" sz="quarter" idx="5"/>
+          </p:nvPr>
+        </p:nvSpPr>
+        <p:spPr/>
+        <p:txBody>
+          <a:bodyPr/>
+          <a:lstStyle/>
+          <a:p>
+            <a:fld id="{B326FA37-95B9-4969-8AEE-67E17A4E5270}" type="slidenum">
+              <a:rPr lang="es-MX" smtClean="0"/>
+              <a:t>14</a:t>
+            </a:fld>
+            <a:endParaRPr lang="es-MX"/>
+          </a:p>
+        </p:txBody>
+      </p:sp>
+    </p:spTree>
+    <p:extLst>
+      <p:ext uri="{BB962C8B-B14F-4D97-AF65-F5344CB8AC3E}">
+        <p14:creationId xmlns:p14="http://schemas.microsoft.com/office/powerpoint/2010/main" val="2894317479"/>
+      </p:ext>
+    </p:extLst>
+  </p:cSld>
+  <p:clrMapOvr>
+    <a:masterClrMapping/>
+  </p:clrMapOvr>
+</p:notes>
+</file>
+
 <file path=ppt/notesSlides/notesSlide2.xml><?xml version="1.0" encoding="utf-8"?>
 <p:notes xmlns:a="http://schemas.openxmlformats.org/drawingml/2006/main" xmlns:r="http://schemas.openxmlformats.org/officeDocument/2006/relationships" xmlns:p="http://schemas.openxmlformats.org/presentationml/2006/main">
   <p:cSld>
@@ -2038,7 +2126,7 @@
           <a:p>
             <a:fld id="{AB5C8F18-0842-4D59-9E65-F4E342D56E2D}" type="datetime1">
               <a:rPr lang="en-US" smtClean="0"/>
-              <a:t>3/13/2024</a:t>
+              <a:t>3/14/2024</a:t>
             </a:fld>
             <a:endParaRPr lang="en-US"/>
           </a:p>
@@ -2202,7 +2290,7 @@
           <a:p>
             <a:fld id="{06A1CCE1-B858-402D-8FB4-0FF402CC09E7}" type="datetime1">
               <a:rPr lang="en-US" smtClean="0"/>
-              <a:t>3/13/2024</a:t>
+              <a:t>3/14/2024</a:t>
             </a:fld>
             <a:endParaRPr lang="en-US"/>
           </a:p>
@@ -2376,7 +2464,7 @@
           <a:p>
             <a:fld id="{E158CA34-0E8F-4142-8665-1AC5CC45571A}" type="datetime1">
               <a:rPr lang="en-US" smtClean="0"/>
-              <a:t>3/13/2024</a:t>
+              <a:t>3/14/2024</a:t>
             </a:fld>
             <a:endParaRPr lang="en-US"/>
           </a:p>
@@ -2540,7 +2628,7 @@
           <a:p>
             <a:fld id="{A1253346-C461-4F1E-89B4-D106B097D3F4}" type="datetime1">
               <a:rPr lang="en-US" smtClean="0"/>
-              <a:t>3/13/2024</a:t>
+              <a:t>3/14/2024</a:t>
             </a:fld>
             <a:endParaRPr lang="en-US"/>
           </a:p>
@@ -2781,7 +2869,7 @@
           <a:p>
             <a:fld id="{F6D61D35-2DE0-4BC3-9501-0708B17AFF5D}" type="datetime1">
               <a:rPr lang="en-US" smtClean="0"/>
-              <a:t>3/13/2024</a:t>
+              <a:t>3/14/2024</a:t>
             </a:fld>
             <a:endParaRPr lang="en-US"/>
           </a:p>
@@ -3062,7 +3150,7 @@
           <a:p>
             <a:fld id="{C2A54888-1736-42B5-9C7D-6A24C8D2A42B}" type="datetime1">
               <a:rPr lang="en-US" smtClean="0"/>
-              <a:t>3/13/2024</a:t>
+              <a:t>3/14/2024</a:t>
             </a:fld>
             <a:endParaRPr lang="en-US"/>
           </a:p>
@@ -3477,7 +3565,7 @@
           <a:p>
             <a:fld id="{112B6FC2-A214-4316-8DC1-A3A939482601}" type="datetime1">
               <a:rPr lang="en-US" smtClean="0"/>
-              <a:t>3/13/2024</a:t>
+              <a:t>3/14/2024</a:t>
             </a:fld>
             <a:endParaRPr lang="en-US"/>
           </a:p>
@@ -3590,7 +3678,7 @@
           <a:p>
             <a:fld id="{06811279-6F25-4B8A-816F-F5D8677985BC}" type="datetime1">
               <a:rPr lang="en-US" smtClean="0"/>
-              <a:t>3/13/2024</a:t>
+              <a:t>3/14/2024</a:t>
             </a:fld>
             <a:endParaRPr lang="en-US"/>
           </a:p>
@@ -3681,7 +3769,7 @@
           <a:p>
             <a:fld id="{AE706032-96F9-4B8E-B556-77316ECD3157}" type="datetime1">
               <a:rPr lang="en-US" smtClean="0"/>
-              <a:t>3/13/2024</a:t>
+              <a:t>3/14/2024</a:t>
             </a:fld>
             <a:endParaRPr lang="en-US"/>
           </a:p>
@@ -3952,7 +4040,7 @@
           <a:p>
             <a:fld id="{9959005A-8155-4B30-986A-1C13948E901A}" type="datetime1">
               <a:rPr lang="en-US" smtClean="0"/>
-              <a:t>3/13/2024</a:t>
+              <a:t>3/14/2024</a:t>
             </a:fld>
             <a:endParaRPr lang="en-US"/>
           </a:p>
@@ -4200,7 +4288,7 @@
           <a:p>
             <a:fld id="{DEDA1344-784E-45C4-B0D7-A9F6370C3460}" type="datetime1">
               <a:rPr lang="en-US" smtClean="0"/>
-              <a:t>3/13/2024</a:t>
+              <a:t>3/14/2024</a:t>
             </a:fld>
             <a:endParaRPr lang="en-US"/>
           </a:p>
@@ -4407,7 +4495,7 @@
           <a:p>
             <a:fld id="{93EA6379-D5D8-45E0-9221-B24B22EE4219}" type="datetime1">
               <a:rPr lang="en-US" smtClean="0"/>
-              <a:t>3/13/2024</a:t>
+              <a:t>3/14/2024</a:t>
             </a:fld>
             <a:endParaRPr lang="en-US"/>
           </a:p>
@@ -8128,8 +8216,8 @@
         </p:nvSpPr>
         <p:spPr>
           <a:xfrm>
-            <a:off x="3021155" y="7774037"/>
-            <a:ext cx="4029811" cy="830997"/>
+            <a:off x="7782658" y="8166358"/>
+            <a:ext cx="4029811" cy="276999"/>
           </a:xfrm>
           <a:prstGeom prst="rect">
             <a:avLst/>
@@ -8153,25 +8241,7 @@
                 </a:solidFill>
                 <a:latin typeface="Fira Sans Semi-Bold"/>
               </a:rPr>
-              <a:t>Pulsar en “Enviar” para evaluar respuestas con modelo de machine </a:t>
-            </a:r>
-            <a:r>
-              <a:rPr lang="es-MX" dirty="0" err="1">
-                <a:solidFill>
-                  <a:srgbClr val="676F9D"/>
-                </a:solidFill>
-                <a:latin typeface="Fira Sans Semi-Bold"/>
-              </a:rPr>
-              <a:t>learning</a:t>
-            </a:r>
-            <a:r>
-              <a:rPr lang="es-MX" dirty="0">
-                <a:solidFill>
-                  <a:srgbClr val="676F9D"/>
-                </a:solidFill>
-                <a:latin typeface="Fira Sans Semi-Bold"/>
-              </a:rPr>
-              <a:t> (Método POST)</a:t>
+              <a:t>Interfaz “Estilo de Enseñanza”</a:t>
             </a:r>
             <a:endParaRPr lang="es-MX" u="none" dirty="0">
               <a:solidFill>
@@ -8184,10 +8254,10 @@
       </p:sp>
       <p:pic>
         <p:nvPicPr>
-          <p:cNvPr id="11" name="Imagen 10" descr="Interfaz de usuario gráfica, Texto&#10;&#10;Descripción generada automáticamente">
+          <p:cNvPr id="9" name="Imagen 8" descr="Interfaz de usuario gráfica, Aplicación, Sitio web&#10;&#10;Descripción generada automáticamente">
             <a:extLst>
               <a:ext uri="{FF2B5EF4-FFF2-40B4-BE49-F238E27FC236}">
-                <a16:creationId xmlns:a16="http://schemas.microsoft.com/office/drawing/2014/main" id="{6EF59129-C6C2-520E-46D6-9EC9C2E96771}"/>
+                <a16:creationId xmlns:a16="http://schemas.microsoft.com/office/drawing/2014/main" id="{E53D28C3-E083-8F39-D9DB-54F9EBAC4A5B}"/>
               </a:ext>
             </a:extLst>
           </p:cNvPr>
@@ -8210,8 +8280,8 @@
         </p:blipFill>
         <p:spPr>
           <a:xfrm>
-            <a:off x="928123" y="2136831"/>
-            <a:ext cx="8215877" cy="4682701"/>
+            <a:off x="838200" y="2339218"/>
+            <a:ext cx="8959364" cy="5050118"/>
           </a:xfrm>
           <a:prstGeom prst="rect">
             <a:avLst/>
@@ -8220,10 +8290,10 @@
       </p:pic>
       <p:pic>
         <p:nvPicPr>
-          <p:cNvPr id="14" name="Imagen 13" descr="Interfaz de usuario gráfica, Texto, Aplicación, Correo electrónico&#10;&#10;Descripción generada automáticamente">
+          <p:cNvPr id="12" name="Imagen 11" descr="Interfaz de usuario gráfica, Sitio web&#10;&#10;Descripción generada automáticamente">
             <a:extLst>
               <a:ext uri="{FF2B5EF4-FFF2-40B4-BE49-F238E27FC236}">
-                <a16:creationId xmlns:a16="http://schemas.microsoft.com/office/drawing/2014/main" id="{76648E9A-C94A-0800-28E2-A6BA63FD8B4D}"/>
+                <a16:creationId xmlns:a16="http://schemas.microsoft.com/office/drawing/2014/main" id="{79690E5A-E5AB-927D-252F-B94E54C06E55}"/>
               </a:ext>
             </a:extLst>
           </p:cNvPr>
@@ -8232,7 +8302,7 @@
           </p:cNvPicPr>
           <p:nvPr/>
         </p:nvPicPr>
-        <p:blipFill>
+        <p:blipFill rotWithShape="1">
           <a:blip r:embed="rId4">
             <a:extLst>
               <a:ext uri="{28A0092B-C50C-407E-A947-70E740481C1C}">
@@ -8240,64 +8310,54 @@
               </a:ext>
             </a:extLst>
           </a:blip>
-          <a:stretch>
-            <a:fillRect/>
-          </a:stretch>
+          <a:srcRect l="25979" t="34503" r="40873" b="32035"/>
+          <a:stretch/>
         </p:blipFill>
         <p:spPr>
           <a:xfrm>
-            <a:off x="9432511" y="4782771"/>
-            <a:ext cx="8625984" cy="4919425"/>
+            <a:off x="11335873" y="2149314"/>
+            <a:ext cx="4502500" cy="2552418"/>
           </a:xfrm>
           <a:prstGeom prst="rect">
             <a:avLst/>
           </a:prstGeom>
         </p:spPr>
       </p:pic>
-      <p:sp>
-        <p:nvSpPr>
-          <p:cNvPr id="21" name="TextBox 7">
+      <p:pic>
+        <p:nvPicPr>
+          <p:cNvPr id="15" name="Imagen 14" descr="Interfaz de usuario gráfica&#10;&#10;Descripción generada automáticamente">
             <a:extLst>
               <a:ext uri="{FF2B5EF4-FFF2-40B4-BE49-F238E27FC236}">
-                <a16:creationId xmlns:a16="http://schemas.microsoft.com/office/drawing/2014/main" id="{C8C0F4A6-D7AB-C500-781C-2759448D0A8C}"/>
+                <a16:creationId xmlns:a16="http://schemas.microsoft.com/office/drawing/2014/main" id="{7C64D85D-32E6-5319-A35C-E5C63C846FE2}"/>
               </a:ext>
             </a:extLst>
           </p:cNvPr>
-          <p:cNvSpPr txBox="1"/>
+          <p:cNvPicPr>
+            <a:picLocks noChangeAspect="1"/>
+          </p:cNvPicPr>
           <p:nvPr/>
-        </p:nvSpPr>
+        </p:nvPicPr>
+        <p:blipFill rotWithShape="1">
+          <a:blip r:embed="rId5">
+            <a:extLst>
+              <a:ext uri="{28A0092B-C50C-407E-A947-70E740481C1C}">
+                <a14:useLocalDpi xmlns:a14="http://schemas.microsoft.com/office/drawing/2010/main" val="0"/>
+              </a:ext>
+            </a:extLst>
+          </a:blip>
+          <a:srcRect l="32246" t="35602" r="45885" b="33641"/>
+          <a:stretch/>
+        </p:blipFill>
         <p:spPr>
           <a:xfrm>
-            <a:off x="11071472" y="3089602"/>
-            <a:ext cx="4029811" cy="738664"/>
+            <a:off x="11850641" y="4814081"/>
+            <a:ext cx="3472964" cy="2722014"/>
           </a:xfrm>
           <a:prstGeom prst="rect">
             <a:avLst/>
           </a:prstGeom>
         </p:spPr>
-        <p:txBody>
-          <a:bodyPr wrap="square" lIns="0" tIns="0" rIns="0" bIns="0" rtlCol="0" anchor="t">
-            <a:spAutoFit/>
-          </a:bodyPr>
-          <a:lstStyle/>
-          <a:p>
-            <a:pPr marL="0" lvl="0" indent="0" algn="ctr">
-              <a:spcBef>
-                <a:spcPct val="0"/>
-              </a:spcBef>
-            </a:pPr>
-            <a:r>
-              <a:rPr lang="es-MX" sz="2400" u="none" dirty="0">
-                <a:solidFill>
-                  <a:srgbClr val="676F9D"/>
-                </a:solidFill>
-                <a:latin typeface="Fira Sans Semi-Bold"/>
-              </a:rPr>
-              <a:t>Interfaz de Usuario: Formulario</a:t>
-            </a:r>
-          </a:p>
-        </p:txBody>
-      </p:sp>
+      </p:pic>
     </p:spTree>
     <p:extLst>
       <p:ext uri="{BB962C8B-B14F-4D97-AF65-F5344CB8AC3E}">
@@ -8312,6 +8372,584 @@
 </file>
 
 <file path=ppt/slides/slide14.xml><?xml version="1.0" encoding="utf-8"?>
+<p:sld xmlns:a="http://schemas.openxmlformats.org/drawingml/2006/main" xmlns:r="http://schemas.openxmlformats.org/officeDocument/2006/relationships" xmlns:p="http://schemas.openxmlformats.org/presentationml/2006/main">
+  <p:cSld>
+    <p:spTree>
+      <p:nvGrpSpPr>
+        <p:cNvPr id="1" name=""/>
+        <p:cNvGrpSpPr/>
+        <p:nvPr/>
+      </p:nvGrpSpPr>
+      <p:grpSpPr>
+        <a:xfrm>
+          <a:off x="0" y="0"/>
+          <a:ext cx="0" cy="0"/>
+          <a:chOff x="0" y="0"/>
+          <a:chExt cx="0" cy="0"/>
+        </a:xfrm>
+      </p:grpSpPr>
+      <p:grpSp>
+        <p:nvGrpSpPr>
+          <p:cNvPr id="5" name="Group 5"/>
+          <p:cNvGrpSpPr/>
+          <p:nvPr/>
+        </p:nvGrpSpPr>
+        <p:grpSpPr>
+          <a:xfrm rot="-10800000">
+            <a:off x="13587123" y="-2751112"/>
+            <a:ext cx="7395802" cy="5502224"/>
+            <a:chOff x="0" y="0"/>
+            <a:chExt cx="7220896" cy="5372100"/>
+          </a:xfrm>
+          <a:solidFill>
+            <a:srgbClr val="2D3250"/>
+          </a:solidFill>
+        </p:grpSpPr>
+        <p:sp>
+          <p:nvSpPr>
+            <p:cNvPr id="6" name="Freeform 6"/>
+            <p:cNvSpPr/>
+            <p:nvPr/>
+          </p:nvSpPr>
+          <p:spPr>
+            <a:xfrm>
+              <a:off x="0" y="0"/>
+              <a:ext cx="7220896" cy="5372100"/>
+            </a:xfrm>
+            <a:custGeom>
+              <a:avLst/>
+              <a:gdLst/>
+              <a:ahLst/>
+              <a:cxnLst/>
+              <a:rect l="l" t="t" r="r" b="b"/>
+              <a:pathLst>
+                <a:path w="7220896" h="5372100">
+                  <a:moveTo>
+                    <a:pt x="5670226" y="0"/>
+                  </a:moveTo>
+                  <a:lnTo>
+                    <a:pt x="1550670" y="0"/>
+                  </a:lnTo>
+                  <a:lnTo>
+                    <a:pt x="0" y="2686050"/>
+                  </a:lnTo>
+                  <a:lnTo>
+                    <a:pt x="1550670" y="5372100"/>
+                  </a:lnTo>
+                  <a:lnTo>
+                    <a:pt x="5670226" y="5372100"/>
+                  </a:lnTo>
+                  <a:lnTo>
+                    <a:pt x="7220896" y="2686050"/>
+                  </a:lnTo>
+                  <a:lnTo>
+                    <a:pt x="5670226" y="0"/>
+                  </a:lnTo>
+                  <a:close/>
+                </a:path>
+              </a:pathLst>
+            </a:custGeom>
+            <a:grpFill/>
+          </p:spPr>
+          <p:txBody>
+            <a:bodyPr/>
+            <a:lstStyle/>
+            <a:p>
+              <a:endParaRPr lang="es-MX"/>
+            </a:p>
+          </p:txBody>
+        </p:sp>
+      </p:grpSp>
+      <p:sp>
+        <p:nvSpPr>
+          <p:cNvPr id="7" name="TextBox 7"/>
+          <p:cNvSpPr txBox="1"/>
+          <p:nvPr/>
+        </p:nvSpPr>
+        <p:spPr>
+          <a:xfrm>
+            <a:off x="999390" y="618550"/>
+            <a:ext cx="9715501" cy="1231106"/>
+          </a:xfrm>
+          <a:prstGeom prst="rect">
+            <a:avLst/>
+          </a:prstGeom>
+        </p:spPr>
+        <p:txBody>
+          <a:bodyPr wrap="square" lIns="0" tIns="0" rIns="0" bIns="0" rtlCol="0" anchor="t">
+            <a:spAutoFit/>
+          </a:bodyPr>
+          <a:lstStyle/>
+          <a:p>
+            <a:pPr marL="0" lvl="0" indent="0">
+              <a:spcBef>
+                <a:spcPct val="0"/>
+              </a:spcBef>
+            </a:pPr>
+            <a:r>
+              <a:rPr lang="es-MX" sz="4000" dirty="0">
+                <a:solidFill>
+                  <a:srgbClr val="000000"/>
+                </a:solidFill>
+                <a:latin typeface="Fira Sans Semi-Bold"/>
+              </a:rPr>
+              <a:t>Implementación de Sistema de Detección de Estilos de Aprendizaje</a:t>
+            </a:r>
+            <a:endParaRPr lang="es-MX" sz="4000" u="none" dirty="0">
+              <a:solidFill>
+                <a:srgbClr val="000000"/>
+              </a:solidFill>
+              <a:latin typeface="Fira Sans Semi-Bold"/>
+            </a:endParaRPr>
+          </a:p>
+        </p:txBody>
+      </p:sp>
+      <p:grpSp>
+        <p:nvGrpSpPr>
+          <p:cNvPr id="16" name="Group 16"/>
+          <p:cNvGrpSpPr/>
+          <p:nvPr/>
+        </p:nvGrpSpPr>
+        <p:grpSpPr>
+          <a:xfrm rot="-10800000">
+            <a:off x="11621759" y="-1739113"/>
+            <a:ext cx="2929239" cy="3013773"/>
+            <a:chOff x="0" y="0"/>
+            <a:chExt cx="5221416" cy="5372100"/>
+          </a:xfrm>
+          <a:solidFill>
+            <a:srgbClr val="F9B17A"/>
+          </a:solidFill>
+        </p:grpSpPr>
+        <p:sp>
+          <p:nvSpPr>
+            <p:cNvPr id="17" name="Freeform 17"/>
+            <p:cNvSpPr/>
+            <p:nvPr/>
+          </p:nvSpPr>
+          <p:spPr>
+            <a:xfrm>
+              <a:off x="0" y="0"/>
+              <a:ext cx="5221416" cy="5372100"/>
+            </a:xfrm>
+            <a:custGeom>
+              <a:avLst/>
+              <a:gdLst/>
+              <a:ahLst/>
+              <a:cxnLst/>
+              <a:rect l="l" t="t" r="r" b="b"/>
+              <a:pathLst>
+                <a:path w="5221416" h="5372100">
+                  <a:moveTo>
+                    <a:pt x="3670746" y="0"/>
+                  </a:moveTo>
+                  <a:lnTo>
+                    <a:pt x="1550670" y="0"/>
+                  </a:lnTo>
+                  <a:lnTo>
+                    <a:pt x="0" y="2686050"/>
+                  </a:lnTo>
+                  <a:lnTo>
+                    <a:pt x="1550670" y="5372100"/>
+                  </a:lnTo>
+                  <a:lnTo>
+                    <a:pt x="3670746" y="5372100"/>
+                  </a:lnTo>
+                  <a:lnTo>
+                    <a:pt x="5221416" y="2686050"/>
+                  </a:lnTo>
+                  <a:lnTo>
+                    <a:pt x="3670746" y="0"/>
+                  </a:lnTo>
+                  <a:close/>
+                </a:path>
+              </a:pathLst>
+            </a:custGeom>
+            <a:grpFill/>
+          </p:spPr>
+          <p:txBody>
+            <a:bodyPr/>
+            <a:lstStyle/>
+            <a:p>
+              <a:endParaRPr lang="es-MX"/>
+            </a:p>
+          </p:txBody>
+        </p:sp>
+      </p:grpSp>
+      <p:grpSp>
+        <p:nvGrpSpPr>
+          <p:cNvPr id="18" name="Group 18"/>
+          <p:cNvGrpSpPr/>
+          <p:nvPr/>
+        </p:nvGrpSpPr>
+        <p:grpSpPr>
+          <a:xfrm rot="-10800000">
+            <a:off x="-1643644" y="9951501"/>
+            <a:ext cx="17768494" cy="1949023"/>
+            <a:chOff x="0" y="0"/>
+            <a:chExt cx="48975363" cy="5372100"/>
+          </a:xfrm>
+          <a:solidFill>
+            <a:srgbClr val="2D3250"/>
+          </a:solidFill>
+        </p:grpSpPr>
+        <p:sp>
+          <p:nvSpPr>
+            <p:cNvPr id="19" name="Freeform 19"/>
+            <p:cNvSpPr/>
+            <p:nvPr/>
+          </p:nvSpPr>
+          <p:spPr>
+            <a:xfrm>
+              <a:off x="0" y="0"/>
+              <a:ext cx="48975364" cy="5372100"/>
+            </a:xfrm>
+            <a:custGeom>
+              <a:avLst/>
+              <a:gdLst/>
+              <a:ahLst/>
+              <a:cxnLst/>
+              <a:rect l="l" t="t" r="r" b="b"/>
+              <a:pathLst>
+                <a:path w="48975364" h="5372100">
+                  <a:moveTo>
+                    <a:pt x="47424693" y="0"/>
+                  </a:moveTo>
+                  <a:lnTo>
+                    <a:pt x="1550670" y="0"/>
+                  </a:lnTo>
+                  <a:lnTo>
+                    <a:pt x="0" y="2686050"/>
+                  </a:lnTo>
+                  <a:lnTo>
+                    <a:pt x="1550670" y="5372100"/>
+                  </a:lnTo>
+                  <a:lnTo>
+                    <a:pt x="47424693" y="5372100"/>
+                  </a:lnTo>
+                  <a:lnTo>
+                    <a:pt x="48975364" y="2686050"/>
+                  </a:lnTo>
+                  <a:lnTo>
+                    <a:pt x="47424693" y="0"/>
+                  </a:lnTo>
+                  <a:close/>
+                </a:path>
+              </a:pathLst>
+            </a:custGeom>
+            <a:grpFill/>
+          </p:spPr>
+          <p:txBody>
+            <a:bodyPr/>
+            <a:lstStyle/>
+            <a:p>
+              <a:endParaRPr lang="es-MX"/>
+            </a:p>
+          </p:txBody>
+        </p:sp>
+      </p:grpSp>
+      <p:sp>
+        <p:nvSpPr>
+          <p:cNvPr id="2" name="Marcador de contenido 2">
+            <a:extLst>
+              <a:ext uri="{FF2B5EF4-FFF2-40B4-BE49-F238E27FC236}">
+                <a16:creationId xmlns:a16="http://schemas.microsoft.com/office/drawing/2014/main" id="{ED29DC63-94CD-3D79-7690-C84949583E74}"/>
+              </a:ext>
+            </a:extLst>
+          </p:cNvPr>
+          <p:cNvSpPr txBox="1">
+            <a:spLocks/>
+          </p:cNvSpPr>
+          <p:nvPr/>
+        </p:nvSpPr>
+        <p:spPr>
+          <a:xfrm>
+            <a:off x="999390" y="2967830"/>
+            <a:ext cx="16831409" cy="6214269"/>
+          </a:xfrm>
+          <a:prstGeom prst="rect">
+            <a:avLst/>
+          </a:prstGeom>
+        </p:spPr>
+        <p:txBody>
+          <a:bodyPr/>
+          <a:lstStyle>
+            <a:lvl1pPr marL="342900" indent="-342900" algn="l" defTabSz="914400" rtl="0" eaLnBrk="1" latinLnBrk="0" hangingPunct="1">
+              <a:spcBef>
+                <a:spcPct val="20000"/>
+              </a:spcBef>
+              <a:buFont typeface="Arial" pitchFamily="34" charset="0"/>
+              <a:buChar char="•"/>
+              <a:defRPr sz="3200" kern="1200">
+                <a:solidFill>
+                  <a:schemeClr val="tx1"/>
+                </a:solidFill>
+                <a:latin typeface="+mn-lt"/>
+                <a:ea typeface="+mn-ea"/>
+                <a:cs typeface="+mn-cs"/>
+              </a:defRPr>
+            </a:lvl1pPr>
+            <a:lvl2pPr marL="742950" indent="-285750" algn="l" defTabSz="914400" rtl="0" eaLnBrk="1" latinLnBrk="0" hangingPunct="1">
+              <a:spcBef>
+                <a:spcPct val="20000"/>
+              </a:spcBef>
+              <a:buFont typeface="Arial" pitchFamily="34" charset="0"/>
+              <a:buChar char="–"/>
+              <a:defRPr sz="2800" kern="1200">
+                <a:solidFill>
+                  <a:schemeClr val="tx1"/>
+                </a:solidFill>
+                <a:latin typeface="+mn-lt"/>
+                <a:ea typeface="+mn-ea"/>
+                <a:cs typeface="+mn-cs"/>
+              </a:defRPr>
+            </a:lvl2pPr>
+            <a:lvl3pPr marL="1143000" indent="-228600" algn="l" defTabSz="914400" rtl="0" eaLnBrk="1" latinLnBrk="0" hangingPunct="1">
+              <a:spcBef>
+                <a:spcPct val="20000"/>
+              </a:spcBef>
+              <a:buFont typeface="Arial" pitchFamily="34" charset="0"/>
+              <a:buChar char="•"/>
+              <a:defRPr sz="2400" kern="1200">
+                <a:solidFill>
+                  <a:schemeClr val="tx1"/>
+                </a:solidFill>
+                <a:latin typeface="+mn-lt"/>
+                <a:ea typeface="+mn-ea"/>
+                <a:cs typeface="+mn-cs"/>
+              </a:defRPr>
+            </a:lvl3pPr>
+            <a:lvl4pPr marL="1600200" indent="-228600" algn="l" defTabSz="914400" rtl="0" eaLnBrk="1" latinLnBrk="0" hangingPunct="1">
+              <a:spcBef>
+                <a:spcPct val="20000"/>
+              </a:spcBef>
+              <a:buFont typeface="Arial" pitchFamily="34" charset="0"/>
+              <a:buChar char="–"/>
+              <a:defRPr sz="2000" kern="1200">
+                <a:solidFill>
+                  <a:schemeClr val="tx1"/>
+                </a:solidFill>
+                <a:latin typeface="+mn-lt"/>
+                <a:ea typeface="+mn-ea"/>
+                <a:cs typeface="+mn-cs"/>
+              </a:defRPr>
+            </a:lvl4pPr>
+            <a:lvl5pPr marL="2057400" indent="-228600" algn="l" defTabSz="914400" rtl="0" eaLnBrk="1" latinLnBrk="0" hangingPunct="1">
+              <a:spcBef>
+                <a:spcPct val="20000"/>
+              </a:spcBef>
+              <a:buFont typeface="Arial" pitchFamily="34" charset="0"/>
+              <a:buChar char="»"/>
+              <a:defRPr sz="2000" kern="1200">
+                <a:solidFill>
+                  <a:schemeClr val="tx1"/>
+                </a:solidFill>
+                <a:latin typeface="+mn-lt"/>
+                <a:ea typeface="+mn-ea"/>
+                <a:cs typeface="+mn-cs"/>
+              </a:defRPr>
+            </a:lvl5pPr>
+            <a:lvl6pPr marL="2514600" indent="-228600" algn="l" defTabSz="914400" rtl="0" eaLnBrk="1" latinLnBrk="0" hangingPunct="1">
+              <a:spcBef>
+                <a:spcPct val="20000"/>
+              </a:spcBef>
+              <a:buFont typeface="Arial" pitchFamily="34" charset="0"/>
+              <a:buChar char="•"/>
+              <a:defRPr sz="2000" kern="1200">
+                <a:solidFill>
+                  <a:schemeClr val="tx1"/>
+                </a:solidFill>
+                <a:latin typeface="+mn-lt"/>
+                <a:ea typeface="+mn-ea"/>
+                <a:cs typeface="+mn-cs"/>
+              </a:defRPr>
+            </a:lvl6pPr>
+            <a:lvl7pPr marL="2971800" indent="-228600" algn="l" defTabSz="914400" rtl="0" eaLnBrk="1" latinLnBrk="0" hangingPunct="1">
+              <a:spcBef>
+                <a:spcPct val="20000"/>
+              </a:spcBef>
+              <a:buFont typeface="Arial" pitchFamily="34" charset="0"/>
+              <a:buChar char="•"/>
+              <a:defRPr sz="2000" kern="1200">
+                <a:solidFill>
+                  <a:schemeClr val="tx1"/>
+                </a:solidFill>
+                <a:latin typeface="+mn-lt"/>
+                <a:ea typeface="+mn-ea"/>
+                <a:cs typeface="+mn-cs"/>
+              </a:defRPr>
+            </a:lvl7pPr>
+            <a:lvl8pPr marL="3429000" indent="-228600" algn="l" defTabSz="914400" rtl="0" eaLnBrk="1" latinLnBrk="0" hangingPunct="1">
+              <a:spcBef>
+                <a:spcPct val="20000"/>
+              </a:spcBef>
+              <a:buFont typeface="Arial" pitchFamily="34" charset="0"/>
+              <a:buChar char="•"/>
+              <a:defRPr sz="2000" kern="1200">
+                <a:solidFill>
+                  <a:schemeClr val="tx1"/>
+                </a:solidFill>
+                <a:latin typeface="+mn-lt"/>
+                <a:ea typeface="+mn-ea"/>
+                <a:cs typeface="+mn-cs"/>
+              </a:defRPr>
+            </a:lvl8pPr>
+            <a:lvl9pPr marL="3886200" indent="-228600" algn="l" defTabSz="914400" rtl="0" eaLnBrk="1" latinLnBrk="0" hangingPunct="1">
+              <a:spcBef>
+                <a:spcPct val="20000"/>
+              </a:spcBef>
+              <a:buFont typeface="Arial" pitchFamily="34" charset="0"/>
+              <a:buChar char="•"/>
+              <a:defRPr sz="2000" kern="1200">
+                <a:solidFill>
+                  <a:schemeClr val="tx1"/>
+                </a:solidFill>
+                <a:latin typeface="+mn-lt"/>
+                <a:ea typeface="+mn-ea"/>
+                <a:cs typeface="+mn-cs"/>
+              </a:defRPr>
+            </a:lvl9pPr>
+          </a:lstStyle>
+          <a:p>
+            <a:endParaRPr lang="es-MX" sz="4400" dirty="0"/>
+          </a:p>
+        </p:txBody>
+      </p:sp>
+      <p:sp>
+        <p:nvSpPr>
+          <p:cNvPr id="4" name="Marcador de número de diapositiva 3">
+            <a:extLst>
+              <a:ext uri="{FF2B5EF4-FFF2-40B4-BE49-F238E27FC236}">
+                <a16:creationId xmlns:a16="http://schemas.microsoft.com/office/drawing/2014/main" id="{56D9984C-F715-46E9-9FE5-D26D7EF78402}"/>
+              </a:ext>
+            </a:extLst>
+          </p:cNvPr>
+          <p:cNvSpPr>
+            <a:spLocks noGrp="1"/>
+          </p:cNvSpPr>
+          <p:nvPr>
+            <p:ph type="sldNum" sz="quarter" idx="12"/>
+          </p:nvPr>
+        </p:nvSpPr>
+        <p:spPr>
+          <a:xfrm>
+            <a:off x="15679614" y="9201674"/>
+            <a:ext cx="2133600" cy="365125"/>
+          </a:xfrm>
+        </p:spPr>
+        <p:txBody>
+          <a:bodyPr/>
+          <a:lstStyle/>
+          <a:p>
+            <a:fld id="{B6F15528-21DE-4FAA-801E-634DDDAF4B2B}" type="slidenum">
+              <a:rPr lang="en-US" sz="3200" smtClean="0"/>
+              <a:pPr/>
+              <a:t>14</a:t>
+            </a:fld>
+            <a:endParaRPr lang="en-US" sz="3200"/>
+          </a:p>
+        </p:txBody>
+      </p:sp>
+      <p:sp>
+        <p:nvSpPr>
+          <p:cNvPr id="3" name="TextBox 7">
+            <a:extLst>
+              <a:ext uri="{FF2B5EF4-FFF2-40B4-BE49-F238E27FC236}">
+                <a16:creationId xmlns:a16="http://schemas.microsoft.com/office/drawing/2014/main" id="{04A40C6B-20F0-C389-A5FC-5A3FD073FED2}"/>
+              </a:ext>
+            </a:extLst>
+          </p:cNvPr>
+          <p:cNvSpPr txBox="1"/>
+          <p:nvPr/>
+        </p:nvSpPr>
+        <p:spPr>
+          <a:xfrm>
+            <a:off x="7400187" y="8399404"/>
+            <a:ext cx="4029811" cy="276999"/>
+          </a:xfrm>
+          <a:prstGeom prst="rect">
+            <a:avLst/>
+          </a:prstGeom>
+        </p:spPr>
+        <p:txBody>
+          <a:bodyPr wrap="square" lIns="0" tIns="0" rIns="0" bIns="0" rtlCol="0" anchor="t">
+            <a:spAutoFit/>
+          </a:bodyPr>
+          <a:lstStyle/>
+          <a:p>
+            <a:pPr marL="0" lvl="0" indent="0" algn="ctr">
+              <a:spcBef>
+                <a:spcPct val="0"/>
+              </a:spcBef>
+            </a:pPr>
+            <a:r>
+              <a:rPr lang="es-MX" dirty="0">
+                <a:solidFill>
+                  <a:srgbClr val="676F9D"/>
+                </a:solidFill>
+                <a:latin typeface="Fira Sans Semi-Bold"/>
+              </a:rPr>
+              <a:t>Interfaz “Estilo de Aprendizaje”</a:t>
+            </a:r>
+            <a:endParaRPr lang="es-MX" u="none" dirty="0">
+              <a:solidFill>
+                <a:srgbClr val="676F9D"/>
+              </a:solidFill>
+              <a:latin typeface="Fira Sans Semi-Bold"/>
+            </a:endParaRPr>
+          </a:p>
+        </p:txBody>
+      </p:sp>
+      <p:pic>
+        <p:nvPicPr>
+          <p:cNvPr id="10" name="Imagen 9" descr="Interfaz de usuario gráfica, Sitio web&#10;&#10;Descripción generada automáticamente">
+            <a:extLst>
+              <a:ext uri="{FF2B5EF4-FFF2-40B4-BE49-F238E27FC236}">
+                <a16:creationId xmlns:a16="http://schemas.microsoft.com/office/drawing/2014/main" id="{DE53891C-3D47-1006-91F8-34611A6FB7B4}"/>
+              </a:ext>
+            </a:extLst>
+          </p:cNvPr>
+          <p:cNvPicPr>
+            <a:picLocks noChangeAspect="1"/>
+          </p:cNvPicPr>
+          <p:nvPr/>
+        </p:nvPicPr>
+        <p:blipFill>
+          <a:blip r:embed="rId3">
+            <a:extLst>
+              <a:ext uri="{28A0092B-C50C-407E-A947-70E740481C1C}">
+                <a14:useLocalDpi xmlns:a14="http://schemas.microsoft.com/office/drawing/2010/main" val="0"/>
+              </a:ext>
+            </a:extLst>
+          </a:blip>
+          <a:stretch>
+            <a:fillRect/>
+          </a:stretch>
+        </p:blipFill>
+        <p:spPr>
+          <a:xfrm>
+            <a:off x="4452014" y="2403933"/>
+            <a:ext cx="9926159" cy="5570074"/>
+          </a:xfrm>
+          <a:prstGeom prst="rect">
+            <a:avLst/>
+          </a:prstGeom>
+        </p:spPr>
+      </p:pic>
+    </p:spTree>
+    <p:extLst>
+      <p:ext uri="{BB962C8B-B14F-4D97-AF65-F5344CB8AC3E}">
+        <p14:creationId xmlns:p14="http://schemas.microsoft.com/office/powerpoint/2010/main" val="1067042846"/>
+      </p:ext>
+    </p:extLst>
+  </p:cSld>
+  <p:clrMapOvr>
+    <a:masterClrMapping/>
+  </p:clrMapOvr>
+</p:sld>
+</file>
+
+<file path=ppt/slides/slide15.xml><?xml version="1.0" encoding="utf-8"?>
 <p:sld xmlns:a="http://schemas.openxmlformats.org/drawingml/2006/main" xmlns:r="http://schemas.openxmlformats.org/officeDocument/2006/relationships" xmlns:p="http://schemas.openxmlformats.org/presentationml/2006/main">
   <p:cSld>
     <p:bg>
@@ -8983,7 +9621,7 @@
             <a:fld id="{B6F15528-21DE-4FAA-801E-634DDDAF4B2B}" type="slidenum">
               <a:rPr lang="en-US" sz="3200" smtClean="0"/>
               <a:pPr/>
-              <a:t>14</a:t>
+              <a:t>15</a:t>
             </a:fld>
             <a:endParaRPr lang="en-US" sz="3200" dirty="0"/>
           </a:p>
@@ -15075,17 +15713,6 @@
 </file>
 
 <file path=customXml/item2.xml><?xml version="1.0" encoding="utf-8"?>
-<p:properties xmlns:p="http://schemas.microsoft.com/office/2006/metadata/properties" xmlns:xsi="http://www.w3.org/2001/XMLSchema-instance" xmlns:pc="http://schemas.microsoft.com/office/infopath/2007/PartnerControls">
-  <documentManagement>
-    <lcf76f155ced4ddcb4097134ff3c332f xmlns="612e88f8-c351-4c29-ac86-950e0b650f46">
-      <Terms xmlns="http://schemas.microsoft.com/office/infopath/2007/PartnerControls"/>
-    </lcf76f155ced4ddcb4097134ff3c332f>
-    <TaxCatchAll xmlns="0d23b421-b106-4259-a1fb-08d5c9473615" xsi:nil="true"/>
-  </documentManagement>
-</p:properties>
-</file>
-
-<file path=customXml/item3.xml><?xml version="1.0" encoding="utf-8"?>
 <ct:contentTypeSchema xmlns:ct="http://schemas.microsoft.com/office/2006/metadata/contentType" xmlns:ma="http://schemas.microsoft.com/office/2006/metadata/properties/metaAttributes" ct:_="" ma:_="" ma:contentTypeName="Document" ma:contentTypeID="0x01010027A44D7D2B26D84FABFD82D98CBDA610" ma:contentTypeVersion="12" ma:contentTypeDescription="Create a new document." ma:contentTypeScope="" ma:versionID="20a1a37c42a14d0033a368499e9a506d">
   <xsd:schema xmlns:xsd="http://www.w3.org/2001/XMLSchema" xmlns:xs="http://www.w3.org/2001/XMLSchema" xmlns:p="http://schemas.microsoft.com/office/2006/metadata/properties" xmlns:ns2="612e88f8-c351-4c29-ac86-950e0b650f46" xmlns:ns3="0d23b421-b106-4259-a1fb-08d5c9473615" targetNamespace="http://schemas.microsoft.com/office/2006/metadata/properties" ma:root="true" ma:fieldsID="26a7d936cb86953176fe64ab47a00111" ns2:_="" ns3:_="">
     <xsd:import namespace="612e88f8-c351-4c29-ac86-950e0b650f46"/>
@@ -15286,6 +15913,17 @@
 </ct:contentTypeSchema>
 </file>
 
+<file path=customXml/item3.xml><?xml version="1.0" encoding="utf-8"?>
+<p:properties xmlns:p="http://schemas.microsoft.com/office/2006/metadata/properties" xmlns:xsi="http://www.w3.org/2001/XMLSchema-instance" xmlns:pc="http://schemas.microsoft.com/office/infopath/2007/PartnerControls">
+  <documentManagement>
+    <lcf76f155ced4ddcb4097134ff3c332f xmlns="612e88f8-c351-4c29-ac86-950e0b650f46">
+      <Terms xmlns="http://schemas.microsoft.com/office/infopath/2007/PartnerControls"/>
+    </lcf76f155ced4ddcb4097134ff3c332f>
+    <TaxCatchAll xmlns="0d23b421-b106-4259-a1fb-08d5c9473615" xsi:nil="true"/>
+  </documentManagement>
+</p:properties>
+</file>
+
 <file path=customXml/itemProps1.xml><?xml version="1.0" encoding="utf-8"?>
 <ds:datastoreItem xmlns:ds="http://schemas.openxmlformats.org/officeDocument/2006/customXml" ds:itemID="{1F9FDBCB-A763-42F5-958C-F18433B74302}">
   <ds:schemaRefs>
@@ -15295,23 +15933,6 @@
 </file>
 
 <file path=customXml/itemProps2.xml><?xml version="1.0" encoding="utf-8"?>
-<ds:datastoreItem xmlns:ds="http://schemas.openxmlformats.org/officeDocument/2006/customXml" ds:itemID="{31A1265A-2DCD-4E85-842F-D74BFCE49F1A}">
-  <ds:schemaRefs>
-    <ds:schemaRef ds:uri="http://purl.org/dc/terms/"/>
-    <ds:schemaRef ds:uri="http://schemas.microsoft.com/office/2006/documentManagement/types"/>
-    <ds:schemaRef ds:uri="http://www.w3.org/XML/1998/namespace"/>
-    <ds:schemaRef ds:uri="http://schemas.openxmlformats.org/package/2006/metadata/core-properties"/>
-    <ds:schemaRef ds:uri="612e88f8-c351-4c29-ac86-950e0b650f46"/>
-    <ds:schemaRef ds:uri="http://purl.org/dc/dcmitype/"/>
-    <ds:schemaRef ds:uri="0d23b421-b106-4259-a1fb-08d5c9473615"/>
-    <ds:schemaRef ds:uri="http://schemas.microsoft.com/office/infopath/2007/PartnerControls"/>
-    <ds:schemaRef ds:uri="http://schemas.microsoft.com/office/2006/metadata/properties"/>
-    <ds:schemaRef ds:uri="http://purl.org/dc/elements/1.1/"/>
-  </ds:schemaRefs>
-</ds:datastoreItem>
-</file>
-
-<file path=customXml/itemProps3.xml><?xml version="1.0" encoding="utf-8"?>
 <ds:datastoreItem xmlns:ds="http://schemas.openxmlformats.org/officeDocument/2006/customXml" ds:itemID="{9653BDA4-E8B3-46E6-9FCB-A4D4F7CB866C}">
   <ds:schemaRefs>
     <ds:schemaRef ds:uri="http://schemas.microsoft.com/office/2006/metadata/contentType"/>
@@ -15328,4 +15949,21 @@
     <ds:schemaRef ds:uri="http://schemas.microsoft.com/internal/obd"/>
   </ds:schemaRefs>
 </ds:datastoreItem>
+</file>
+
+<file path=customXml/itemProps3.xml><?xml version="1.0" encoding="utf-8"?>
+<ds:datastoreItem xmlns:ds="http://schemas.openxmlformats.org/officeDocument/2006/customXml" ds:itemID="{31A1265A-2DCD-4E85-842F-D74BFCE49F1A}">
+  <ds:schemaRefs>
+    <ds:schemaRef ds:uri="http://purl.org/dc/terms/"/>
+    <ds:schemaRef ds:uri="http://schemas.microsoft.com/office/2006/documentManagement/types"/>
+    <ds:schemaRef ds:uri="http://www.w3.org/XML/1998/namespace"/>
+    <ds:schemaRef ds:uri="http://schemas.openxmlformats.org/package/2006/metadata/core-properties"/>
+    <ds:schemaRef ds:uri="612e88f8-c351-4c29-ac86-950e0b650f46"/>
+    <ds:schemaRef ds:uri="http://purl.org/dc/dcmitype/"/>
+    <ds:schemaRef ds:uri="0d23b421-b106-4259-a1fb-08d5c9473615"/>
+    <ds:schemaRef ds:uri="http://schemas.microsoft.com/office/infopath/2007/PartnerControls"/>
+    <ds:schemaRef ds:uri="http://schemas.microsoft.com/office/2006/metadata/properties"/>
+    <ds:schemaRef ds:uri="http://purl.org/dc/elements/1.1/"/>
+  </ds:schemaRefs>
+</ds:datastoreItem>
 </file>